--- a/RulesForMyAssist.pptx
+++ b/RulesForMyAssist.pptx
@@ -7,17 +7,20 @@
   <p:sldIdLst>
     <p:sldId id="256" r:id="rId2"/>
     <p:sldId id="257" r:id="rId3"/>
-    <p:sldId id="259" r:id="rId4"/>
-    <p:sldId id="258" r:id="rId5"/>
+    <p:sldId id="258" r:id="rId4"/>
+    <p:sldId id="259" r:id="rId5"/>
     <p:sldId id="260" r:id="rId6"/>
-    <p:sldId id="261" r:id="rId7"/>
-    <p:sldId id="263" r:id="rId8"/>
-    <p:sldId id="262" r:id="rId9"/>
+    <p:sldId id="265" r:id="rId7"/>
+    <p:sldId id="261" r:id="rId8"/>
+    <p:sldId id="263" r:id="rId9"/>
+    <p:sldId id="262" r:id="rId10"/>
+    <p:sldId id="266" r:id="rId11"/>
+    <p:sldId id="264" r:id="rId12"/>
   </p:sldIdLst>
   <p:sldSz cx="10969625" cy="6170613"/>
   <p:notesSz cx="6858000" cy="9144000"/>
   <p:custDataLst>
-    <p:tags r:id="rId10"/>
+    <p:tags r:id="rId13"/>
   </p:custDataLst>
   <p:defaultTextStyle>
     <a:defPPr>
@@ -146,6 +149,11 @@
       </a:defRPr>
     </a:lvl9pPr>
   </p:defaultTextStyle>
+  <p:extLst>
+    <p:ext uri="{EFAFB233-063F-42B5-8137-9DF3F51BA10A}">
+      <p15:sldGuideLst xmlns:p15="http://schemas.microsoft.com/office/powerpoint/2012/main"/>
+    </p:ext>
+  </p:extLst>
 </p:presentation>
 </file>
 
@@ -2652,6 +2660,1397 @@
 </p:sld>
 </file>
 
+<file path=ppt/slides/slide10.xml><?xml version="1.0" encoding="utf-8"?>
+<p:sld xmlns:a="http://schemas.openxmlformats.org/drawingml/2006/main" xmlns:r="http://schemas.openxmlformats.org/officeDocument/2006/relationships" xmlns:p="http://schemas.openxmlformats.org/presentationml/2006/main">
+  <p:cSld>
+    <p:spTree>
+      <p:nvGrpSpPr>
+        <p:cNvPr id="1" name=""/>
+        <p:cNvGrpSpPr/>
+        <p:nvPr/>
+      </p:nvGrpSpPr>
+      <p:grpSpPr>
+        <a:xfrm>
+          <a:off x="0" y="0"/>
+          <a:ext cx="0" cy="0"/>
+          <a:chOff x="0" y="0"/>
+          <a:chExt cx="0" cy="0"/>
+        </a:xfrm>
+      </p:grpSpPr>
+      <p:sp>
+        <p:nvSpPr>
+          <p:cNvPr id="9" name="Textfeld 8"/>
+          <p:cNvSpPr txBox="1">
+            <a:spLocks/>
+          </p:cNvSpPr>
+          <p:nvPr>
+            <p:custDataLst>
+              <p:tags r:id="rId2"/>
+            </p:custDataLst>
+          </p:nvPr>
+        </p:nvSpPr>
+        <p:spPr>
+          <a:xfrm>
+            <a:off x="259080" y="259080"/>
+            <a:ext cx="10452100" cy="388620"/>
+          </a:xfrm>
+          <a:prstGeom prst="rect">
+            <a:avLst/>
+          </a:prstGeom>
+          <a:noFill/>
+          <a:effectLst/>
+          <a:extLst>
+            <a:ext uri="{AF507438-7753-43E0-B8FC-AC1667EBCBE1}">
+              <a14:hiddenEffects xmlns:a14="http://schemas.microsoft.com/office/drawing/2010/main">
+                <a:effectLst>
+                  <a:outerShdw blurRad="63500" rotWithShape="0">
+                    <a:scrgbClr r="0" g="0" b="0"/>
+                  </a:outerShdw>
+                </a:effectLst>
+              </a14:hiddenEffects>
+            </a:ext>
+            <a:ext uri="{53640926-AAD7-44D8-BBD7-CCE9431645EC}">
+              <a14:shadowObscured xmlns:a14="http://schemas.microsoft.com/office/drawing/2010/main"/>
+            </a:ext>
+          </a:extLst>
+        </p:spPr>
+        <p:txBody>
+          <a:bodyPr vert="horz" wrap="square" lIns="0" tIns="0" rIns="0" bIns="0" rtlCol="0" anchor="t">
+            <a:noAutofit/>
+          </a:bodyPr>
+          <a:lstStyle/>
+          <a:p>
+            <a:pPr marR="0" defTabSz="914400" eaLnBrk="1" fontAlgn="auto" latinLnBrk="0" hangingPunct="1">
+              <a:lnSpc>
+                <a:spcPct val="89000"/>
+              </a:lnSpc>
+              <a:spcBef>
+                <a:spcPts val="0"/>
+              </a:spcBef>
+              <a:spcAft>
+                <a:spcPts val="0"/>
+              </a:spcAft>
+              <a:buClrTx/>
+              <a:buSzTx/>
+              <a:buFontTx/>
+              <a:buNone/>
+              <a:tabLst/>
+            </a:pPr>
+            <a:r>
+              <a:rPr lang="en-GB" sz="2800" kern="0" noProof="0" dirty="0" smtClean="0"/>
+              <a:t>Invocation </a:t>
+            </a:r>
+            <a:endParaRPr kumimoji="0" lang="en-GB" sz="2800" b="0" i="0" u="none" strike="noStrike" kern="0" cap="none" normalizeH="0" baseline="0" noProof="0" dirty="0" smtClean="0">
+              <a:ln>
+                <a:noFill/>
+              </a:ln>
+              <a:effectLst/>
+              <a:uLnTx/>
+              <a:uFillTx/>
+            </a:endParaRPr>
+          </a:p>
+        </p:txBody>
+      </p:sp>
+      <p:sp>
+        <p:nvSpPr>
+          <p:cNvPr id="8" name="Rechteck 7"/>
+          <p:cNvSpPr>
+            <a:spLocks/>
+          </p:cNvSpPr>
+          <p:nvPr>
+            <p:custDataLst>
+              <p:tags r:id="rId3"/>
+            </p:custDataLst>
+          </p:nvPr>
+        </p:nvSpPr>
+        <p:spPr>
+          <a:xfrm>
+            <a:off x="593090" y="5643880"/>
+            <a:ext cx="9152890" cy="107950"/>
+          </a:xfrm>
+          <a:prstGeom prst="rect">
+            <a:avLst/>
+          </a:prstGeom>
+          <a:noFill/>
+          <a:ln w="9525" cap="flat" cmpd="sng" algn="ctr">
+            <a:noFill/>
+            <a:prstDash val="solid"/>
+          </a:ln>
+          <a:effectLst/>
+          <a:extLst>
+            <a:ext uri="{91240B29-F687-4F45-9708-019B960494DF}">
+              <a14:hiddenLine xmlns:a14="http://schemas.microsoft.com/office/drawing/2010/main" w="9525" cap="flat" cmpd="sng" algn="ctr">
+                <a:solidFill>
+                  <a:srgbClr val="3F136C"/>
+                </a:solidFill>
+                <a:prstDash val="solid"/>
+              </a14:hiddenLine>
+            </a:ext>
+            <a:ext uri="{AF507438-7753-43E0-B8FC-AC1667EBCBE1}">
+              <a14:hiddenEffects xmlns:a14="http://schemas.microsoft.com/office/drawing/2010/main">
+                <a:effectLst>
+                  <a:outerShdw blurRad="63500" rotWithShape="0">
+                    <a:scrgbClr r="0" g="0" b="0"/>
+                  </a:outerShdw>
+                </a:effectLst>
+              </a14:hiddenEffects>
+            </a:ext>
+            <a:ext uri="{53640926-AAD7-44D8-BBD7-CCE9431645EC}">
+              <a14:shadowObscured xmlns:a14="http://schemas.microsoft.com/office/drawing/2010/main"/>
+            </a:ext>
+          </a:extLst>
+        </p:spPr>
+        <p:txBody>
+          <a:bodyPr lIns="0" tIns="0" rIns="0" bIns="0" rtlCol="0" anchor="t"/>
+          <a:lstStyle/>
+          <a:p>
+            <a:pPr marL="0" marR="0" indent="0" defTabSz="914400" eaLnBrk="1" fontAlgn="auto" latinLnBrk="0" hangingPunct="1">
+              <a:lnSpc>
+                <a:spcPct val="107000"/>
+              </a:lnSpc>
+              <a:spcBef>
+                <a:spcPts val="0"/>
+              </a:spcBef>
+              <a:spcAft>
+                <a:spcPts val="100"/>
+              </a:spcAft>
+              <a:buClrTx/>
+              <a:buSzTx/>
+              <a:buFontTx/>
+              <a:buNone/>
+              <a:tabLst/>
+            </a:pPr>
+            <a:r>
+              <a:rPr kumimoji="0" lang="en-GB" sz="600" strike="noStrike" kern="0" cap="none" normalizeH="0" baseline="0" noProof="0" smtClean="0">
+                <a:ln>
+                  <a:noFill/>
+                </a:ln>
+                <a:solidFill>
+                  <a:srgbClr val="000000"/>
+                </a:solidFill>
+                <a:effectLst/>
+                <a:uLnTx/>
+                <a:uFillTx/>
+                <a:ea typeface="+mn-ea"/>
+                <a:cs typeface="+mn-cs"/>
+              </a:rPr>
+              <a:t>CR/AEX3 | 10/07/2017</a:t>
+            </a:r>
+            <a:endParaRPr kumimoji="0" lang="en-GB" sz="600" strike="noStrike" kern="0" cap="none" normalizeH="0" baseline="0" noProof="0" dirty="0" smtClean="0">
+              <a:ln>
+                <a:noFill/>
+              </a:ln>
+              <a:solidFill>
+                <a:srgbClr val="000000"/>
+              </a:solidFill>
+              <a:effectLst/>
+              <a:uLnTx/>
+              <a:uFillTx/>
+              <a:ea typeface="+mn-ea"/>
+              <a:cs typeface="+mn-cs"/>
+            </a:endParaRPr>
+          </a:p>
+        </p:txBody>
+      </p:sp>
+      <p:sp>
+        <p:nvSpPr>
+          <p:cNvPr id="7" name="Rechteck 6"/>
+          <p:cNvSpPr>
+            <a:spLocks/>
+          </p:cNvSpPr>
+          <p:nvPr>
+            <p:custDataLst>
+              <p:tags r:id="rId4"/>
+            </p:custDataLst>
+          </p:nvPr>
+        </p:nvSpPr>
+        <p:spPr>
+          <a:xfrm>
+            <a:off x="593090" y="5758180"/>
+            <a:ext cx="9152890" cy="215900"/>
+          </a:xfrm>
+          <a:prstGeom prst="rect">
+            <a:avLst/>
+          </a:prstGeom>
+          <a:noFill/>
+          <a:ln w="9525" cap="flat" cmpd="sng" algn="ctr">
+            <a:noFill/>
+            <a:prstDash val="solid"/>
+          </a:ln>
+          <a:effectLst/>
+          <a:extLst>
+            <a:ext uri="{91240B29-F687-4F45-9708-019B960494DF}">
+              <a14:hiddenLine xmlns:a14="http://schemas.microsoft.com/office/drawing/2010/main" w="9525" cap="flat" cmpd="sng" algn="ctr">
+                <a:solidFill>
+                  <a:srgbClr val="3F136C"/>
+                </a:solidFill>
+                <a:prstDash val="solid"/>
+              </a14:hiddenLine>
+            </a:ext>
+            <a:ext uri="{AF507438-7753-43E0-B8FC-AC1667EBCBE1}">
+              <a14:hiddenEffects xmlns:a14="http://schemas.microsoft.com/office/drawing/2010/main">
+                <a:effectLst>
+                  <a:outerShdw blurRad="63500" rotWithShape="0">
+                    <a:scrgbClr r="0" g="0" b="0"/>
+                  </a:outerShdw>
+                </a:effectLst>
+              </a14:hiddenEffects>
+            </a:ext>
+            <a:ext uri="{53640926-AAD7-44D8-BBD7-CCE9431645EC}">
+              <a14:shadowObscured xmlns:a14="http://schemas.microsoft.com/office/drawing/2010/main"/>
+            </a:ext>
+          </a:extLst>
+        </p:spPr>
+        <p:txBody>
+          <a:bodyPr lIns="0" tIns="0" rIns="0" bIns="0" rtlCol="0" anchor="t"/>
+          <a:lstStyle/>
+          <a:p>
+            <a:pPr marL="0" marR="0" indent="0" defTabSz="914400" eaLnBrk="1" fontAlgn="auto" latinLnBrk="0" hangingPunct="1">
+              <a:lnSpc>
+                <a:spcPct val="107000"/>
+              </a:lnSpc>
+              <a:spcBef>
+                <a:spcPts val="0"/>
+              </a:spcBef>
+              <a:spcAft>
+                <a:spcPts val="100"/>
+              </a:spcAft>
+              <a:buClrTx/>
+              <a:buSzTx/>
+              <a:buFontTx/>
+              <a:buNone/>
+              <a:tabLst/>
+            </a:pPr>
+            <a:r>
+              <a:rPr kumimoji="0" lang="en-US" sz="600" b="0" i="0" u="none" strike="noStrike" kern="0" cap="none" normalizeH="0" baseline="0" noProof="0" smtClean="0">
+                <a:ln>
+                  <a:noFill/>
+                </a:ln>
+                <a:solidFill>
+                  <a:srgbClr val="B2B3B5"/>
+                </a:solidFill>
+                <a:effectLst/>
+                <a:uLnTx/>
+                <a:uFillTx/>
+                <a:latin typeface="Bosch Office Sans"/>
+                <a:ea typeface="+mn-ea"/>
+                <a:cs typeface="+mn-cs"/>
+              </a:rPr>
+              <a:t>© Robert Bosch GmbH 2017. All rights reserved, also regarding any disposal, exploitation, reproduction, editing, distribution, as well as in the event of applications for industrial property rights.</a:t>
+            </a:r>
+            <a:endParaRPr kumimoji="0" lang="en-GB" sz="600" b="0" i="0" u="none" strike="noStrike" kern="0" cap="none" normalizeH="0" baseline="0" noProof="0" dirty="0" smtClean="0">
+              <a:ln>
+                <a:noFill/>
+              </a:ln>
+              <a:solidFill>
+                <a:srgbClr val="B2B3B5"/>
+              </a:solidFill>
+              <a:effectLst/>
+              <a:uLnTx/>
+              <a:uFillTx/>
+              <a:latin typeface="Bosch Office Sans"/>
+              <a:ea typeface="+mn-ea"/>
+              <a:cs typeface="+mn-cs"/>
+            </a:endParaRPr>
+          </a:p>
+        </p:txBody>
+      </p:sp>
+      <p:sp>
+        <p:nvSpPr>
+          <p:cNvPr id="6" name="Rechteck 5"/>
+          <p:cNvSpPr>
+            <a:spLocks/>
+          </p:cNvSpPr>
+          <p:nvPr>
+            <p:custDataLst>
+              <p:tags r:id="rId5"/>
+            </p:custDataLst>
+          </p:nvPr>
+        </p:nvSpPr>
+        <p:spPr>
+          <a:xfrm>
+            <a:off x="266700" y="5628640"/>
+            <a:ext cx="288290" cy="410210"/>
+          </a:xfrm>
+          <a:prstGeom prst="rect">
+            <a:avLst/>
+          </a:prstGeom>
+          <a:noFill/>
+          <a:ln w="9525" cap="flat" cmpd="sng" algn="ctr">
+            <a:noFill/>
+            <a:prstDash val="solid"/>
+          </a:ln>
+          <a:effectLst/>
+          <a:extLst>
+            <a:ext uri="{91240B29-F687-4F45-9708-019B960494DF}">
+              <a14:hiddenLine xmlns:a14="http://schemas.microsoft.com/office/drawing/2010/main" w="9525" cap="flat" cmpd="sng" algn="ctr">
+                <a:solidFill>
+                  <a:srgbClr val="3F136C"/>
+                </a:solidFill>
+                <a:prstDash val="solid"/>
+              </a14:hiddenLine>
+            </a:ext>
+            <a:ext uri="{AF507438-7753-43E0-B8FC-AC1667EBCBE1}">
+              <a14:hiddenEffects xmlns:a14="http://schemas.microsoft.com/office/drawing/2010/main">
+                <a:effectLst>
+                  <a:outerShdw blurRad="63500" rotWithShape="0">
+                    <a:scrgbClr r="0" g="0" b="0"/>
+                  </a:outerShdw>
+                </a:effectLst>
+              </a14:hiddenEffects>
+            </a:ext>
+            <a:ext uri="{53640926-AAD7-44D8-BBD7-CCE9431645EC}">
+              <a14:shadowObscured xmlns:a14="http://schemas.microsoft.com/office/drawing/2010/main"/>
+            </a:ext>
+          </a:extLst>
+        </p:spPr>
+        <p:txBody>
+          <a:bodyPr wrap="none" lIns="0" tIns="0" rIns="0" bIns="0" rtlCol="0" anchor="t"/>
+          <a:lstStyle/>
+          <a:p>
+            <a:pPr marL="0" marR="0" indent="0" defTabSz="914400" eaLnBrk="1" fontAlgn="auto" latinLnBrk="0" hangingPunct="1">
+              <a:spcBef>
+                <a:spcPts val="0"/>
+              </a:spcBef>
+              <a:spcAft>
+                <a:spcPts val="0"/>
+              </a:spcAft>
+              <a:buClrTx/>
+              <a:buSzTx/>
+              <a:buFontTx/>
+              <a:buNone/>
+              <a:tabLst/>
+            </a:pPr>
+            <a:r>
+              <a:rPr kumimoji="0" lang="en-GB" sz="1200" b="0" i="0" u="none" strike="noStrike" kern="0" cap="none" normalizeH="0" baseline="0" noProof="0" smtClean="0">
+                <a:ln>
+                  <a:noFill/>
+                </a:ln>
+                <a:solidFill>
+                  <a:srgbClr val="999FA6"/>
+                </a:solidFill>
+                <a:effectLst/>
+                <a:uLnTx/>
+                <a:uFillTx/>
+                <a:latin typeface="Bosch Office Sans"/>
+                <a:ea typeface="+mn-ea"/>
+                <a:cs typeface="+mn-cs"/>
+              </a:rPr>
+              <a:t>10</a:t>
+            </a:r>
+            <a:endParaRPr kumimoji="0" lang="en-GB" sz="1200" b="0" i="0" u="none" strike="noStrike" kern="0" cap="none" normalizeH="0" baseline="0" noProof="0" dirty="0" smtClean="0">
+              <a:ln>
+                <a:noFill/>
+              </a:ln>
+              <a:solidFill>
+                <a:srgbClr val="999FA6"/>
+              </a:solidFill>
+              <a:effectLst/>
+              <a:uLnTx/>
+              <a:uFillTx/>
+              <a:latin typeface="Bosch Office Sans"/>
+              <a:ea typeface="+mn-ea"/>
+              <a:cs typeface="+mn-cs"/>
+            </a:endParaRPr>
+          </a:p>
+        </p:txBody>
+      </p:sp>
+      <p:sp>
+        <p:nvSpPr>
+          <p:cNvPr id="5" name="Rechteck 4"/>
+          <p:cNvSpPr>
+            <a:spLocks/>
+          </p:cNvSpPr>
+          <p:nvPr>
+            <p:custDataLst>
+              <p:tags r:id="rId6"/>
+            </p:custDataLst>
+          </p:nvPr>
+        </p:nvSpPr>
+        <p:spPr>
+          <a:xfrm>
+            <a:off x="9224010" y="259080"/>
+            <a:ext cx="1691640" cy="777240"/>
+          </a:xfrm>
+          <a:prstGeom prst="rect">
+            <a:avLst/>
+          </a:prstGeom>
+          <a:noFill/>
+          <a:ln w="9525" cap="flat" cmpd="sng" algn="ctr">
+            <a:noFill/>
+            <a:prstDash val="solid"/>
+          </a:ln>
+          <a:effectLst/>
+          <a:extLst>
+            <a:ext uri="{91240B29-F687-4F45-9708-019B960494DF}">
+              <a14:hiddenLine xmlns:a14="http://schemas.microsoft.com/office/drawing/2010/main" w="9525" cap="flat" cmpd="sng" algn="ctr">
+                <a:solidFill>
+                  <a:srgbClr val="3F136C"/>
+                </a:solidFill>
+                <a:prstDash val="solid"/>
+              </a14:hiddenLine>
+            </a:ext>
+            <a:ext uri="{AF507438-7753-43E0-B8FC-AC1667EBCBE1}">
+              <a14:hiddenEffects xmlns:a14="http://schemas.microsoft.com/office/drawing/2010/main">
+                <a:effectLst>
+                  <a:outerShdw blurRad="63500" rotWithShape="0">
+                    <a:scrgbClr r="0" g="0" b="0"/>
+                  </a:outerShdw>
+                </a:effectLst>
+              </a14:hiddenEffects>
+            </a:ext>
+            <a:ext uri="{53640926-AAD7-44D8-BBD7-CCE9431645EC}">
+              <a14:shadowObscured xmlns:a14="http://schemas.microsoft.com/office/drawing/2010/main"/>
+            </a:ext>
+          </a:extLst>
+        </p:spPr>
+        <p:txBody>
+          <a:bodyPr lIns="0" tIns="17780" rIns="0" bIns="0" rtlCol="0" anchor="t">
+            <a:normAutofit/>
+          </a:bodyPr>
+          <a:lstStyle/>
+          <a:p>
+            <a:pPr marL="0" marR="0" indent="0" defTabSz="914400" eaLnBrk="1" fontAlgn="auto" latinLnBrk="0" hangingPunct="1">
+              <a:lnSpc>
+                <a:spcPts val="900"/>
+              </a:lnSpc>
+              <a:spcBef>
+                <a:spcPts val="0"/>
+              </a:spcBef>
+              <a:spcAft>
+                <a:spcPts val="0"/>
+              </a:spcAft>
+              <a:buClrTx/>
+              <a:buSzTx/>
+              <a:buFontTx/>
+              <a:buNone/>
+              <a:tabLst/>
+            </a:pPr>
+            <a:endParaRPr kumimoji="0" lang="en-GB" sz="550" b="0" i="0" u="none" strike="noStrike" kern="0" cap="none" normalizeH="0" baseline="0" noProof="0" dirty="0" smtClean="0">
+              <a:ln>
+                <a:noFill/>
+              </a:ln>
+              <a:effectLst/>
+              <a:uLnTx/>
+              <a:uFillTx/>
+              <a:latin typeface="Bosch Office Sans"/>
+              <a:ea typeface="+mn-ea"/>
+              <a:cs typeface="+mn-cs"/>
+            </a:endParaRPr>
+          </a:p>
+        </p:txBody>
+      </p:sp>
+      <p:sp>
+        <p:nvSpPr>
+          <p:cNvPr id="4" name="Textfeld 3" hidden="1"/>
+          <p:cNvSpPr txBox="1"/>
+          <p:nvPr>
+            <p:custDataLst>
+              <p:tags r:id="rId7"/>
+            </p:custDataLst>
+          </p:nvPr>
+        </p:nvSpPr>
+        <p:spPr>
+          <a:xfrm>
+            <a:off x="0" y="5975350"/>
+            <a:ext cx="0" cy="0"/>
+          </a:xfrm>
+          <a:prstGeom prst="rect">
+            <a:avLst/>
+          </a:prstGeom>
+          <a:noFill/>
+          <a:effectLst/>
+          <a:extLst>
+            <a:ext uri="{AF507438-7753-43E0-B8FC-AC1667EBCBE1}">
+              <a14:hiddenEffects xmlns:a14="http://schemas.microsoft.com/office/drawing/2010/main">
+                <a:effectLst>
+                  <a:outerShdw blurRad="63500" rotWithShape="0">
+                    <a:scrgbClr r="0" g="0" b="0"/>
+                  </a:outerShdw>
+                </a:effectLst>
+              </a14:hiddenEffects>
+            </a:ext>
+            <a:ext uri="{53640926-AAD7-44D8-BBD7-CCE9431645EC}">
+              <a14:shadowObscured xmlns:a14="http://schemas.microsoft.com/office/drawing/2010/main"/>
+            </a:ext>
+          </a:extLst>
+        </p:spPr>
+        <p:txBody>
+          <a:bodyPr vert="horz" wrap="none" lIns="0" tIns="0" rIns="0" bIns="0" rtlCol="0" anchor="t">
+            <a:noAutofit/>
+          </a:bodyPr>
+          <a:lstStyle/>
+          <a:p>
+            <a:pPr marR="0" defTabSz="914400" eaLnBrk="1" fontAlgn="auto" latinLnBrk="0" hangingPunct="1">
+              <a:lnSpc>
+                <a:spcPts val="2300"/>
+              </a:lnSpc>
+              <a:spcBef>
+                <a:spcPts val="0"/>
+              </a:spcBef>
+              <a:spcAft>
+                <a:spcPts val="0"/>
+              </a:spcAft>
+              <a:buClrTx/>
+              <a:buSzTx/>
+              <a:buFontTx/>
+              <a:buNone/>
+              <a:tabLst/>
+            </a:pPr>
+            <a:endParaRPr kumimoji="0" lang="en-GB" sz="1300" b="0" i="0" u="none" strike="noStrike" kern="0" cap="none" normalizeH="0" baseline="0" noProof="0" dirty="0" smtClean="0">
+              <a:ln>
+                <a:noFill/>
+              </a:ln>
+              <a:effectLst/>
+              <a:uLnTx/>
+              <a:uFillTx/>
+            </a:endParaRPr>
+          </a:p>
+        </p:txBody>
+      </p:sp>
+      <p:sp>
+        <p:nvSpPr>
+          <p:cNvPr id="3" name="Inhaltsplatzhalter 2"/>
+          <p:cNvSpPr>
+            <a:spLocks noGrp="1"/>
+          </p:cNvSpPr>
+          <p:nvPr>
+            <p:ph idx="1"/>
+            <p:custDataLst>
+              <p:tags r:id="rId8"/>
+            </p:custDataLst>
+          </p:nvPr>
+        </p:nvSpPr>
+        <p:spPr>
+          <a:xfrm>
+            <a:off x="259080" y="1295400"/>
+            <a:ext cx="10452100" cy="4168140"/>
+          </a:xfrm>
+          <a:effectLst/>
+          <a:extLst>
+            <a:ext uri="{AF507438-7753-43E0-B8FC-AC1667EBCBE1}">
+              <a14:hiddenEffects xmlns:a14="http://schemas.microsoft.com/office/drawing/2010/main">
+                <a:effectLst>
+                  <a:outerShdw blurRad="63500" rotWithShape="0">
+                    <a:scrgbClr r="0" g="0" b="0"/>
+                  </a:outerShdw>
+                </a:effectLst>
+              </a14:hiddenEffects>
+            </a:ext>
+            <a:ext uri="{53640926-AAD7-44D8-BBD7-CCE9431645EC}">
+              <a14:shadowObscured xmlns:a14="http://schemas.microsoft.com/office/drawing/2010/main"/>
+            </a:ext>
+          </a:extLst>
+        </p:spPr>
+        <p:txBody>
+          <a:bodyPr wrap="square" lIns="0" tIns="0" rIns="0" bIns="0" anchor="t">
+            <a:noAutofit/>
+          </a:bodyPr>
+          <a:lstStyle/>
+          <a:p>
+            <a:pPr marL="525780" lvl="2" indent="0">
+              <a:buNone/>
+            </a:pPr>
+            <a:endParaRPr lang="en-GB" dirty="0"/>
+          </a:p>
+          <a:p>
+            <a:pPr marL="525780" lvl="2" indent="0">
+              <a:buNone/>
+            </a:pPr>
+            <a:endParaRPr lang="en-GB" dirty="0" smtClean="0"/>
+          </a:p>
+          <a:p>
+            <a:pPr marL="525780" lvl="2" indent="0">
+              <a:buNone/>
+            </a:pPr>
+            <a:r>
+              <a:rPr lang="en-GB" dirty="0" smtClean="0"/>
+              <a:t>Dream:</a:t>
+            </a:r>
+          </a:p>
+          <a:p>
+            <a:pPr marL="525780" lvl="2" indent="0">
+              <a:buNone/>
+            </a:pPr>
+            <a:r>
+              <a:rPr lang="en-GB" dirty="0"/>
+              <a:t>	</a:t>
+            </a:r>
+            <a:r>
+              <a:rPr lang="en-GB" dirty="0" smtClean="0"/>
+              <a:t>observe all variables in system and optimally react to changes</a:t>
+            </a:r>
+          </a:p>
+          <a:p>
+            <a:pPr marL="525780" lvl="2" indent="0">
+              <a:buNone/>
+            </a:pPr>
+            <a:endParaRPr lang="en-GB" dirty="0"/>
+          </a:p>
+          <a:p>
+            <a:pPr marL="525780" lvl="2" indent="0">
+              <a:buNone/>
+            </a:pPr>
+            <a:endParaRPr lang="en-GB" dirty="0" smtClean="0"/>
+          </a:p>
+          <a:p>
+            <a:pPr marL="525780" lvl="2" indent="0">
+              <a:buNone/>
+            </a:pPr>
+            <a:r>
+              <a:rPr lang="en-GB" dirty="0" smtClean="0"/>
+              <a:t>Reality:</a:t>
+            </a:r>
+          </a:p>
+          <a:p>
+            <a:pPr marL="525780" lvl="2" indent="0">
+              <a:buNone/>
+            </a:pPr>
+            <a:r>
+              <a:rPr lang="en-GB" dirty="0"/>
+              <a:t>	</a:t>
+            </a:r>
+            <a:r>
+              <a:rPr lang="en-GB" dirty="0" smtClean="0"/>
+              <a:t>call rules system explicitly with a given context at a given time</a:t>
+            </a:r>
+            <a:endParaRPr lang="en-GB" dirty="0"/>
+          </a:p>
+          <a:p>
+            <a:pPr marL="525780" lvl="2" indent="0">
+              <a:buNone/>
+            </a:pPr>
+            <a:endParaRPr lang="en-GB" dirty="0" smtClean="0"/>
+          </a:p>
+        </p:txBody>
+      </p:sp>
+    </p:spTree>
+    <p:custDataLst>
+      <p:tags r:id="rId1"/>
+    </p:custDataLst>
+    <p:extLst>
+      <p:ext uri="{BB962C8B-B14F-4D97-AF65-F5344CB8AC3E}">
+        <p14:creationId xmlns:p14="http://schemas.microsoft.com/office/powerpoint/2010/main" val="1513446442"/>
+      </p:ext>
+    </p:extLst>
+  </p:cSld>
+  <p:clrMapOvr>
+    <a:masterClrMapping/>
+  </p:clrMapOvr>
+  <p:timing>
+    <p:tnLst>
+      <p:par>
+        <p:cTn id="1" dur="indefinite" restart="never" nodeType="tmRoot"/>
+      </p:par>
+    </p:tnLst>
+  </p:timing>
+</p:sld>
+</file>
+
+<file path=ppt/slides/slide11.xml><?xml version="1.0" encoding="utf-8"?>
+<p:sld xmlns:a="http://schemas.openxmlformats.org/drawingml/2006/main" xmlns:r="http://schemas.openxmlformats.org/officeDocument/2006/relationships" xmlns:p="http://schemas.openxmlformats.org/presentationml/2006/main">
+  <p:cSld>
+    <p:spTree>
+      <p:nvGrpSpPr>
+        <p:cNvPr id="1" name=""/>
+        <p:cNvGrpSpPr/>
+        <p:nvPr/>
+      </p:nvGrpSpPr>
+      <p:grpSpPr>
+        <a:xfrm>
+          <a:off x="0" y="0"/>
+          <a:ext cx="0" cy="0"/>
+          <a:chOff x="0" y="0"/>
+          <a:chExt cx="0" cy="0"/>
+        </a:xfrm>
+      </p:grpSpPr>
+      <p:sp>
+        <p:nvSpPr>
+          <p:cNvPr id="9" name="Textfeld 8"/>
+          <p:cNvSpPr txBox="1">
+            <a:spLocks/>
+          </p:cNvSpPr>
+          <p:nvPr>
+            <p:custDataLst>
+              <p:tags r:id="rId2"/>
+            </p:custDataLst>
+          </p:nvPr>
+        </p:nvSpPr>
+        <p:spPr>
+          <a:xfrm>
+            <a:off x="259080" y="259080"/>
+            <a:ext cx="10452100" cy="388620"/>
+          </a:xfrm>
+          <a:prstGeom prst="rect">
+            <a:avLst/>
+          </a:prstGeom>
+          <a:noFill/>
+          <a:effectLst/>
+          <a:extLst>
+            <a:ext uri="{AF507438-7753-43E0-B8FC-AC1667EBCBE1}">
+              <a14:hiddenEffects xmlns:a14="http://schemas.microsoft.com/office/drawing/2010/main">
+                <a:effectLst>
+                  <a:outerShdw blurRad="63500" rotWithShape="0">
+                    <a:scrgbClr r="0" g="0" b="0"/>
+                  </a:outerShdw>
+                </a:effectLst>
+              </a14:hiddenEffects>
+            </a:ext>
+            <a:ext uri="{53640926-AAD7-44D8-BBD7-CCE9431645EC}">
+              <a14:shadowObscured xmlns:a14="http://schemas.microsoft.com/office/drawing/2010/main"/>
+            </a:ext>
+          </a:extLst>
+        </p:spPr>
+        <p:txBody>
+          <a:bodyPr vert="horz" wrap="square" lIns="0" tIns="0" rIns="0" bIns="0" rtlCol="0" anchor="t">
+            <a:noAutofit/>
+          </a:bodyPr>
+          <a:lstStyle/>
+          <a:p>
+            <a:pPr marR="0" defTabSz="914400" eaLnBrk="1" fontAlgn="auto" latinLnBrk="0" hangingPunct="1">
+              <a:lnSpc>
+                <a:spcPct val="89000"/>
+              </a:lnSpc>
+              <a:spcBef>
+                <a:spcPts val="0"/>
+              </a:spcBef>
+              <a:spcAft>
+                <a:spcPts val="0"/>
+              </a:spcAft>
+              <a:buClrTx/>
+              <a:buSzTx/>
+              <a:buFontTx/>
+              <a:buNone/>
+              <a:tabLst/>
+            </a:pPr>
+            <a:r>
+              <a:rPr lang="en-GB" sz="2800" kern="0" dirty="0" smtClean="0"/>
+              <a:t>Use Case</a:t>
+            </a:r>
+            <a:r>
+              <a:rPr lang="en-GB" sz="2800" kern="0" dirty="0" smtClean="0"/>
+              <a:t>s</a:t>
+            </a:r>
+            <a:endParaRPr kumimoji="0" lang="en-GB" sz="2800" b="0" i="0" u="none" strike="noStrike" kern="0" cap="none" normalizeH="0" baseline="0" noProof="0" dirty="0" smtClean="0">
+              <a:ln>
+                <a:noFill/>
+              </a:ln>
+              <a:effectLst/>
+              <a:uLnTx/>
+              <a:uFillTx/>
+            </a:endParaRPr>
+          </a:p>
+        </p:txBody>
+      </p:sp>
+      <p:sp>
+        <p:nvSpPr>
+          <p:cNvPr id="8" name="Rechteck 7"/>
+          <p:cNvSpPr>
+            <a:spLocks/>
+          </p:cNvSpPr>
+          <p:nvPr>
+            <p:custDataLst>
+              <p:tags r:id="rId3"/>
+            </p:custDataLst>
+          </p:nvPr>
+        </p:nvSpPr>
+        <p:spPr>
+          <a:xfrm>
+            <a:off x="593090" y="5643880"/>
+            <a:ext cx="9152890" cy="107950"/>
+          </a:xfrm>
+          <a:prstGeom prst="rect">
+            <a:avLst/>
+          </a:prstGeom>
+          <a:noFill/>
+          <a:ln w="9525" cap="flat" cmpd="sng" algn="ctr">
+            <a:noFill/>
+            <a:prstDash val="solid"/>
+          </a:ln>
+          <a:effectLst/>
+          <a:extLst>
+            <a:ext uri="{91240B29-F687-4F45-9708-019B960494DF}">
+              <a14:hiddenLine xmlns:a14="http://schemas.microsoft.com/office/drawing/2010/main" w="9525" cap="flat" cmpd="sng" algn="ctr">
+                <a:solidFill>
+                  <a:srgbClr val="3F136C"/>
+                </a:solidFill>
+                <a:prstDash val="solid"/>
+              </a14:hiddenLine>
+            </a:ext>
+            <a:ext uri="{AF507438-7753-43E0-B8FC-AC1667EBCBE1}">
+              <a14:hiddenEffects xmlns:a14="http://schemas.microsoft.com/office/drawing/2010/main">
+                <a:effectLst>
+                  <a:outerShdw blurRad="63500" rotWithShape="0">
+                    <a:scrgbClr r="0" g="0" b="0"/>
+                  </a:outerShdw>
+                </a:effectLst>
+              </a14:hiddenEffects>
+            </a:ext>
+            <a:ext uri="{53640926-AAD7-44D8-BBD7-CCE9431645EC}">
+              <a14:shadowObscured xmlns:a14="http://schemas.microsoft.com/office/drawing/2010/main"/>
+            </a:ext>
+          </a:extLst>
+        </p:spPr>
+        <p:txBody>
+          <a:bodyPr lIns="0" tIns="0" rIns="0" bIns="0" rtlCol="0" anchor="t"/>
+          <a:lstStyle/>
+          <a:p>
+            <a:pPr marL="0" marR="0" indent="0" defTabSz="914400" eaLnBrk="1" fontAlgn="auto" latinLnBrk="0" hangingPunct="1">
+              <a:lnSpc>
+                <a:spcPct val="107000"/>
+              </a:lnSpc>
+              <a:spcBef>
+                <a:spcPts val="0"/>
+              </a:spcBef>
+              <a:spcAft>
+                <a:spcPts val="100"/>
+              </a:spcAft>
+              <a:buClrTx/>
+              <a:buSzTx/>
+              <a:buFontTx/>
+              <a:buNone/>
+              <a:tabLst/>
+            </a:pPr>
+            <a:r>
+              <a:rPr kumimoji="0" lang="en-GB" sz="600" strike="noStrike" kern="0" cap="none" normalizeH="0" baseline="0" noProof="0" smtClean="0">
+                <a:ln>
+                  <a:noFill/>
+                </a:ln>
+                <a:solidFill>
+                  <a:srgbClr val="000000"/>
+                </a:solidFill>
+                <a:effectLst/>
+                <a:uLnTx/>
+                <a:uFillTx/>
+                <a:ea typeface="+mn-ea"/>
+                <a:cs typeface="+mn-cs"/>
+              </a:rPr>
+              <a:t>CR/AEX3 | 10/07/2017</a:t>
+            </a:r>
+            <a:endParaRPr kumimoji="0" lang="en-GB" sz="600" strike="noStrike" kern="0" cap="none" normalizeH="0" baseline="0" noProof="0" dirty="0" smtClean="0">
+              <a:ln>
+                <a:noFill/>
+              </a:ln>
+              <a:solidFill>
+                <a:srgbClr val="000000"/>
+              </a:solidFill>
+              <a:effectLst/>
+              <a:uLnTx/>
+              <a:uFillTx/>
+              <a:ea typeface="+mn-ea"/>
+              <a:cs typeface="+mn-cs"/>
+            </a:endParaRPr>
+          </a:p>
+        </p:txBody>
+      </p:sp>
+      <p:sp>
+        <p:nvSpPr>
+          <p:cNvPr id="7" name="Rechteck 6"/>
+          <p:cNvSpPr>
+            <a:spLocks/>
+          </p:cNvSpPr>
+          <p:nvPr>
+            <p:custDataLst>
+              <p:tags r:id="rId4"/>
+            </p:custDataLst>
+          </p:nvPr>
+        </p:nvSpPr>
+        <p:spPr>
+          <a:xfrm>
+            <a:off x="593090" y="5758180"/>
+            <a:ext cx="9152890" cy="215900"/>
+          </a:xfrm>
+          <a:prstGeom prst="rect">
+            <a:avLst/>
+          </a:prstGeom>
+          <a:noFill/>
+          <a:ln w="9525" cap="flat" cmpd="sng" algn="ctr">
+            <a:noFill/>
+            <a:prstDash val="solid"/>
+          </a:ln>
+          <a:effectLst/>
+          <a:extLst>
+            <a:ext uri="{91240B29-F687-4F45-9708-019B960494DF}">
+              <a14:hiddenLine xmlns:a14="http://schemas.microsoft.com/office/drawing/2010/main" w="9525" cap="flat" cmpd="sng" algn="ctr">
+                <a:solidFill>
+                  <a:srgbClr val="3F136C"/>
+                </a:solidFill>
+                <a:prstDash val="solid"/>
+              </a14:hiddenLine>
+            </a:ext>
+            <a:ext uri="{AF507438-7753-43E0-B8FC-AC1667EBCBE1}">
+              <a14:hiddenEffects xmlns:a14="http://schemas.microsoft.com/office/drawing/2010/main">
+                <a:effectLst>
+                  <a:outerShdw blurRad="63500" rotWithShape="0">
+                    <a:scrgbClr r="0" g="0" b="0"/>
+                  </a:outerShdw>
+                </a:effectLst>
+              </a14:hiddenEffects>
+            </a:ext>
+            <a:ext uri="{53640926-AAD7-44D8-BBD7-CCE9431645EC}">
+              <a14:shadowObscured xmlns:a14="http://schemas.microsoft.com/office/drawing/2010/main"/>
+            </a:ext>
+          </a:extLst>
+        </p:spPr>
+        <p:txBody>
+          <a:bodyPr lIns="0" tIns="0" rIns="0" bIns="0" rtlCol="0" anchor="t"/>
+          <a:lstStyle/>
+          <a:p>
+            <a:pPr marL="0" marR="0" indent="0" defTabSz="914400" eaLnBrk="1" fontAlgn="auto" latinLnBrk="0" hangingPunct="1">
+              <a:lnSpc>
+                <a:spcPct val="107000"/>
+              </a:lnSpc>
+              <a:spcBef>
+                <a:spcPts val="0"/>
+              </a:spcBef>
+              <a:spcAft>
+                <a:spcPts val="100"/>
+              </a:spcAft>
+              <a:buClrTx/>
+              <a:buSzTx/>
+              <a:buFontTx/>
+              <a:buNone/>
+              <a:tabLst/>
+            </a:pPr>
+            <a:r>
+              <a:rPr kumimoji="0" lang="en-US" sz="600" b="0" i="0" u="none" strike="noStrike" kern="0" cap="none" normalizeH="0" baseline="0" noProof="0" smtClean="0">
+                <a:ln>
+                  <a:noFill/>
+                </a:ln>
+                <a:solidFill>
+                  <a:srgbClr val="B2B3B5"/>
+                </a:solidFill>
+                <a:effectLst/>
+                <a:uLnTx/>
+                <a:uFillTx/>
+                <a:latin typeface="Bosch Office Sans"/>
+                <a:ea typeface="+mn-ea"/>
+                <a:cs typeface="+mn-cs"/>
+              </a:rPr>
+              <a:t>© Robert Bosch GmbH 2017. All rights reserved, also regarding any disposal, exploitation, reproduction, editing, distribution, as well as in the event of applications for industrial property rights.</a:t>
+            </a:r>
+            <a:endParaRPr kumimoji="0" lang="en-GB" sz="600" b="0" i="0" u="none" strike="noStrike" kern="0" cap="none" normalizeH="0" baseline="0" noProof="0" dirty="0" smtClean="0">
+              <a:ln>
+                <a:noFill/>
+              </a:ln>
+              <a:solidFill>
+                <a:srgbClr val="B2B3B5"/>
+              </a:solidFill>
+              <a:effectLst/>
+              <a:uLnTx/>
+              <a:uFillTx/>
+              <a:latin typeface="Bosch Office Sans"/>
+              <a:ea typeface="+mn-ea"/>
+              <a:cs typeface="+mn-cs"/>
+            </a:endParaRPr>
+          </a:p>
+        </p:txBody>
+      </p:sp>
+      <p:sp>
+        <p:nvSpPr>
+          <p:cNvPr id="6" name="Rechteck 5"/>
+          <p:cNvSpPr>
+            <a:spLocks/>
+          </p:cNvSpPr>
+          <p:nvPr>
+            <p:custDataLst>
+              <p:tags r:id="rId5"/>
+            </p:custDataLst>
+          </p:nvPr>
+        </p:nvSpPr>
+        <p:spPr>
+          <a:xfrm>
+            <a:off x="266700" y="5628640"/>
+            <a:ext cx="288290" cy="410210"/>
+          </a:xfrm>
+          <a:prstGeom prst="rect">
+            <a:avLst/>
+          </a:prstGeom>
+          <a:noFill/>
+          <a:ln w="9525" cap="flat" cmpd="sng" algn="ctr">
+            <a:noFill/>
+            <a:prstDash val="solid"/>
+          </a:ln>
+          <a:effectLst/>
+          <a:extLst>
+            <a:ext uri="{91240B29-F687-4F45-9708-019B960494DF}">
+              <a14:hiddenLine xmlns:a14="http://schemas.microsoft.com/office/drawing/2010/main" w="9525" cap="flat" cmpd="sng" algn="ctr">
+                <a:solidFill>
+                  <a:srgbClr val="3F136C"/>
+                </a:solidFill>
+                <a:prstDash val="solid"/>
+              </a14:hiddenLine>
+            </a:ext>
+            <a:ext uri="{AF507438-7753-43E0-B8FC-AC1667EBCBE1}">
+              <a14:hiddenEffects xmlns:a14="http://schemas.microsoft.com/office/drawing/2010/main">
+                <a:effectLst>
+                  <a:outerShdw blurRad="63500" rotWithShape="0">
+                    <a:scrgbClr r="0" g="0" b="0"/>
+                  </a:outerShdw>
+                </a:effectLst>
+              </a14:hiddenEffects>
+            </a:ext>
+            <a:ext uri="{53640926-AAD7-44D8-BBD7-CCE9431645EC}">
+              <a14:shadowObscured xmlns:a14="http://schemas.microsoft.com/office/drawing/2010/main"/>
+            </a:ext>
+          </a:extLst>
+        </p:spPr>
+        <p:txBody>
+          <a:bodyPr wrap="none" lIns="0" tIns="0" rIns="0" bIns="0" rtlCol="0" anchor="t"/>
+          <a:lstStyle/>
+          <a:p>
+            <a:pPr marL="0" marR="0" indent="0" defTabSz="914400" eaLnBrk="1" fontAlgn="auto" latinLnBrk="0" hangingPunct="1">
+              <a:spcBef>
+                <a:spcPts val="0"/>
+              </a:spcBef>
+              <a:spcAft>
+                <a:spcPts val="0"/>
+              </a:spcAft>
+              <a:buClrTx/>
+              <a:buSzTx/>
+              <a:buFontTx/>
+              <a:buNone/>
+              <a:tabLst/>
+            </a:pPr>
+            <a:r>
+              <a:rPr kumimoji="0" lang="en-GB" sz="1200" b="0" i="0" u="none" strike="noStrike" kern="0" cap="none" normalizeH="0" baseline="0" noProof="0" smtClean="0">
+                <a:ln>
+                  <a:noFill/>
+                </a:ln>
+                <a:solidFill>
+                  <a:srgbClr val="999FA6"/>
+                </a:solidFill>
+                <a:effectLst/>
+                <a:uLnTx/>
+                <a:uFillTx/>
+                <a:latin typeface="Bosch Office Sans"/>
+                <a:ea typeface="+mn-ea"/>
+                <a:cs typeface="+mn-cs"/>
+              </a:rPr>
+              <a:t>11</a:t>
+            </a:r>
+            <a:endParaRPr kumimoji="0" lang="en-GB" sz="1200" b="0" i="0" u="none" strike="noStrike" kern="0" cap="none" normalizeH="0" baseline="0" noProof="0" dirty="0" smtClean="0">
+              <a:ln>
+                <a:noFill/>
+              </a:ln>
+              <a:solidFill>
+                <a:srgbClr val="999FA6"/>
+              </a:solidFill>
+              <a:effectLst/>
+              <a:uLnTx/>
+              <a:uFillTx/>
+              <a:latin typeface="Bosch Office Sans"/>
+              <a:ea typeface="+mn-ea"/>
+              <a:cs typeface="+mn-cs"/>
+            </a:endParaRPr>
+          </a:p>
+        </p:txBody>
+      </p:sp>
+      <p:sp>
+        <p:nvSpPr>
+          <p:cNvPr id="5" name="Rechteck 4"/>
+          <p:cNvSpPr>
+            <a:spLocks/>
+          </p:cNvSpPr>
+          <p:nvPr>
+            <p:custDataLst>
+              <p:tags r:id="rId6"/>
+            </p:custDataLst>
+          </p:nvPr>
+        </p:nvSpPr>
+        <p:spPr>
+          <a:xfrm>
+            <a:off x="9224010" y="259080"/>
+            <a:ext cx="1691640" cy="777240"/>
+          </a:xfrm>
+          <a:prstGeom prst="rect">
+            <a:avLst/>
+          </a:prstGeom>
+          <a:noFill/>
+          <a:ln w="9525" cap="flat" cmpd="sng" algn="ctr">
+            <a:noFill/>
+            <a:prstDash val="solid"/>
+          </a:ln>
+          <a:effectLst/>
+          <a:extLst>
+            <a:ext uri="{91240B29-F687-4F45-9708-019B960494DF}">
+              <a14:hiddenLine xmlns:a14="http://schemas.microsoft.com/office/drawing/2010/main" w="9525" cap="flat" cmpd="sng" algn="ctr">
+                <a:solidFill>
+                  <a:srgbClr val="3F136C"/>
+                </a:solidFill>
+                <a:prstDash val="solid"/>
+              </a14:hiddenLine>
+            </a:ext>
+            <a:ext uri="{AF507438-7753-43E0-B8FC-AC1667EBCBE1}">
+              <a14:hiddenEffects xmlns:a14="http://schemas.microsoft.com/office/drawing/2010/main">
+                <a:effectLst>
+                  <a:outerShdw blurRad="63500" rotWithShape="0">
+                    <a:scrgbClr r="0" g="0" b="0"/>
+                  </a:outerShdw>
+                </a:effectLst>
+              </a14:hiddenEffects>
+            </a:ext>
+            <a:ext uri="{53640926-AAD7-44D8-BBD7-CCE9431645EC}">
+              <a14:shadowObscured xmlns:a14="http://schemas.microsoft.com/office/drawing/2010/main"/>
+            </a:ext>
+          </a:extLst>
+        </p:spPr>
+        <p:txBody>
+          <a:bodyPr lIns="0" tIns="17780" rIns="0" bIns="0" rtlCol="0" anchor="t">
+            <a:normAutofit/>
+          </a:bodyPr>
+          <a:lstStyle/>
+          <a:p>
+            <a:pPr marL="0" marR="0" indent="0" defTabSz="914400" eaLnBrk="1" fontAlgn="auto" latinLnBrk="0" hangingPunct="1">
+              <a:lnSpc>
+                <a:spcPts val="900"/>
+              </a:lnSpc>
+              <a:spcBef>
+                <a:spcPts val="0"/>
+              </a:spcBef>
+              <a:spcAft>
+                <a:spcPts val="0"/>
+              </a:spcAft>
+              <a:buClrTx/>
+              <a:buSzTx/>
+              <a:buFontTx/>
+              <a:buNone/>
+              <a:tabLst/>
+            </a:pPr>
+            <a:endParaRPr kumimoji="0" lang="en-GB" sz="550" b="0" i="0" u="none" strike="noStrike" kern="0" cap="none" normalizeH="0" baseline="0" noProof="0" dirty="0" smtClean="0">
+              <a:ln>
+                <a:noFill/>
+              </a:ln>
+              <a:effectLst/>
+              <a:uLnTx/>
+              <a:uFillTx/>
+              <a:latin typeface="Bosch Office Sans"/>
+              <a:ea typeface="+mn-ea"/>
+              <a:cs typeface="+mn-cs"/>
+            </a:endParaRPr>
+          </a:p>
+        </p:txBody>
+      </p:sp>
+      <p:sp>
+        <p:nvSpPr>
+          <p:cNvPr id="4" name="Textfeld 3" hidden="1"/>
+          <p:cNvSpPr txBox="1"/>
+          <p:nvPr>
+            <p:custDataLst>
+              <p:tags r:id="rId7"/>
+            </p:custDataLst>
+          </p:nvPr>
+        </p:nvSpPr>
+        <p:spPr>
+          <a:xfrm>
+            <a:off x="0" y="5975350"/>
+            <a:ext cx="0" cy="0"/>
+          </a:xfrm>
+          <a:prstGeom prst="rect">
+            <a:avLst/>
+          </a:prstGeom>
+          <a:noFill/>
+          <a:effectLst/>
+          <a:extLst>
+            <a:ext uri="{AF507438-7753-43E0-B8FC-AC1667EBCBE1}">
+              <a14:hiddenEffects xmlns:a14="http://schemas.microsoft.com/office/drawing/2010/main">
+                <a:effectLst>
+                  <a:outerShdw blurRad="63500" rotWithShape="0">
+                    <a:scrgbClr r="0" g="0" b="0"/>
+                  </a:outerShdw>
+                </a:effectLst>
+              </a14:hiddenEffects>
+            </a:ext>
+            <a:ext uri="{53640926-AAD7-44D8-BBD7-CCE9431645EC}">
+              <a14:shadowObscured xmlns:a14="http://schemas.microsoft.com/office/drawing/2010/main"/>
+            </a:ext>
+          </a:extLst>
+        </p:spPr>
+        <p:txBody>
+          <a:bodyPr vert="horz" wrap="none" lIns="0" tIns="0" rIns="0" bIns="0" rtlCol="0" anchor="t">
+            <a:noAutofit/>
+          </a:bodyPr>
+          <a:lstStyle/>
+          <a:p>
+            <a:pPr marR="0" defTabSz="914400" eaLnBrk="1" fontAlgn="auto" latinLnBrk="0" hangingPunct="1">
+              <a:lnSpc>
+                <a:spcPts val="2300"/>
+              </a:lnSpc>
+              <a:spcBef>
+                <a:spcPts val="0"/>
+              </a:spcBef>
+              <a:spcAft>
+                <a:spcPts val="0"/>
+              </a:spcAft>
+              <a:buClrTx/>
+              <a:buSzTx/>
+              <a:buFontTx/>
+              <a:buNone/>
+              <a:tabLst/>
+            </a:pPr>
+            <a:endParaRPr kumimoji="0" lang="en-GB" sz="1300" b="0" i="0" u="none" strike="noStrike" kern="0" cap="none" normalizeH="0" baseline="0" noProof="0" dirty="0" smtClean="0">
+              <a:ln>
+                <a:noFill/>
+              </a:ln>
+              <a:effectLst/>
+              <a:uLnTx/>
+              <a:uFillTx/>
+            </a:endParaRPr>
+          </a:p>
+        </p:txBody>
+      </p:sp>
+      <p:sp>
+        <p:nvSpPr>
+          <p:cNvPr id="3" name="Inhaltsplatzhalter 2"/>
+          <p:cNvSpPr>
+            <a:spLocks noGrp="1"/>
+          </p:cNvSpPr>
+          <p:nvPr>
+            <p:ph idx="1"/>
+            <p:custDataLst>
+              <p:tags r:id="rId8"/>
+            </p:custDataLst>
+          </p:nvPr>
+        </p:nvSpPr>
+        <p:spPr>
+          <a:xfrm>
+            <a:off x="259080" y="1295400"/>
+            <a:ext cx="10452100" cy="4168140"/>
+          </a:xfrm>
+          <a:effectLst/>
+          <a:extLst>
+            <a:ext uri="{AF507438-7753-43E0-B8FC-AC1667EBCBE1}">
+              <a14:hiddenEffects xmlns:a14="http://schemas.microsoft.com/office/drawing/2010/main">
+                <a:effectLst>
+                  <a:outerShdw blurRad="63500" rotWithShape="0">
+                    <a:scrgbClr r="0" g="0" b="0"/>
+                  </a:outerShdw>
+                </a:effectLst>
+              </a14:hiddenEffects>
+            </a:ext>
+            <a:ext uri="{53640926-AAD7-44D8-BBD7-CCE9431645EC}">
+              <a14:shadowObscured xmlns:a14="http://schemas.microsoft.com/office/drawing/2010/main"/>
+            </a:ext>
+          </a:extLst>
+        </p:spPr>
+        <p:txBody>
+          <a:bodyPr wrap="square" lIns="0" tIns="0" rIns="0" bIns="0" anchor="t">
+            <a:noAutofit/>
+          </a:bodyPr>
+          <a:lstStyle/>
+          <a:p>
+            <a:pPr lvl="2"/>
+            <a:r>
+              <a:rPr lang="en-GB" dirty="0" smtClean="0"/>
+              <a:t>When is a good opportunity …</a:t>
+            </a:r>
+          </a:p>
+          <a:p>
+            <a:pPr lvl="3"/>
+            <a:r>
+              <a:rPr lang="en-GB" dirty="0" smtClean="0"/>
+              <a:t>to be disturbed by notifications/reminders …</a:t>
+            </a:r>
+          </a:p>
+          <a:p>
+            <a:pPr lvl="3"/>
+            <a:r>
+              <a:rPr lang="en-GB" dirty="0" smtClean="0"/>
+              <a:t>about which kinds of events …</a:t>
+            </a:r>
+          </a:p>
+          <a:p>
+            <a:pPr lvl="3"/>
+            <a:r>
+              <a:rPr lang="en-GB" dirty="0"/>
+              <a:t>r</a:t>
+            </a:r>
+            <a:r>
+              <a:rPr lang="en-GB" dirty="0" smtClean="0"/>
+              <a:t>elated to which people</a:t>
+            </a:r>
+            <a:r>
+              <a:rPr lang="en-GB" dirty="0" smtClean="0"/>
+              <a:t>.</a:t>
+            </a:r>
+          </a:p>
+          <a:p>
+            <a:pPr lvl="3"/>
+            <a:endParaRPr lang="en-GB" dirty="0"/>
+          </a:p>
+          <a:p>
+            <a:pPr marL="748030" lvl="3" indent="0">
+              <a:buNone/>
+            </a:pPr>
+            <a:endParaRPr lang="en-GB" dirty="0" smtClean="0"/>
+          </a:p>
+          <a:p>
+            <a:pPr lvl="2"/>
+            <a:r>
+              <a:rPr lang="en-GB" dirty="0" smtClean="0"/>
+              <a:t>What is a good time of day …</a:t>
+            </a:r>
+          </a:p>
+          <a:p>
+            <a:pPr lvl="3"/>
+            <a:r>
+              <a:rPr lang="en-GB" dirty="0" smtClean="0"/>
+              <a:t>For which activities that I have planned with no specific time</a:t>
+            </a:r>
+          </a:p>
+          <a:p>
+            <a:pPr marL="546100" lvl="2" indent="0">
+              <a:buNone/>
+            </a:pPr>
+            <a:endParaRPr lang="en-GB" dirty="0" smtClean="0"/>
+          </a:p>
+          <a:p>
+            <a:pPr marL="303530" lvl="1" indent="0">
+              <a:buNone/>
+            </a:pPr>
+            <a:endParaRPr lang="en-GB" dirty="0"/>
+          </a:p>
+          <a:p>
+            <a:pPr marL="303530" lvl="1" indent="0">
+              <a:buNone/>
+            </a:pPr>
+            <a:endParaRPr lang="en-GB" dirty="0"/>
+          </a:p>
+          <a:p>
+            <a:pPr marL="303530" lvl="1" indent="0">
+              <a:buNone/>
+            </a:pPr>
+            <a:r>
+              <a:rPr lang="en-GB" dirty="0" smtClean="0"/>
+              <a:t>More Please !!</a:t>
+            </a:r>
+            <a:endParaRPr lang="en-GB" dirty="0" smtClean="0"/>
+          </a:p>
+        </p:txBody>
+      </p:sp>
+    </p:spTree>
+    <p:custDataLst>
+      <p:tags r:id="rId1"/>
+    </p:custDataLst>
+    <p:extLst>
+      <p:ext uri="{BB962C8B-B14F-4D97-AF65-F5344CB8AC3E}">
+        <p14:creationId xmlns:p14="http://schemas.microsoft.com/office/powerpoint/2010/main" val="755888043"/>
+      </p:ext>
+    </p:extLst>
+  </p:cSld>
+  <p:clrMapOvr>
+    <a:masterClrMapping/>
+  </p:clrMapOvr>
+  <p:timing>
+    <p:tnLst>
+      <p:par>
+        <p:cTn id="1" dur="indefinite" restart="never" nodeType="tmRoot"/>
+      </p:par>
+    </p:tnLst>
+  </p:timing>
+</p:sld>
+</file>
+
 <file path=ppt/slides/slide2.xml><?xml version="1.0" encoding="utf-8"?>
 <p:sld xmlns:a="http://schemas.openxmlformats.org/drawingml/2006/main" xmlns:r="http://schemas.openxmlformats.org/officeDocument/2006/relationships" xmlns:p="http://schemas.openxmlformats.org/presentationml/2006/main">
   <p:cSld>
@@ -3377,8 +4776,8 @@
               <a:tabLst/>
             </a:pPr>
             <a:r>
-              <a:rPr lang="en-GB" sz="2800" kern="0" dirty="0" smtClean="0"/>
-              <a:t>When Rules?</a:t>
+              <a:rPr lang="en-GB" sz="2800" kern="0" noProof="0" dirty="0" smtClean="0"/>
+              <a:t>The Rete Algorithm</a:t>
             </a:r>
             <a:endParaRPr kumimoji="0" lang="en-GB" sz="2800" b="0" i="0" u="none" strike="noStrike" kern="0" cap="none" normalizeH="0" baseline="0" noProof="0" dirty="0" smtClean="0">
               <a:ln>
@@ -3889,88 +5288,99 @@
           <a:lstStyle/>
           <a:p>
             <a:r>
-              <a:rPr lang="en-GB" dirty="0" smtClean="0"/>
-              <a:t>Numerical Algorithms</a:t>
-            </a:r>
-          </a:p>
-          <a:p>
-            <a:pPr lvl="1"/>
-            <a:r>
-              <a:rPr lang="en-GB" dirty="0" smtClean="0"/>
-              <a:t>Heavy lifting of classification/identifying patterns </a:t>
-            </a:r>
-          </a:p>
-          <a:p>
-            <a:pPr lvl="1"/>
-            <a:endParaRPr lang="en-GB" dirty="0"/>
-          </a:p>
-          <a:p>
-            <a:pPr marL="233680" lvl="1" indent="0">
-              <a:buNone/>
-            </a:pPr>
-            <a:endParaRPr lang="en-GB" dirty="0" smtClean="0"/>
-          </a:p>
-          <a:p>
-            <a:r>
-              <a:rPr lang="en-GB" dirty="0" smtClean="0"/>
-              <a:t>Rules:</a:t>
-            </a:r>
-          </a:p>
-          <a:p>
-            <a:pPr lvl="1"/>
-            <a:r>
-              <a:rPr lang="en-GB" dirty="0" smtClean="0"/>
-              <a:t>Policy issues, which could vary from product to product or user to user</a:t>
-            </a:r>
-          </a:p>
-          <a:p>
-            <a:pPr lvl="2"/>
-            <a:r>
-              <a:rPr lang="en-GB" dirty="0" smtClean="0"/>
-              <a:t>When is a good time …</a:t>
-            </a:r>
-          </a:p>
-          <a:p>
-            <a:pPr lvl="2"/>
-            <a:r>
-              <a:rPr lang="en-GB" dirty="0" smtClean="0"/>
-              <a:t>For which people …</a:t>
-            </a:r>
-          </a:p>
-          <a:p>
-            <a:pPr lvl="2"/>
-            <a:r>
-              <a:rPr lang="en-GB" dirty="0"/>
-              <a:t>T</a:t>
-            </a:r>
-            <a:r>
-              <a:rPr lang="en-GB" dirty="0" smtClean="0"/>
-              <a:t>o disturb me with notifications about which kinds of events.</a:t>
-            </a:r>
-          </a:p>
-          <a:p>
-            <a:pPr marL="525780" lvl="2" indent="0">
-              <a:buNone/>
-            </a:pPr>
-            <a:endParaRPr lang="en-GB" dirty="0" smtClean="0"/>
-          </a:p>
-          <a:p>
-            <a:pPr marL="303530" lvl="1" indent="0">
-              <a:buNone/>
-            </a:pPr>
-            <a:r>
-              <a:rPr lang="en-GB" dirty="0" smtClean="0"/>
-              <a:t>More use cases ?</a:t>
-            </a:r>
-          </a:p>
-          <a:p>
-            <a:pPr marL="303530" lvl="1" indent="0">
-              <a:buNone/>
-            </a:pPr>
-            <a:endParaRPr lang="en-GB" dirty="0" smtClean="0"/>
-          </a:p>
-          <a:p>
-            <a:pPr lvl="2"/>
+              <a:rPr lang="en-US" dirty="0"/>
+              <a:t>A </a:t>
+            </a:r>
+            <a:r>
+              <a:rPr lang="en-US" dirty="0">
+                <a:hlinkClick r:id="rId10" tooltip="Naïve algorithm"/>
+              </a:rPr>
+              <a:t>naive implementation</a:t>
+            </a:r>
+            <a:r>
+              <a:rPr lang="en-US" dirty="0"/>
+              <a:t> of an </a:t>
+            </a:r>
+            <a:r>
+              <a:rPr lang="en-US" dirty="0">
+                <a:hlinkClick r:id="rId11" tooltip="Expert system"/>
+              </a:rPr>
+              <a:t>expert system</a:t>
+            </a:r>
+            <a:r>
+              <a:rPr lang="en-US" dirty="0"/>
+              <a:t> might check each </a:t>
+            </a:r>
+            <a:r>
+              <a:rPr lang="en-US" dirty="0">
+                <a:hlinkClick r:id="rId12" tooltip="Rule of inference"/>
+              </a:rPr>
+              <a:t>rule</a:t>
+            </a:r>
+            <a:r>
+              <a:rPr lang="en-US" dirty="0"/>
+              <a:t> against known </a:t>
+            </a:r>
+            <a:r>
+              <a:rPr lang="en-US" dirty="0">
+                <a:hlinkClick r:id="rId13" tooltip="Fact"/>
+              </a:rPr>
+              <a:t>facts</a:t>
+            </a:r>
+            <a:r>
+              <a:rPr lang="en-US" dirty="0"/>
+              <a:t> in a </a:t>
+            </a:r>
+            <a:r>
+              <a:rPr lang="en-US" dirty="0">
+                <a:hlinkClick r:id="rId14" tooltip="Knowledge base"/>
+              </a:rPr>
+              <a:t>knowledge base</a:t>
+            </a:r>
+            <a:r>
+              <a:rPr lang="en-US" dirty="0"/>
+              <a:t>, firing that rule if necessary, then moving on to the next rule (and looping back to the first rule when finished). For even moderate sized rules and facts knowledge-bases, this naive approach performs far too slowly. The Rete algorithm provides the basis for a more efficient implementation. A Rete-based expert system builds a network of </a:t>
+            </a:r>
+            <a:r>
+              <a:rPr lang="en-US" dirty="0">
+                <a:hlinkClick r:id="rId15" tooltip="Vertex (graph theory)"/>
+              </a:rPr>
+              <a:t>nodes</a:t>
+            </a:r>
+            <a:r>
+              <a:rPr lang="en-US" dirty="0"/>
+              <a:t>, where each node (except the root) corresponds to a pattern occurring in the left-hand-side (the condition part) of a rule. The path from the </a:t>
+            </a:r>
+            <a:r>
+              <a:rPr lang="en-US" dirty="0">
+                <a:hlinkClick r:id="rId16" tooltip="Root node"/>
+              </a:rPr>
+              <a:t>root node</a:t>
+            </a:r>
+            <a:r>
+              <a:rPr lang="en-US" dirty="0"/>
+              <a:t> to a </a:t>
+            </a:r>
+            <a:r>
+              <a:rPr lang="en-US" dirty="0">
+                <a:hlinkClick r:id="rId17" tooltip="Leaf node"/>
+              </a:rPr>
+              <a:t>leaf node</a:t>
+            </a:r>
+            <a:r>
+              <a:rPr lang="en-US" dirty="0"/>
+              <a:t> defines a complete rule left-hand-side. Each node has a memory of facts which satisfy that pattern. This structure is essentially a generalized </a:t>
+            </a:r>
+            <a:r>
+              <a:rPr lang="en-US" dirty="0" err="1">
+                <a:hlinkClick r:id="rId18" tooltip="Trie"/>
+              </a:rPr>
+              <a:t>trie</a:t>
+            </a:r>
+            <a:r>
+              <a:rPr lang="en-US" dirty="0"/>
+              <a:t>. As new facts are asserted or modified, they propagate along the network, causing nodes to be annotated when that fact matches that pattern. When a fact or combination of facts causes all of the patterns for a given rule to be satisfied, a leaf node is reached and the corresponding rule is triggered.</a:t>
+            </a:r>
             <a:endParaRPr lang="en-GB" dirty="0"/>
           </a:p>
         </p:txBody>
@@ -3981,7 +5391,7 @@
     </p:custDataLst>
     <p:extLst>
       <p:ext uri="{BB962C8B-B14F-4D97-AF65-F5344CB8AC3E}">
-        <p14:creationId xmlns:p14="http://schemas.microsoft.com/office/powerpoint/2010/main" val="4004135997"/>
+        <p14:creationId xmlns:p14="http://schemas.microsoft.com/office/powerpoint/2010/main" val="2023896003"/>
       </p:ext>
     </p:extLst>
   </p:cSld>
@@ -4075,8 +5485,16 @@
               <a:tabLst/>
             </a:pPr>
             <a:r>
-              <a:rPr lang="en-GB" sz="2800" kern="0" noProof="0" dirty="0" smtClean="0"/>
-              <a:t>The Rete Algorithm</a:t>
+              <a:rPr lang="en-GB" sz="2800" kern="0" dirty="0" smtClean="0"/>
+              <a:t>When </a:t>
+            </a:r>
+            <a:r>
+              <a:rPr lang="en-GB" sz="2800" kern="0" dirty="0" smtClean="0"/>
+              <a:t>to use Rules</a:t>
+            </a:r>
+            <a:r>
+              <a:rPr lang="en-GB" sz="2800" kern="0" dirty="0" smtClean="0"/>
+              <a:t>?</a:t>
             </a:r>
             <a:endParaRPr kumimoji="0" lang="en-GB" sz="2800" b="0" i="0" u="none" strike="noStrike" kern="0" cap="none" normalizeH="0" baseline="0" noProof="0" dirty="0" smtClean="0">
               <a:ln>
@@ -4561,7 +5979,7 @@
         </p:nvSpPr>
         <p:spPr>
           <a:xfrm>
-            <a:off x="259080" y="1295400"/>
+            <a:off x="266700" y="924560"/>
             <a:ext cx="10452100" cy="4168140"/>
           </a:xfrm>
           <a:effectLst/>
@@ -4587,99 +6005,146 @@
           <a:lstStyle/>
           <a:p>
             <a:r>
-              <a:rPr lang="en-US" dirty="0"/>
-              <a:t>A </a:t>
-            </a:r>
-            <a:r>
-              <a:rPr lang="en-US" dirty="0">
-                <a:hlinkClick r:id="rId10" tooltip="Naïve algorithm"/>
-              </a:rPr>
-              <a:t>naive implementation</a:t>
-            </a:r>
-            <a:r>
-              <a:rPr lang="en-US" dirty="0"/>
-              <a:t> of an </a:t>
-            </a:r>
-            <a:r>
-              <a:rPr lang="en-US" dirty="0">
-                <a:hlinkClick r:id="rId11" tooltip="Expert system"/>
-              </a:rPr>
-              <a:t>expert system</a:t>
-            </a:r>
-            <a:r>
-              <a:rPr lang="en-US" dirty="0"/>
-              <a:t> might check each </a:t>
-            </a:r>
-            <a:r>
-              <a:rPr lang="en-US" dirty="0">
-                <a:hlinkClick r:id="rId12" tooltip="Rule of inference"/>
-              </a:rPr>
-              <a:t>rule</a:t>
-            </a:r>
-            <a:r>
-              <a:rPr lang="en-US" dirty="0"/>
-              <a:t> against known </a:t>
-            </a:r>
-            <a:r>
-              <a:rPr lang="en-US" dirty="0">
-                <a:hlinkClick r:id="rId13" tooltip="Fact"/>
-              </a:rPr>
-              <a:t>facts</a:t>
-            </a:r>
-            <a:r>
-              <a:rPr lang="en-US" dirty="0"/>
-              <a:t> in a </a:t>
-            </a:r>
-            <a:r>
-              <a:rPr lang="en-US" dirty="0">
-                <a:hlinkClick r:id="rId14" tooltip="Knowledge base"/>
-              </a:rPr>
-              <a:t>knowledge base</a:t>
-            </a:r>
-            <a:r>
-              <a:rPr lang="en-US" dirty="0"/>
-              <a:t>, firing that rule if necessary, then moving on to the next rule (and looping back to the first rule when finished). For even moderate sized rules and facts knowledge-bases, this naive approach performs far too slowly. The Rete algorithm provides the basis for a more efficient implementation. A Rete-based expert system builds a network of </a:t>
-            </a:r>
-            <a:r>
-              <a:rPr lang="en-US" dirty="0">
-                <a:hlinkClick r:id="rId15" tooltip="Vertex (graph theory)"/>
-              </a:rPr>
-              <a:t>nodes</a:t>
-            </a:r>
-            <a:r>
-              <a:rPr lang="en-US" dirty="0"/>
-              <a:t>, where each node (except the root) corresponds to a pattern occurring in the left-hand-side (the condition part) of a rule. The path from the </a:t>
-            </a:r>
-            <a:r>
-              <a:rPr lang="en-US" dirty="0">
-                <a:hlinkClick r:id="rId16" tooltip="Root node"/>
-              </a:rPr>
-              <a:t>root node</a:t>
-            </a:r>
-            <a:r>
-              <a:rPr lang="en-US" dirty="0"/>
-              <a:t> to a </a:t>
-            </a:r>
-            <a:r>
-              <a:rPr lang="en-US" dirty="0">
-                <a:hlinkClick r:id="rId17" tooltip="Leaf node"/>
-              </a:rPr>
-              <a:t>leaf node</a:t>
-            </a:r>
-            <a:r>
-              <a:rPr lang="en-US" dirty="0"/>
-              <a:t> defines a complete rule left-hand-side. Each node has a memory of facts which satisfy that pattern. This structure is essentially a generalized </a:t>
-            </a:r>
-            <a:r>
-              <a:rPr lang="en-US" dirty="0" err="1">
-                <a:hlinkClick r:id="rId18" tooltip="Trie"/>
-              </a:rPr>
-              <a:t>trie</a:t>
-            </a:r>
-            <a:r>
-              <a:rPr lang="en-US" dirty="0"/>
-              <a:t>. As new facts are asserted or modified, they propagate along the network, causing nodes to be annotated when that fact matches that pattern. When a fact or combination of facts causes all of the patterns for a given rule to be satisfied, a leaf node is reached and the corresponding rule is triggered.</a:t>
-            </a:r>
+              <a:rPr lang="en-GB" dirty="0" smtClean="0"/>
+              <a:t>Numerical Algorithms</a:t>
+            </a:r>
+          </a:p>
+          <a:p>
+            <a:pPr lvl="1"/>
+            <a:r>
+              <a:rPr lang="en-GB" dirty="0" smtClean="0"/>
+              <a:t>Heavy lifting of classification/identifying patterns </a:t>
+            </a:r>
+            <a:endParaRPr lang="en-GB" dirty="0" smtClean="0"/>
+          </a:p>
+          <a:p>
+            <a:pPr lvl="2"/>
+            <a:r>
+              <a:rPr lang="en-GB" dirty="0" smtClean="0"/>
+              <a:t>Is this a picture of a cat?</a:t>
+            </a:r>
+          </a:p>
+          <a:p>
+            <a:pPr lvl="2"/>
+            <a:r>
+              <a:rPr lang="en-GB" dirty="0" smtClean="0"/>
+              <a:t>What kind of personality does this person have</a:t>
+            </a:r>
+          </a:p>
+          <a:p>
+            <a:pPr lvl="2"/>
+            <a:r>
+              <a:rPr lang="en-GB" dirty="0" smtClean="0"/>
+              <a:t>What are his musical tastes</a:t>
+            </a:r>
+            <a:endParaRPr lang="en-GB" dirty="0" smtClean="0"/>
+          </a:p>
+          <a:p>
+            <a:pPr marL="233680" lvl="1" indent="0">
+              <a:buNone/>
+            </a:pPr>
+            <a:endParaRPr lang="en-GB" dirty="0" smtClean="0"/>
+          </a:p>
+          <a:p>
+            <a:r>
+              <a:rPr lang="en-GB" dirty="0" smtClean="0"/>
+              <a:t>Rules:</a:t>
+            </a:r>
+          </a:p>
+          <a:p>
+            <a:pPr lvl="1"/>
+            <a:r>
+              <a:rPr lang="en-GB" dirty="0" smtClean="0"/>
+              <a:t>Ad hoc policy issues and preferences</a:t>
+            </a:r>
+          </a:p>
+          <a:p>
+            <a:pPr lvl="2"/>
+            <a:r>
+              <a:rPr lang="en-GB" dirty="0" smtClean="0"/>
+              <a:t>could </a:t>
+            </a:r>
+            <a:r>
+              <a:rPr lang="en-GB" dirty="0" smtClean="0"/>
+              <a:t>vary from product to product or user to </a:t>
+            </a:r>
+            <a:r>
+              <a:rPr lang="en-GB" dirty="0" smtClean="0"/>
+              <a:t>user</a:t>
+            </a:r>
+          </a:p>
+          <a:p>
+            <a:pPr lvl="2"/>
+            <a:r>
+              <a:rPr lang="en-GB" dirty="0" smtClean="0"/>
+              <a:t>Smart Preferences</a:t>
+            </a:r>
+            <a:endParaRPr lang="en-GB" dirty="0" smtClean="0"/>
+          </a:p>
+          <a:p>
+            <a:pPr lvl="2"/>
+            <a:r>
+              <a:rPr lang="en-GB" dirty="0" smtClean="0"/>
+              <a:t>When is a good opportunity …</a:t>
+            </a:r>
+          </a:p>
+          <a:p>
+            <a:pPr lvl="3"/>
+            <a:r>
+              <a:rPr lang="en-GB" dirty="0" smtClean="0"/>
+              <a:t>For which people …</a:t>
+            </a:r>
+          </a:p>
+          <a:p>
+            <a:pPr lvl="3"/>
+            <a:r>
+              <a:rPr lang="en-GB" dirty="0" smtClean="0"/>
+              <a:t>To disturb me with notifications about which kinds of events.</a:t>
+            </a:r>
+          </a:p>
+          <a:p>
+            <a:pPr lvl="2"/>
+            <a:r>
+              <a:rPr lang="en-GB" dirty="0" smtClean="0"/>
+              <a:t>What is good time of day</a:t>
+            </a:r>
+          </a:p>
+          <a:p>
+            <a:pPr lvl="3"/>
+            <a:r>
+              <a:rPr lang="en-GB" dirty="0" smtClean="0"/>
+              <a:t>For which activities that I have planned with no specific time</a:t>
+            </a:r>
+          </a:p>
+          <a:p>
+            <a:pPr marL="546100" lvl="2" indent="0">
+              <a:buNone/>
+            </a:pPr>
+            <a:endParaRPr lang="en-GB" dirty="0" smtClean="0"/>
+          </a:p>
+          <a:p>
+            <a:pPr marL="525780" lvl="2" indent="0">
+              <a:buNone/>
+            </a:pPr>
+            <a:endParaRPr lang="en-GB" dirty="0" smtClean="0"/>
+          </a:p>
+          <a:p>
+            <a:pPr marL="303530" lvl="1" indent="0">
+              <a:buNone/>
+            </a:pPr>
+            <a:r>
+              <a:rPr lang="en-GB" dirty="0" smtClean="0"/>
+              <a:t>More use cases ?</a:t>
+            </a:r>
+          </a:p>
+          <a:p>
+            <a:pPr marL="303530" lvl="1" indent="0">
+              <a:buNone/>
+            </a:pPr>
+            <a:endParaRPr lang="en-GB" dirty="0" smtClean="0"/>
+          </a:p>
+          <a:p>
+            <a:pPr lvl="2"/>
             <a:endParaRPr lang="en-GB" dirty="0"/>
           </a:p>
         </p:txBody>
@@ -4690,7 +6155,7 @@
     </p:custDataLst>
     <p:extLst>
       <p:ext uri="{BB962C8B-B14F-4D97-AF65-F5344CB8AC3E}">
-        <p14:creationId xmlns:p14="http://schemas.microsoft.com/office/powerpoint/2010/main" val="2023896003"/>
+        <p14:creationId xmlns:p14="http://schemas.microsoft.com/office/powerpoint/2010/main" val="4004135997"/>
       </p:ext>
     </p:extLst>
   </p:cSld>
@@ -5278,7 +6743,7 @@
         </p:nvSpPr>
         <p:spPr>
           <a:xfrm>
-            <a:off x="259080" y="1295400"/>
+            <a:off x="259080" y="916260"/>
             <a:ext cx="10452100" cy="4168140"/>
           </a:xfrm>
           <a:effectLst/>
@@ -5324,21 +6789,129 @@
               <a:rPr lang="en-US" dirty="0">
                 <a:hlinkClick r:id="rId10"/>
               </a:rPr>
-              <a:t>https://www.drools.org/</a:t>
+              <a:t>https://www.drools.org</a:t>
+            </a:r>
+            <a:r>
+              <a:rPr lang="en-US" dirty="0" smtClean="0">
+                <a:hlinkClick r:id="rId10"/>
+              </a:rPr>
+              <a:t>/</a:t>
+            </a:r>
+            <a:endParaRPr lang="en-US" dirty="0" smtClean="0"/>
+          </a:p>
+          <a:p>
+            <a:pPr marL="478790" lvl="2" indent="0">
+              <a:buNone/>
+            </a:pPr>
+            <a:r>
+              <a:rPr lang="en-US" dirty="0"/>
+              <a:t>Drools is a Business Rules Management System (BRMS) solution. It provides a core Business Rules Engine (BRE), a web authoring and rules management application (Drools Workbench) and an Eclipse IDE plugin for core development.</a:t>
             </a:r>
             <a:endParaRPr lang="en-US" dirty="0"/>
           </a:p>
           <a:p>
+            <a:endParaRPr lang="en-US" dirty="0"/>
+          </a:p>
+          <a:p>
             <a:r>
               <a:rPr lang="en-US" dirty="0"/>
-              <a:t>CLIPS: golden oldie "perhaps the most widely used expert system tool" </a:t>
+              <a:t>CLIPS: golden oldie </a:t>
+            </a:r>
+            <a:r>
+              <a:rPr lang="en-US" dirty="0" smtClean="0">
+                <a:hlinkClick r:id="rId11"/>
+              </a:rPr>
+              <a:t>https</a:t>
             </a:r>
             <a:r>
               <a:rPr lang="en-US" dirty="0">
                 <a:hlinkClick r:id="rId11"/>
               </a:rPr>
-              <a:t>https://sourceforge.net/projects/clipsrules/</a:t>
-            </a:r>
+              <a:t>://sourceforge.net/projects/clipsrules</a:t>
+            </a:r>
+            <a:r>
+              <a:rPr lang="en-US" dirty="0" smtClean="0">
+                <a:hlinkClick r:id="rId11"/>
+              </a:rPr>
+              <a:t>/</a:t>
+            </a:r>
+            <a:endParaRPr lang="en-US" dirty="0" smtClean="0"/>
+          </a:p>
+          <a:p>
+            <a:pPr marL="525780" lvl="2" indent="0">
+              <a:buNone/>
+            </a:pPr>
+            <a:r>
+              <a:rPr lang="en-US" dirty="0"/>
+              <a:t>CLIPS is probably the most widely used expert system tool.</a:t>
+            </a:r>
+            <a:r>
+              <a:rPr lang="en-US" baseline="30000" dirty="0">
+                <a:hlinkClick r:id="rId12"/>
+              </a:rPr>
+              <a:t>[1]</a:t>
+            </a:r>
+            <a:r>
+              <a:rPr lang="en-US" dirty="0"/>
+              <a:t> CLIPS incorporates a complete </a:t>
+            </a:r>
+            <a:r>
+              <a:rPr lang="en-US" dirty="0">
+                <a:hlinkClick r:id="rId13" tooltip="Object-oriented programming"/>
+              </a:rPr>
+              <a:t>object-oriented language</a:t>
+            </a:r>
+            <a:r>
+              <a:rPr lang="en-US" dirty="0"/>
+              <a:t> (hence the acronym </a:t>
+            </a:r>
+            <a:r>
+              <a:rPr lang="en-US" i="1" dirty="0"/>
+              <a:t>COOL</a:t>
+            </a:r>
+            <a:r>
+              <a:rPr lang="en-US" dirty="0"/>
+              <a:t>) for writing expert systems. CLIPS itself is written in </a:t>
+            </a:r>
+            <a:r>
+              <a:rPr lang="en-US" dirty="0">
+                <a:hlinkClick r:id="rId14" tooltip="C (programming language)"/>
+              </a:rPr>
+              <a:t>C</a:t>
+            </a:r>
+            <a:r>
+              <a:rPr lang="en-US" dirty="0"/>
+              <a:t>, extensions can be written in C, and CLIPS can be called from C. Its user interface closely resembles that of the </a:t>
+            </a:r>
+            <a:r>
+              <a:rPr lang="en-US" dirty="0">
+                <a:hlinkClick r:id="rId15" tooltip="Programming language"/>
+              </a:rPr>
+              <a:t>programming language</a:t>
+            </a:r>
+            <a:r>
+              <a:rPr lang="en-US" dirty="0"/>
+              <a:t> </a:t>
+            </a:r>
+            <a:r>
+              <a:rPr lang="en-US" dirty="0">
+                <a:hlinkClick r:id="rId16" tooltip="Lisp (programming language)"/>
+              </a:rPr>
+              <a:t>Lisp</a:t>
+            </a:r>
+            <a:r>
+              <a:rPr lang="en-US" dirty="0"/>
+              <a:t>. COOL combines the programming paradigms of procedural, object oriented and logical (theorem proving) languages</a:t>
+            </a:r>
+            <a:r>
+              <a:rPr lang="en-US" dirty="0" smtClean="0"/>
+              <a:t>.</a:t>
+            </a:r>
+          </a:p>
+          <a:p>
+            <a:pPr marL="525780" lvl="2" indent="0">
+              <a:buNone/>
+            </a:pPr>
             <a:endParaRPr lang="en-US" dirty="0"/>
           </a:p>
           <a:p>
@@ -5348,29 +6921,44 @@
             </a:r>
             <a:r>
               <a:rPr lang="en-US" dirty="0">
-                <a:hlinkClick r:id="rId12"/>
+                <a:hlinkClick r:id="rId17"/>
               </a:rPr>
               <a:t>https://herzberg.ca.sandia.gov/</a:t>
             </a:r>
             <a:endParaRPr lang="en-US" dirty="0"/>
           </a:p>
           <a:p>
-            <a:pPr marL="46990" indent="0">
+            <a:pPr marL="525780" lvl="2" indent="0">
               <a:buNone/>
             </a:pPr>
             <a:r>
-              <a:rPr lang="en-GB" dirty="0" err="1" smtClean="0"/>
-              <a:t>Javascript</a:t>
-            </a:r>
-            <a:r>
-              <a:rPr lang="en-GB" dirty="0" smtClean="0"/>
-              <a:t>:</a:t>
-            </a:r>
-          </a:p>
-          <a:p>
-            <a:pPr marL="46990" indent="0">
-              <a:buNone/>
-            </a:pPr>
+              <a:rPr lang="en-US" dirty="0"/>
+              <a:t>Using </a:t>
+            </a:r>
+            <a:r>
+              <a:rPr lang="en-US" b="1" i="1" dirty="0"/>
+              <a:t>Jess</a:t>
+            </a:r>
+            <a:r>
+              <a:rPr lang="en-US" dirty="0"/>
+              <a:t>, you can build Java software that has the capacity to "reason" using knowledge you supply in the form of declarative rules. </a:t>
+            </a:r>
+            <a:r>
+              <a:rPr lang="en-US" b="1" i="1" dirty="0"/>
+              <a:t>Jess</a:t>
+            </a:r>
+            <a:r>
+              <a:rPr lang="en-US" dirty="0"/>
+              <a:t> is small, light, and one of the fastest rule engines available. Its powerful scripting language gives you access to all of Java's APIs. </a:t>
+            </a:r>
+            <a:r>
+              <a:rPr lang="en-US" b="1" i="1" dirty="0"/>
+              <a:t>Jess</a:t>
+            </a:r>
+            <a:r>
+              <a:rPr lang="en-US" dirty="0"/>
+              <a:t> includes a full-featured development environment based on the award-winning Eclipse platform.</a:t>
+            </a:r>
             <a:endParaRPr lang="en-GB" dirty="0"/>
           </a:p>
         </p:txBody>
@@ -5475,20 +7063,16 @@
               <a:tabLst/>
             </a:pPr>
             <a:r>
+              <a:rPr lang="en-GB" sz="2800" kern="0" dirty="0" err="1" smtClean="0"/>
+              <a:t>Nools</a:t>
+            </a:r>
+            <a:r>
               <a:rPr lang="en-GB" sz="2800" kern="0" dirty="0" smtClean="0"/>
-              <a:t>If it has to be </a:t>
+              <a:t> is </a:t>
             </a:r>
             <a:r>
               <a:rPr lang="en-GB" sz="2800" kern="0" dirty="0" err="1" smtClean="0"/>
-              <a:t>Javascript</a:t>
-            </a:r>
-            <a:r>
-              <a:rPr lang="en-GB" sz="2800" kern="0" dirty="0"/>
-              <a:t> </a:t>
-            </a:r>
-            <a:r>
-              <a:rPr lang="en-GB" sz="2800" kern="0" dirty="0" smtClean="0"/>
-              <a:t>…</a:t>
+              <a:t>abandonware</a:t>
             </a:r>
             <a:endParaRPr kumimoji="0" lang="en-GB" sz="2800" b="0" i="0" u="none" strike="noStrike" kern="0" cap="none" normalizeH="0" baseline="0" noProof="0" dirty="0" smtClean="0">
               <a:ln>
@@ -5958,567 +7542,32 @@
           </a:p>
         </p:txBody>
       </p:sp>
-      <p:sp>
-        <p:nvSpPr>
-          <p:cNvPr id="2" name="Rectangle 1"/>
-          <p:cNvSpPr>
-            <a:spLocks noChangeArrowheads="1"/>
-          </p:cNvSpPr>
+      <p:pic>
+        <p:nvPicPr>
+          <p:cNvPr id="10" name="Grafik 9"/>
+          <p:cNvPicPr>
+            <a:picLocks noChangeAspect="1"/>
+          </p:cNvPicPr>
           <p:nvPr>
             <p:custDataLst>
               <p:tags r:id="rId8"/>
             </p:custDataLst>
           </p:nvPr>
-        </p:nvSpPr>
-        <p:spPr bwMode="auto">
+        </p:nvPicPr>
+        <p:blipFill>
+          <a:blip r:embed="rId10"/>
+          <a:stretch>
+            <a:fillRect/>
+          </a:stretch>
+        </p:blipFill>
+        <p:spPr>
           <a:xfrm>
-            <a:off x="356840" y="2017378"/>
-            <a:ext cx="9391342" cy="3139321"/>
+            <a:off x="2559134" y="807959"/>
+            <a:ext cx="4822974" cy="4447301"/>
           </a:xfrm>
           <a:prstGeom prst="rect">
             <a:avLst/>
           </a:prstGeom>
-          <a:noFill/>
-          <a:ln>
-            <a:noFill/>
-          </a:ln>
-          <a:effectLst/>
-          <a:extLst>
-            <a:ext uri="{909E8E84-426E-40DD-AFC4-6F175D3DCCD1}">
-              <a14:hiddenFill xmlns:a14="http://schemas.microsoft.com/office/drawing/2010/main">
-                <a:solidFill>
-                  <a:schemeClr val="accent1"/>
-                </a:solidFill>
-              </a14:hiddenFill>
-            </a:ext>
-            <a:ext uri="{91240B29-F687-4F45-9708-019B960494DF}">
-              <a14:hiddenLine xmlns:a14="http://schemas.microsoft.com/office/drawing/2010/main" w="9525">
-                <a:solidFill>
-                  <a:schemeClr val="tx1"/>
-                </a:solidFill>
-                <a:miter lim="800000"/>
-                <a:headEnd/>
-                <a:tailEnd/>
-              </a14:hiddenLine>
-            </a:ext>
-            <a:ext uri="{AF507438-7753-43E0-B8FC-AC1667EBCBE1}">
-              <a14:hiddenEffects xmlns:a14="http://schemas.microsoft.com/office/drawing/2010/main">
-                <a:effectLst>
-                  <a:outerShdw dist="35921" dir="2700000" algn="ctr" rotWithShape="0">
-                    <a:schemeClr val="bg2"/>
-                  </a:outerShdw>
-                </a:effectLst>
-              </a14:hiddenEffects>
-            </a:ext>
-          </a:extLst>
-        </p:spPr>
-        <p:txBody>
-          <a:bodyPr vert="horz" wrap="square" lIns="91440" tIns="45720" rIns="91440" bIns="45720" numCol="1" anchor="ctr" anchorCtr="0" compatLnSpc="1">
-            <a:prstTxWarp prst="textNoShape">
-              <a:avLst/>
-            </a:prstTxWarp>
-            <a:spAutoFit/>
-          </a:bodyPr>
-          <a:lstStyle/>
-          <a:p>
-            <a:pPr marL="0" marR="0" lvl="0" indent="0" algn="l" defTabSz="914400" rtl="0" eaLnBrk="0" fontAlgn="base" latinLnBrk="0" hangingPunct="0">
-              <a:lnSpc>
-                <a:spcPct val="100000"/>
-              </a:lnSpc>
-              <a:spcBef>
-                <a:spcPct val="0"/>
-              </a:spcBef>
-              <a:spcAft>
-                <a:spcPct val="0"/>
-              </a:spcAft>
-              <a:buClrTx/>
-              <a:buSzTx/>
-              <a:tabLst/>
-            </a:pPr>
-            <a:endParaRPr lang="en-US" altLang="en-US" dirty="0">
-              <a:latin typeface="Arial" panose="020B0604020202020204" pitchFamily="34" charset="0"/>
-              <a:hlinkClick r:id="rId11"/>
-            </a:endParaRPr>
-          </a:p>
-          <a:p>
-            <a:pPr marL="0" marR="0" lvl="0" indent="0" algn="l" defTabSz="914400" rtl="0" eaLnBrk="0" fontAlgn="base" latinLnBrk="0" hangingPunct="0">
-              <a:lnSpc>
-                <a:spcPct val="100000"/>
-              </a:lnSpc>
-              <a:spcBef>
-                <a:spcPct val="0"/>
-              </a:spcBef>
-              <a:spcAft>
-                <a:spcPct val="0"/>
-              </a:spcAft>
-              <a:buClrTx/>
-              <a:buSzTx/>
-              <a:buFontTx/>
-              <a:buAutoNum type="arabicPeriod"/>
-              <a:tabLst/>
-            </a:pPr>
-            <a:r>
-              <a:rPr kumimoji="0" lang="en-US" altLang="en-US" sz="1800" b="0" i="0" u="none" strike="noStrike" cap="none" normalizeH="0" baseline="0" dirty="0" smtClean="0">
-                <a:ln>
-                  <a:noFill/>
-                </a:ln>
-                <a:solidFill>
-                  <a:schemeClr val="tx1"/>
-                </a:solidFill>
-                <a:effectLst/>
-                <a:latin typeface="Arial" panose="020B0604020202020204" pitchFamily="34" charset="0"/>
-                <a:hlinkClick r:id="rId11"/>
-              </a:rPr>
-              <a:t>https://github.com/jruizgit/rules</a:t>
-            </a:r>
-            <a:r>
-              <a:rPr kumimoji="0" lang="en-US" altLang="en-US" sz="1800" b="0" i="0" u="none" strike="noStrike" cap="none" normalizeH="0" baseline="0" dirty="0" smtClean="0">
-                <a:ln>
-                  <a:noFill/>
-                </a:ln>
-                <a:solidFill>
-                  <a:schemeClr val="tx1"/>
-                </a:solidFill>
-                <a:effectLst/>
-                <a:latin typeface="Arial" panose="020B0604020202020204" pitchFamily="34" charset="0"/>
-              </a:rPr>
-              <a:t> : still active</a:t>
-            </a:r>
-          </a:p>
-          <a:p>
-            <a:pPr marL="0" marR="0" lvl="0" indent="0" algn="l" defTabSz="914400" rtl="0" eaLnBrk="0" fontAlgn="base" latinLnBrk="0" hangingPunct="0">
-              <a:lnSpc>
-                <a:spcPct val="100000"/>
-              </a:lnSpc>
-              <a:spcBef>
-                <a:spcPct val="0"/>
-              </a:spcBef>
-              <a:spcAft>
-                <a:spcPct val="0"/>
-              </a:spcAft>
-              <a:buClrTx/>
-              <a:buSzTx/>
-              <a:buFontTx/>
-              <a:buAutoNum type="arabicPeriod" startAt="2"/>
-              <a:tabLst/>
-            </a:pPr>
-            <a:r>
-              <a:rPr kumimoji="0" lang="en-US" altLang="en-US" sz="1800" b="0" i="0" u="none" strike="noStrike" cap="none" normalizeH="0" baseline="0" dirty="0" smtClean="0">
-                <a:ln>
-                  <a:noFill/>
-                </a:ln>
-                <a:solidFill>
-                  <a:schemeClr val="tx1"/>
-                </a:solidFill>
-                <a:effectLst/>
-                <a:latin typeface="Arial" panose="020B0604020202020204" pitchFamily="34" charset="0"/>
-                <a:hlinkClick r:id="rId12"/>
-              </a:rPr>
-              <a:t>https://github.com/cachecontrol/json-rules-engine</a:t>
-            </a:r>
-            <a:r>
-              <a:rPr kumimoji="0" lang="en-US" altLang="en-US" sz="1800" b="0" i="0" u="none" strike="noStrike" cap="none" normalizeH="0" baseline="0" dirty="0" smtClean="0">
-                <a:ln>
-                  <a:noFill/>
-                </a:ln>
-                <a:solidFill>
-                  <a:schemeClr val="tx1"/>
-                </a:solidFill>
-                <a:effectLst/>
-                <a:latin typeface="Arial" panose="020B0604020202020204" pitchFamily="34" charset="0"/>
-              </a:rPr>
-              <a:t> : supposed to use "simple </a:t>
-            </a:r>
-            <a:r>
-              <a:rPr kumimoji="0" lang="en-US" altLang="en-US" sz="1800" b="0" i="0" u="none" strike="noStrike" cap="none" normalizeH="0" baseline="0" dirty="0" err="1" smtClean="0">
-                <a:ln>
-                  <a:noFill/>
-                </a:ln>
-                <a:solidFill>
-                  <a:schemeClr val="tx1"/>
-                </a:solidFill>
-                <a:effectLst/>
-                <a:latin typeface="Arial" panose="020B0604020202020204" pitchFamily="34" charset="0"/>
-              </a:rPr>
-              <a:t>json</a:t>
-            </a:r>
-            <a:r>
-              <a:rPr kumimoji="0" lang="en-US" altLang="en-US" sz="1800" b="0" i="0" u="none" strike="noStrike" cap="none" normalizeH="0" baseline="0" dirty="0" smtClean="0">
-                <a:ln>
-                  <a:noFill/>
-                </a:ln>
-                <a:solidFill>
-                  <a:schemeClr val="tx1"/>
-                </a:solidFill>
-                <a:effectLst/>
-                <a:latin typeface="Arial" panose="020B0604020202020204" pitchFamily="34" charset="0"/>
-              </a:rPr>
-              <a:t> structures"</a:t>
-            </a:r>
-          </a:p>
-          <a:p>
-            <a:pPr marL="0" marR="0" lvl="0" indent="0" algn="l" defTabSz="914400" rtl="0" eaLnBrk="0" fontAlgn="base" latinLnBrk="0" hangingPunct="0">
-              <a:lnSpc>
-                <a:spcPct val="100000"/>
-              </a:lnSpc>
-              <a:spcBef>
-                <a:spcPct val="0"/>
-              </a:spcBef>
-              <a:spcAft>
-                <a:spcPct val="0"/>
-              </a:spcAft>
-              <a:buClrTx/>
-              <a:buSzTx/>
-              <a:buFontTx/>
-              <a:buAutoNum type="arabicPeriod" startAt="3"/>
-              <a:tabLst/>
-            </a:pPr>
-            <a:r>
-              <a:rPr kumimoji="0" lang="en-US" altLang="en-US" sz="1800" b="0" i="0" u="none" strike="noStrike" cap="none" normalizeH="0" baseline="0" dirty="0" smtClean="0">
-                <a:ln>
-                  <a:noFill/>
-                </a:ln>
-                <a:solidFill>
-                  <a:schemeClr val="tx1"/>
-                </a:solidFill>
-                <a:effectLst/>
-                <a:latin typeface="Arial" panose="020B0604020202020204" pitchFamily="34" charset="0"/>
-                <a:hlinkClick r:id="rId13"/>
-              </a:rPr>
-              <a:t>https://github.com/mithunsatheesh/node-rules</a:t>
-            </a:r>
-            <a:r>
-              <a:rPr kumimoji="0" lang="en-US" altLang="en-US" sz="1800" b="0" i="0" u="none" strike="noStrike" cap="none" normalizeH="0" baseline="0" dirty="0" smtClean="0">
-                <a:ln>
-                  <a:noFill/>
-                </a:ln>
-                <a:solidFill>
-                  <a:schemeClr val="tx1"/>
-                </a:solidFill>
-                <a:effectLst/>
-                <a:latin typeface="Arial" panose="020B0604020202020204" pitchFamily="34" charset="0"/>
-              </a:rPr>
-              <a:t> : older</a:t>
-            </a:r>
-          </a:p>
-          <a:p>
-            <a:pPr marL="0" marR="0" lvl="0" indent="0" algn="l" defTabSz="914400" rtl="0" eaLnBrk="0" fontAlgn="base" latinLnBrk="0" hangingPunct="0">
-              <a:lnSpc>
-                <a:spcPct val="100000"/>
-              </a:lnSpc>
-              <a:spcBef>
-                <a:spcPct val="0"/>
-              </a:spcBef>
-              <a:spcAft>
-                <a:spcPct val="0"/>
-              </a:spcAft>
-              <a:buClrTx/>
-              <a:buSzTx/>
-              <a:buFontTx/>
-              <a:buAutoNum type="arabicPeriod" startAt="4"/>
-              <a:tabLst/>
-            </a:pPr>
-            <a:r>
-              <a:rPr kumimoji="0" lang="en-US" altLang="en-US" sz="1800" b="0" i="0" u="none" strike="noStrike" cap="none" normalizeH="0" baseline="0" dirty="0" smtClean="0">
-                <a:ln>
-                  <a:noFill/>
-                </a:ln>
-                <a:solidFill>
-                  <a:schemeClr val="tx1"/>
-                </a:solidFill>
-                <a:effectLst/>
-                <a:latin typeface="Arial" panose="020B0604020202020204" pitchFamily="34" charset="0"/>
-                <a:hlinkClick r:id="rId14"/>
-              </a:rPr>
-              <a:t>https://github.com/iannsp/rulezb</a:t>
-            </a:r>
-            <a:r>
-              <a:rPr kumimoji="0" lang="en-US" altLang="en-US" sz="1800" b="0" i="0" u="none" strike="noStrike" cap="none" normalizeH="0" baseline="0" dirty="0" smtClean="0">
-                <a:ln>
-                  <a:noFill/>
-                </a:ln>
-                <a:solidFill>
-                  <a:schemeClr val="tx1"/>
-                </a:solidFill>
-                <a:effectLst/>
-                <a:latin typeface="Arial" panose="020B0604020202020204" pitchFamily="34" charset="0"/>
-              </a:rPr>
-              <a:t> : </a:t>
-            </a:r>
-            <a:r>
-              <a:rPr kumimoji="0" lang="en-US" altLang="en-US" sz="1800" b="0" i="0" u="none" strike="noStrike" cap="none" normalizeH="0" baseline="0" dirty="0" smtClean="0">
-                <a:ln>
-                  <a:noFill/>
-                </a:ln>
-                <a:solidFill>
-                  <a:srgbClr val="24292E"/>
-                </a:solidFill>
-                <a:effectLst/>
-                <a:latin typeface="Arial" panose="020B0604020202020204" pitchFamily="34" charset="0"/>
-              </a:rPr>
-              <a:t>A Business Rule Engine for rule them all</a:t>
-            </a:r>
-            <a:endParaRPr kumimoji="0" lang="en-US" altLang="en-US" sz="1800" b="0" i="0" u="none" strike="noStrike" cap="none" normalizeH="0" baseline="0" dirty="0" smtClean="0">
-              <a:ln>
-                <a:noFill/>
-              </a:ln>
-              <a:solidFill>
-                <a:schemeClr val="tx1"/>
-              </a:solidFill>
-              <a:effectLst/>
-              <a:latin typeface="Arial" panose="020B0604020202020204" pitchFamily="34" charset="0"/>
-            </a:endParaRPr>
-          </a:p>
-          <a:p>
-            <a:pPr marL="0" marR="0" lvl="0" indent="0" algn="l" defTabSz="914400" rtl="0" eaLnBrk="0" fontAlgn="base" latinLnBrk="0" hangingPunct="0">
-              <a:lnSpc>
-                <a:spcPct val="100000"/>
-              </a:lnSpc>
-              <a:spcBef>
-                <a:spcPct val="0"/>
-              </a:spcBef>
-              <a:spcAft>
-                <a:spcPct val="0"/>
-              </a:spcAft>
-              <a:buClrTx/>
-              <a:buSzTx/>
-              <a:buFontTx/>
-              <a:buAutoNum type="arabicPeriod" startAt="5"/>
-              <a:tabLst/>
-            </a:pPr>
-            <a:r>
-              <a:rPr kumimoji="0" lang="en-US" altLang="en-US" sz="1800" b="0" i="0" u="none" strike="noStrike" cap="none" normalizeH="0" baseline="0" dirty="0" smtClean="0">
-                <a:ln>
-                  <a:noFill/>
-                </a:ln>
-                <a:solidFill>
-                  <a:srgbClr val="24292E"/>
-                </a:solidFill>
-                <a:effectLst/>
-                <a:latin typeface="Arial" panose="020B0604020202020204" pitchFamily="34" charset="0"/>
-                <a:hlinkClick r:id="rId15"/>
-              </a:rPr>
-              <a:t>https://github.com/atrniv/node-clips</a:t>
-            </a:r>
-            <a:r>
-              <a:rPr kumimoji="0" lang="en-US" altLang="en-US" sz="1800" b="0" i="0" u="none" strike="noStrike" cap="none" normalizeH="0" baseline="0" dirty="0" smtClean="0">
-                <a:ln>
-                  <a:noFill/>
-                </a:ln>
-                <a:solidFill>
-                  <a:srgbClr val="24292E"/>
-                </a:solidFill>
-                <a:effectLst/>
-                <a:latin typeface="Arial" panose="020B0604020202020204" pitchFamily="34" charset="0"/>
-              </a:rPr>
-              <a:t> : an interface to clips, older (see above)</a:t>
-            </a:r>
-            <a:br>
-              <a:rPr kumimoji="0" lang="en-US" altLang="en-US" sz="1800" b="0" i="0" u="none" strike="noStrike" cap="none" normalizeH="0" baseline="0" dirty="0" smtClean="0">
-                <a:ln>
-                  <a:noFill/>
-                </a:ln>
-                <a:solidFill>
-                  <a:srgbClr val="24292E"/>
-                </a:solidFill>
-                <a:effectLst/>
-                <a:latin typeface="Arial" panose="020B0604020202020204" pitchFamily="34" charset="0"/>
-              </a:rPr>
-            </a:br>
-            <a:endParaRPr kumimoji="0" lang="en-US" altLang="en-US" sz="1800" b="0" i="0" u="none" strike="noStrike" cap="none" normalizeH="0" baseline="0" dirty="0" smtClean="0">
-              <a:ln>
-                <a:noFill/>
-              </a:ln>
-              <a:solidFill>
-                <a:schemeClr val="tx1"/>
-              </a:solidFill>
-              <a:effectLst/>
-              <a:latin typeface="Arial" panose="020B0604020202020204" pitchFamily="34" charset="0"/>
-            </a:endParaRPr>
-          </a:p>
-          <a:p>
-            <a:pPr marL="0" marR="0" lvl="0" indent="0" algn="l" defTabSz="914400" rtl="0" eaLnBrk="0" fontAlgn="base" latinLnBrk="0" hangingPunct="0">
-              <a:lnSpc>
-                <a:spcPct val="100000"/>
-              </a:lnSpc>
-              <a:spcBef>
-                <a:spcPct val="0"/>
-              </a:spcBef>
-              <a:spcAft>
-                <a:spcPct val="0"/>
-              </a:spcAft>
-              <a:buClrTx/>
-              <a:buSzTx/>
-              <a:buFontTx/>
-              <a:buAutoNum type="arabicPeriod" startAt="6"/>
-              <a:tabLst/>
-            </a:pPr>
-            <a:r>
-              <a:rPr kumimoji="0" lang="en-US" altLang="en-US" sz="1800" b="0" i="0" u="none" strike="noStrike" cap="none" normalizeH="0" baseline="0" dirty="0" smtClean="0">
-                <a:ln>
-                  <a:noFill/>
-                </a:ln>
-                <a:solidFill>
-                  <a:srgbClr val="24292E"/>
-                </a:solidFill>
-                <a:effectLst/>
-                <a:latin typeface="Arial" panose="020B0604020202020204" pitchFamily="34" charset="0"/>
-                <a:hlinkClick r:id="rId16"/>
-              </a:rPr>
-              <a:t>https://github.com/rsamec/business-rules-engine</a:t>
-            </a:r>
-            <a:r>
-              <a:rPr kumimoji="0" lang="en-US" altLang="en-US" sz="1800" b="0" i="0" u="none" strike="noStrike" cap="none" normalizeH="0" baseline="0" dirty="0" smtClean="0">
-                <a:ln>
-                  <a:noFill/>
-                </a:ln>
-                <a:solidFill>
-                  <a:srgbClr val="24292E"/>
-                </a:solidFill>
-                <a:effectLst/>
-                <a:latin typeface="Arial" panose="020B0604020202020204" pitchFamily="34" charset="0"/>
-              </a:rPr>
-              <a:t> : older</a:t>
-            </a:r>
-            <a:endParaRPr kumimoji="0" lang="en-US" altLang="en-US" sz="1800" b="0" i="0" u="none" strike="noStrike" cap="none" normalizeH="0" baseline="0" dirty="0" smtClean="0">
-              <a:ln>
-                <a:noFill/>
-              </a:ln>
-              <a:solidFill>
-                <a:schemeClr val="tx1"/>
-              </a:solidFill>
-              <a:effectLst/>
-              <a:latin typeface="Arial" panose="020B0604020202020204" pitchFamily="34" charset="0"/>
-            </a:endParaRPr>
-          </a:p>
-          <a:p>
-            <a:pPr marL="0" marR="0" lvl="0" indent="0" algn="l" defTabSz="914400" rtl="0" eaLnBrk="0" fontAlgn="base" latinLnBrk="0" hangingPunct="0">
-              <a:lnSpc>
-                <a:spcPct val="100000"/>
-              </a:lnSpc>
-              <a:spcBef>
-                <a:spcPct val="0"/>
-              </a:spcBef>
-              <a:spcAft>
-                <a:spcPct val="0"/>
-              </a:spcAft>
-              <a:buClrTx/>
-              <a:buSzTx/>
-              <a:buFontTx/>
-              <a:buAutoNum type="arabicPeriod" startAt="7"/>
-              <a:tabLst/>
-            </a:pPr>
-            <a:r>
-              <a:rPr kumimoji="0" lang="en-US" altLang="en-US" sz="1800" b="0" i="0" u="none" strike="noStrike" cap="none" normalizeH="0" baseline="0" dirty="0" smtClean="0">
-                <a:ln>
-                  <a:noFill/>
-                </a:ln>
-                <a:solidFill>
-                  <a:srgbClr val="24292E"/>
-                </a:solidFill>
-                <a:effectLst/>
-                <a:latin typeface="Arial" panose="020B0604020202020204" pitchFamily="34" charset="0"/>
-                <a:hlinkClick r:id="rId17"/>
-              </a:rPr>
-              <a:t>https://github.com/maxant/rules</a:t>
-            </a:r>
-            <a:r>
-              <a:rPr kumimoji="0" lang="en-US" altLang="en-US" sz="1800" b="0" i="0" u="none" strike="noStrike" cap="none" normalizeH="0" baseline="0" dirty="0" smtClean="0">
-                <a:ln>
-                  <a:noFill/>
-                </a:ln>
-                <a:solidFill>
-                  <a:srgbClr val="24292E"/>
-                </a:solidFill>
-                <a:effectLst/>
-                <a:latin typeface="Arial" panose="020B0604020202020204" pitchFamily="34" charset="0"/>
-              </a:rPr>
-              <a:t>: somehow useful for both java and node.js   </a:t>
-            </a:r>
-            <a:endParaRPr kumimoji="0" lang="en-US" altLang="en-US" sz="900" b="0" i="0" u="none" strike="noStrike" cap="none" normalizeH="0" baseline="0" dirty="0" smtClean="0">
-              <a:ln>
-                <a:noFill/>
-              </a:ln>
-              <a:solidFill>
-                <a:schemeClr val="tx1"/>
-              </a:solidFill>
-              <a:effectLst/>
-              <a:latin typeface="Arial" panose="020B0604020202020204" pitchFamily="34" charset="0"/>
-            </a:endParaRPr>
-          </a:p>
-          <a:p>
-            <a:pPr marL="0" marR="0" lvl="0" indent="0" algn="l" defTabSz="914400" rtl="0" eaLnBrk="0" fontAlgn="base" latinLnBrk="0" hangingPunct="0">
-              <a:lnSpc>
-                <a:spcPct val="100000"/>
-              </a:lnSpc>
-              <a:spcBef>
-                <a:spcPct val="0"/>
-              </a:spcBef>
-              <a:spcAft>
-                <a:spcPct val="0"/>
-              </a:spcAft>
-              <a:buClrTx/>
-              <a:buSzTx/>
-              <a:buFontTx/>
-              <a:buNone/>
-              <a:tabLst/>
-            </a:pPr>
-            <a:endParaRPr kumimoji="0" lang="en-US" altLang="en-US" sz="1800" b="0" i="0" u="none" strike="noStrike" cap="none" normalizeH="0" baseline="0" dirty="0" smtClean="0">
-              <a:ln>
-                <a:noFill/>
-              </a:ln>
-              <a:solidFill>
-                <a:srgbClr val="24292E"/>
-              </a:solidFill>
-              <a:effectLst/>
-              <a:latin typeface="Arial" panose="020B0604020202020204" pitchFamily="34" charset="0"/>
-            </a:endParaRPr>
-          </a:p>
-        </p:txBody>
-      </p:sp>
-      <p:pic>
-        <p:nvPicPr>
-          <p:cNvPr id="2050" name="Picture 2" descr="(question)"/>
-          <p:cNvPicPr>
-            <a:picLocks noChangeAspect="1" noChangeArrowheads="1"/>
-          </p:cNvPicPr>
-          <p:nvPr>
-            <p:custDataLst>
-              <p:tags r:id="rId9"/>
-            </p:custDataLst>
-          </p:nvPr>
-        </p:nvPicPr>
-        <p:blipFill>
-          <a:blip r:embed="rId18">
-            <a:extLst>
-              <a:ext uri="{28A0092B-C50C-407E-A947-70E740481C1C}">
-                <a14:useLocalDpi xmlns:a14="http://schemas.microsoft.com/office/drawing/2010/main" val="0"/>
-              </a:ext>
-            </a:extLst>
-          </a:blip>
-          <a:srcRect/>
-          <a:stretch>
-            <a:fillRect/>
-          </a:stretch>
-        </p:blipFill>
-        <p:spPr bwMode="auto">
-          <a:xfrm>
-            <a:off x="7835900" y="823913"/>
-            <a:ext cx="152400" cy="152400"/>
-          </a:xfrm>
-          <a:prstGeom prst="rect">
-            <a:avLst/>
-          </a:prstGeom>
-          <a:noFill/>
-          <a:extLst>
-            <a:ext uri="{909E8E84-426E-40DD-AFC4-6F175D3DCCD1}">
-              <a14:hiddenFill xmlns:a14="http://schemas.microsoft.com/office/drawing/2010/main">
-                <a:solidFill>
-                  <a:srgbClr val="FFFFFF"/>
-                </a:solidFill>
-              </a14:hiddenFill>
-            </a:ext>
-          </a:extLst>
         </p:spPr>
       </p:pic>
     </p:spTree>
@@ -6527,7 +7576,7 @@
     </p:custDataLst>
     <p:extLst>
       <p:ext uri="{BB962C8B-B14F-4D97-AF65-F5344CB8AC3E}">
-        <p14:creationId xmlns:p14="http://schemas.microsoft.com/office/powerpoint/2010/main" val="1427082579"/>
+        <p14:creationId xmlns:p14="http://schemas.microsoft.com/office/powerpoint/2010/main" val="926636135"/>
       </p:ext>
     </p:extLst>
   </p:cSld>
@@ -6622,7 +7671,27 @@
             </a:pPr>
             <a:r>
               <a:rPr lang="en-GB" sz="2800" kern="0" dirty="0" smtClean="0"/>
-              <a:t>When Rules?</a:t>
+              <a:t>If it </a:t>
+            </a:r>
+            <a:r>
+              <a:rPr lang="en-GB" sz="2800" kern="0" dirty="0" smtClean="0"/>
+              <a:t>still has </a:t>
+            </a:r>
+            <a:r>
+              <a:rPr lang="en-GB" sz="2800" kern="0" dirty="0" smtClean="0"/>
+              <a:t>to be </a:t>
+            </a:r>
+            <a:r>
+              <a:rPr lang="en-GB" sz="2800" kern="0" dirty="0" err="1" smtClean="0"/>
+              <a:t>Javascript</a:t>
+            </a:r>
+            <a:r>
+              <a:rPr lang="en-GB" sz="2800" kern="0" dirty="0"/>
+              <a:t> </a:t>
+            </a:r>
+            <a:r>
+              <a:rPr lang="en-GB" sz="2800" kern="0" dirty="0" smtClean="0"/>
+              <a:t>…</a:t>
             </a:r>
             <a:endParaRPr kumimoji="0" lang="en-GB" sz="2800" b="0" i="0" u="none" strike="noStrike" kern="0" cap="none" normalizeH="0" baseline="0" noProof="0" dirty="0" smtClean="0">
               <a:ln>
@@ -7094,138 +8163,574 @@
       </p:sp>
       <p:sp>
         <p:nvSpPr>
-          <p:cNvPr id="3" name="Inhaltsplatzhalter 2"/>
+          <p:cNvPr id="2" name="Rectangle 1"/>
           <p:cNvSpPr>
-            <a:spLocks noGrp="1"/>
+            <a:spLocks noChangeArrowheads="1"/>
           </p:cNvSpPr>
           <p:nvPr>
-            <p:ph idx="1"/>
             <p:custDataLst>
               <p:tags r:id="rId8"/>
             </p:custDataLst>
           </p:nvPr>
         </p:nvSpPr>
-        <p:spPr>
+        <p:spPr bwMode="auto">
           <a:xfrm>
-            <a:off x="259080" y="1295400"/>
-            <a:ext cx="10452100" cy="4168140"/>
+            <a:off x="473864" y="1333044"/>
+            <a:ext cx="9391342" cy="3139321"/>
           </a:xfrm>
+          <a:prstGeom prst="rect">
+            <a:avLst/>
+          </a:prstGeom>
+          <a:noFill/>
+          <a:ln>
+            <a:noFill/>
+          </a:ln>
           <a:effectLst/>
           <a:extLst>
+            <a:ext uri="{909E8E84-426E-40DD-AFC4-6F175D3DCCD1}">
+              <a14:hiddenFill xmlns:a14="http://schemas.microsoft.com/office/drawing/2010/main">
+                <a:solidFill>
+                  <a:schemeClr val="accent1"/>
+                </a:solidFill>
+              </a14:hiddenFill>
+            </a:ext>
+            <a:ext uri="{91240B29-F687-4F45-9708-019B960494DF}">
+              <a14:hiddenLine xmlns:a14="http://schemas.microsoft.com/office/drawing/2010/main" w="9525">
+                <a:solidFill>
+                  <a:schemeClr val="tx1"/>
+                </a:solidFill>
+                <a:miter lim="800000"/>
+                <a:headEnd/>
+                <a:tailEnd/>
+              </a14:hiddenLine>
+            </a:ext>
             <a:ext uri="{AF507438-7753-43E0-B8FC-AC1667EBCBE1}">
               <a14:hiddenEffects xmlns:a14="http://schemas.microsoft.com/office/drawing/2010/main">
                 <a:effectLst>
-                  <a:outerShdw blurRad="63500" rotWithShape="0">
-                    <a:scrgbClr r="0" g="0" b="0"/>
+                  <a:outerShdw dist="35921" dir="2700000" algn="ctr" rotWithShape="0">
+                    <a:schemeClr val="bg2"/>
                   </a:outerShdw>
                 </a:effectLst>
               </a14:hiddenEffects>
             </a:ext>
-            <a:ext uri="{53640926-AAD7-44D8-BBD7-CCE9431645EC}">
-              <a14:shadowObscured xmlns:a14="http://schemas.microsoft.com/office/drawing/2010/main"/>
-            </a:ext>
           </a:extLst>
         </p:spPr>
         <p:txBody>
-          <a:bodyPr wrap="square" lIns="0" tIns="0" rIns="0" bIns="0" anchor="t">
-            <a:noAutofit/>
+          <a:bodyPr vert="horz" wrap="square" lIns="91440" tIns="45720" rIns="91440" bIns="45720" numCol="1" anchor="ctr" anchorCtr="0" compatLnSpc="1">
+            <a:prstTxWarp prst="textNoShape">
+              <a:avLst/>
+            </a:prstTxWarp>
+            <a:spAutoFit/>
           </a:bodyPr>
           <a:lstStyle/>
           <a:p>
-            <a:r>
-              <a:rPr lang="en-GB" dirty="0" smtClean="0"/>
-              <a:t>Numerical Algorithms</a:t>
-            </a:r>
-          </a:p>
-          <a:p>
-            <a:pPr lvl="1"/>
-            <a:r>
-              <a:rPr lang="en-GB" dirty="0" smtClean="0"/>
-              <a:t>Heavy lifting of classification/identifying patterns </a:t>
-            </a:r>
-          </a:p>
-          <a:p>
-            <a:pPr lvl="1"/>
-            <a:endParaRPr lang="en-GB" dirty="0"/>
-          </a:p>
-          <a:p>
-            <a:pPr marL="233680" lvl="1" indent="0">
-              <a:buNone/>
+            <a:pPr marL="0" marR="0" lvl="0" indent="0" algn="l" defTabSz="914400" rtl="0" eaLnBrk="0" fontAlgn="base" latinLnBrk="0" hangingPunct="0">
+              <a:lnSpc>
+                <a:spcPct val="100000"/>
+              </a:lnSpc>
+              <a:spcBef>
+                <a:spcPct val="0"/>
+              </a:spcBef>
+              <a:spcAft>
+                <a:spcPct val="0"/>
+              </a:spcAft>
+              <a:buClrTx/>
+              <a:buSzTx/>
+              <a:tabLst/>
             </a:pPr>
-            <a:endParaRPr lang="en-GB" dirty="0" smtClean="0"/>
-          </a:p>
-          <a:p>
-            <a:r>
-              <a:rPr lang="en-GB" dirty="0" smtClean="0"/>
-              <a:t>Rules:</a:t>
-            </a:r>
-          </a:p>
-          <a:p>
-            <a:pPr lvl="1"/>
-            <a:r>
-              <a:rPr lang="en-GB" dirty="0" smtClean="0"/>
-              <a:t>Policy issues, which could vary from product to product or user to user</a:t>
-            </a:r>
-          </a:p>
-          <a:p>
-            <a:pPr lvl="2"/>
-            <a:r>
-              <a:rPr lang="en-GB" dirty="0" smtClean="0"/>
-              <a:t>When is a good time …</a:t>
-            </a:r>
-          </a:p>
-          <a:p>
-            <a:pPr lvl="2"/>
-            <a:r>
-              <a:rPr lang="en-GB" dirty="0" smtClean="0"/>
-              <a:t>For which people …</a:t>
-            </a:r>
-          </a:p>
-          <a:p>
-            <a:pPr lvl="2"/>
-            <a:r>
-              <a:rPr lang="en-GB" dirty="0"/>
-              <a:t>T</a:t>
-            </a:r>
-            <a:r>
-              <a:rPr lang="en-GB" dirty="0" smtClean="0"/>
-              <a:t>o disturb me with notifications about which kinds of events.</a:t>
-            </a:r>
-          </a:p>
-          <a:p>
-            <a:pPr marL="525780" lvl="2" indent="0">
-              <a:buNone/>
+            <a:endParaRPr lang="en-US" altLang="en-US" dirty="0">
+              <a:latin typeface="Arial" panose="020B0604020202020204" pitchFamily="34" charset="0"/>
+              <a:hlinkClick r:id="rId11"/>
+            </a:endParaRPr>
+          </a:p>
+          <a:p>
+            <a:pPr marL="0" marR="0" lvl="0" indent="0" algn="l" defTabSz="914400" rtl="0" eaLnBrk="0" fontAlgn="base" latinLnBrk="0" hangingPunct="0">
+              <a:lnSpc>
+                <a:spcPct val="100000"/>
+              </a:lnSpc>
+              <a:spcBef>
+                <a:spcPct val="0"/>
+              </a:spcBef>
+              <a:spcAft>
+                <a:spcPct val="0"/>
+              </a:spcAft>
+              <a:buClrTx/>
+              <a:buSzTx/>
+              <a:buFontTx/>
+              <a:buAutoNum type="arabicPeriod"/>
+              <a:tabLst/>
             </a:pPr>
-            <a:endParaRPr lang="en-GB" dirty="0" smtClean="0"/>
-          </a:p>
-          <a:p>
-            <a:pPr marL="303530" lvl="1" indent="0">
-              <a:buNone/>
+            <a:r>
+              <a:rPr kumimoji="0" lang="en-US" altLang="en-US" sz="1800" b="0" i="0" u="none" strike="noStrike" cap="none" normalizeH="0" baseline="0" dirty="0" smtClean="0">
+                <a:ln>
+                  <a:noFill/>
+                </a:ln>
+                <a:solidFill>
+                  <a:schemeClr val="tx1"/>
+                </a:solidFill>
+                <a:effectLst/>
+                <a:latin typeface="Arial" panose="020B0604020202020204" pitchFamily="34" charset="0"/>
+                <a:hlinkClick r:id="rId11"/>
+              </a:rPr>
+              <a:t>https://github.com/jruizgit/rules</a:t>
+            </a:r>
+            <a:r>
+              <a:rPr kumimoji="0" lang="en-US" altLang="en-US" sz="1800" b="0" i="0" u="none" strike="noStrike" cap="none" normalizeH="0" baseline="0" dirty="0" smtClean="0">
+                <a:ln>
+                  <a:noFill/>
+                </a:ln>
+                <a:solidFill>
+                  <a:schemeClr val="tx1"/>
+                </a:solidFill>
+                <a:effectLst/>
+                <a:latin typeface="Arial" panose="020B0604020202020204" pitchFamily="34" charset="0"/>
+              </a:rPr>
+              <a:t> : still active</a:t>
+            </a:r>
+          </a:p>
+          <a:p>
+            <a:pPr marL="0" marR="0" lvl="0" indent="0" algn="l" defTabSz="914400" rtl="0" eaLnBrk="0" fontAlgn="base" latinLnBrk="0" hangingPunct="0">
+              <a:lnSpc>
+                <a:spcPct val="100000"/>
+              </a:lnSpc>
+              <a:spcBef>
+                <a:spcPct val="0"/>
+              </a:spcBef>
+              <a:spcAft>
+                <a:spcPct val="0"/>
+              </a:spcAft>
+              <a:buClrTx/>
+              <a:buSzTx/>
+              <a:buFontTx/>
+              <a:buAutoNum type="arabicPeriod" startAt="2"/>
+              <a:tabLst/>
             </a:pPr>
             <a:r>
-              <a:rPr lang="en-GB" dirty="0" smtClean="0"/>
-              <a:t>More use cases ?</a:t>
-            </a:r>
-          </a:p>
-          <a:p>
-            <a:pPr marL="303530" lvl="1" indent="0">
-              <a:buNone/>
+              <a:rPr kumimoji="0" lang="en-US" altLang="en-US" sz="1800" b="0" i="0" u="none" strike="noStrike" cap="none" normalizeH="0" baseline="0" dirty="0" smtClean="0">
+                <a:ln>
+                  <a:noFill/>
+                </a:ln>
+                <a:solidFill>
+                  <a:schemeClr val="tx1"/>
+                </a:solidFill>
+                <a:effectLst/>
+                <a:latin typeface="Arial" panose="020B0604020202020204" pitchFamily="34" charset="0"/>
+                <a:hlinkClick r:id="rId12"/>
+              </a:rPr>
+              <a:t>https://github.com/cachecontrol/json-rules-engine</a:t>
+            </a:r>
+            <a:r>
+              <a:rPr kumimoji="0" lang="en-US" altLang="en-US" sz="1800" b="0" i="0" u="none" strike="noStrike" cap="none" normalizeH="0" baseline="0" dirty="0" smtClean="0">
+                <a:ln>
+                  <a:noFill/>
+                </a:ln>
+                <a:solidFill>
+                  <a:schemeClr val="tx1"/>
+                </a:solidFill>
+                <a:effectLst/>
+                <a:latin typeface="Arial" panose="020B0604020202020204" pitchFamily="34" charset="0"/>
+              </a:rPr>
+              <a:t> : supposed to use "simple </a:t>
+            </a:r>
+            <a:r>
+              <a:rPr kumimoji="0" lang="en-US" altLang="en-US" sz="1800" b="0" i="0" u="none" strike="noStrike" cap="none" normalizeH="0" baseline="0" dirty="0" err="1" smtClean="0">
+                <a:ln>
+                  <a:noFill/>
+                </a:ln>
+                <a:solidFill>
+                  <a:schemeClr val="tx1"/>
+                </a:solidFill>
+                <a:effectLst/>
+                <a:latin typeface="Arial" panose="020B0604020202020204" pitchFamily="34" charset="0"/>
+              </a:rPr>
+              <a:t>json</a:t>
+            </a:r>
+            <a:r>
+              <a:rPr kumimoji="0" lang="en-US" altLang="en-US" sz="1800" b="0" i="0" u="none" strike="noStrike" cap="none" normalizeH="0" baseline="0" dirty="0" smtClean="0">
+                <a:ln>
+                  <a:noFill/>
+                </a:ln>
+                <a:solidFill>
+                  <a:schemeClr val="tx1"/>
+                </a:solidFill>
+                <a:effectLst/>
+                <a:latin typeface="Arial" panose="020B0604020202020204" pitchFamily="34" charset="0"/>
+              </a:rPr>
+              <a:t> structures"</a:t>
+            </a:r>
+          </a:p>
+          <a:p>
+            <a:pPr marL="0" marR="0" lvl="0" indent="0" algn="l" defTabSz="914400" rtl="0" eaLnBrk="0" fontAlgn="base" latinLnBrk="0" hangingPunct="0">
+              <a:lnSpc>
+                <a:spcPct val="100000"/>
+              </a:lnSpc>
+              <a:spcBef>
+                <a:spcPct val="0"/>
+              </a:spcBef>
+              <a:spcAft>
+                <a:spcPct val="0"/>
+              </a:spcAft>
+              <a:buClrTx/>
+              <a:buSzTx/>
+              <a:buFontTx/>
+              <a:buAutoNum type="arabicPeriod" startAt="3"/>
+              <a:tabLst/>
             </a:pPr>
-            <a:endParaRPr lang="en-GB" dirty="0" smtClean="0"/>
-          </a:p>
-          <a:p>
-            <a:pPr lvl="2"/>
-            <a:endParaRPr lang="en-GB" dirty="0"/>
+            <a:r>
+              <a:rPr kumimoji="0" lang="en-US" altLang="en-US" sz="1800" b="0" i="0" u="none" strike="noStrike" cap="none" normalizeH="0" baseline="0" dirty="0" smtClean="0">
+                <a:ln>
+                  <a:noFill/>
+                </a:ln>
+                <a:solidFill>
+                  <a:schemeClr val="tx1"/>
+                </a:solidFill>
+                <a:effectLst/>
+                <a:latin typeface="Arial" panose="020B0604020202020204" pitchFamily="34" charset="0"/>
+                <a:hlinkClick r:id="rId13"/>
+              </a:rPr>
+              <a:t>https://github.com/mithunsatheesh/node-rules</a:t>
+            </a:r>
+            <a:r>
+              <a:rPr kumimoji="0" lang="en-US" altLang="en-US" sz="1800" b="0" i="0" u="none" strike="noStrike" cap="none" normalizeH="0" baseline="0" dirty="0" smtClean="0">
+                <a:ln>
+                  <a:noFill/>
+                </a:ln>
+                <a:solidFill>
+                  <a:schemeClr val="tx1"/>
+                </a:solidFill>
+                <a:effectLst/>
+                <a:latin typeface="Arial" panose="020B0604020202020204" pitchFamily="34" charset="0"/>
+              </a:rPr>
+              <a:t> : older</a:t>
+            </a:r>
+          </a:p>
+          <a:p>
+            <a:pPr marL="0" marR="0" lvl="0" indent="0" algn="l" defTabSz="914400" rtl="0" eaLnBrk="0" fontAlgn="base" latinLnBrk="0" hangingPunct="0">
+              <a:lnSpc>
+                <a:spcPct val="100000"/>
+              </a:lnSpc>
+              <a:spcBef>
+                <a:spcPct val="0"/>
+              </a:spcBef>
+              <a:spcAft>
+                <a:spcPct val="0"/>
+              </a:spcAft>
+              <a:buClrTx/>
+              <a:buSzTx/>
+              <a:buFontTx/>
+              <a:buAutoNum type="arabicPeriod" startAt="4"/>
+              <a:tabLst/>
+            </a:pPr>
+            <a:r>
+              <a:rPr kumimoji="0" lang="en-US" altLang="en-US" sz="1800" b="0" i="0" u="none" strike="noStrike" cap="none" normalizeH="0" baseline="0" dirty="0" smtClean="0">
+                <a:ln>
+                  <a:noFill/>
+                </a:ln>
+                <a:solidFill>
+                  <a:schemeClr val="tx1"/>
+                </a:solidFill>
+                <a:effectLst/>
+                <a:latin typeface="Arial" panose="020B0604020202020204" pitchFamily="34" charset="0"/>
+                <a:hlinkClick r:id="rId14"/>
+              </a:rPr>
+              <a:t>https://github.com/iannsp/rulezb</a:t>
+            </a:r>
+            <a:r>
+              <a:rPr kumimoji="0" lang="en-US" altLang="en-US" sz="1800" b="0" i="0" u="none" strike="noStrike" cap="none" normalizeH="0" baseline="0" dirty="0" smtClean="0">
+                <a:ln>
+                  <a:noFill/>
+                </a:ln>
+                <a:solidFill>
+                  <a:schemeClr val="tx1"/>
+                </a:solidFill>
+                <a:effectLst/>
+                <a:latin typeface="Arial" panose="020B0604020202020204" pitchFamily="34" charset="0"/>
+              </a:rPr>
+              <a:t> : </a:t>
+            </a:r>
+            <a:r>
+              <a:rPr kumimoji="0" lang="en-US" altLang="en-US" sz="1800" b="0" i="0" u="none" strike="noStrike" cap="none" normalizeH="0" baseline="0" dirty="0" smtClean="0">
+                <a:ln>
+                  <a:noFill/>
+                </a:ln>
+                <a:solidFill>
+                  <a:srgbClr val="24292E"/>
+                </a:solidFill>
+                <a:effectLst/>
+                <a:latin typeface="Arial" panose="020B0604020202020204" pitchFamily="34" charset="0"/>
+              </a:rPr>
+              <a:t>A Business Rule Engine for rule them all</a:t>
+            </a:r>
+            <a:endParaRPr kumimoji="0" lang="en-US" altLang="en-US" sz="1800" b="0" i="0" u="none" strike="noStrike" cap="none" normalizeH="0" baseline="0" dirty="0" smtClean="0">
+              <a:ln>
+                <a:noFill/>
+              </a:ln>
+              <a:solidFill>
+                <a:schemeClr val="tx1"/>
+              </a:solidFill>
+              <a:effectLst/>
+              <a:latin typeface="Arial" panose="020B0604020202020204" pitchFamily="34" charset="0"/>
+            </a:endParaRPr>
+          </a:p>
+          <a:p>
+            <a:pPr marL="0" marR="0" lvl="0" indent="0" algn="l" defTabSz="914400" rtl="0" eaLnBrk="0" fontAlgn="base" latinLnBrk="0" hangingPunct="0">
+              <a:lnSpc>
+                <a:spcPct val="100000"/>
+              </a:lnSpc>
+              <a:spcBef>
+                <a:spcPct val="0"/>
+              </a:spcBef>
+              <a:spcAft>
+                <a:spcPct val="0"/>
+              </a:spcAft>
+              <a:buClrTx/>
+              <a:buSzTx/>
+              <a:buFontTx/>
+              <a:buAutoNum type="arabicPeriod" startAt="5"/>
+              <a:tabLst/>
+            </a:pPr>
+            <a:r>
+              <a:rPr kumimoji="0" lang="en-US" altLang="en-US" sz="1800" b="0" i="0" u="none" strike="noStrike" cap="none" normalizeH="0" baseline="0" dirty="0" smtClean="0">
+                <a:ln>
+                  <a:noFill/>
+                </a:ln>
+                <a:solidFill>
+                  <a:srgbClr val="24292E"/>
+                </a:solidFill>
+                <a:effectLst/>
+                <a:latin typeface="Arial" panose="020B0604020202020204" pitchFamily="34" charset="0"/>
+                <a:hlinkClick r:id="rId15"/>
+              </a:rPr>
+              <a:t>https://github.com/atrniv/node-clips</a:t>
+            </a:r>
+            <a:r>
+              <a:rPr kumimoji="0" lang="en-US" altLang="en-US" sz="1800" b="0" i="0" u="none" strike="noStrike" cap="none" normalizeH="0" baseline="0" dirty="0" smtClean="0">
+                <a:ln>
+                  <a:noFill/>
+                </a:ln>
+                <a:solidFill>
+                  <a:srgbClr val="24292E"/>
+                </a:solidFill>
+                <a:effectLst/>
+                <a:latin typeface="Arial" panose="020B0604020202020204" pitchFamily="34" charset="0"/>
+              </a:rPr>
+              <a:t> : an interface to clips, older (see above)</a:t>
+            </a:r>
+            <a:br>
+              <a:rPr kumimoji="0" lang="en-US" altLang="en-US" sz="1800" b="0" i="0" u="none" strike="noStrike" cap="none" normalizeH="0" baseline="0" dirty="0" smtClean="0">
+                <a:ln>
+                  <a:noFill/>
+                </a:ln>
+                <a:solidFill>
+                  <a:srgbClr val="24292E"/>
+                </a:solidFill>
+                <a:effectLst/>
+                <a:latin typeface="Arial" panose="020B0604020202020204" pitchFamily="34" charset="0"/>
+              </a:rPr>
+            </a:br>
+            <a:endParaRPr kumimoji="0" lang="en-US" altLang="en-US" sz="1800" b="0" i="0" u="none" strike="noStrike" cap="none" normalizeH="0" baseline="0" dirty="0" smtClean="0">
+              <a:ln>
+                <a:noFill/>
+              </a:ln>
+              <a:solidFill>
+                <a:schemeClr val="tx1"/>
+              </a:solidFill>
+              <a:effectLst/>
+              <a:latin typeface="Arial" panose="020B0604020202020204" pitchFamily="34" charset="0"/>
+            </a:endParaRPr>
+          </a:p>
+          <a:p>
+            <a:pPr marL="0" marR="0" lvl="0" indent="0" algn="l" defTabSz="914400" rtl="0" eaLnBrk="0" fontAlgn="base" latinLnBrk="0" hangingPunct="0">
+              <a:lnSpc>
+                <a:spcPct val="100000"/>
+              </a:lnSpc>
+              <a:spcBef>
+                <a:spcPct val="0"/>
+              </a:spcBef>
+              <a:spcAft>
+                <a:spcPct val="0"/>
+              </a:spcAft>
+              <a:buClrTx/>
+              <a:buSzTx/>
+              <a:buFontTx/>
+              <a:buAutoNum type="arabicPeriod" startAt="6"/>
+              <a:tabLst/>
+            </a:pPr>
+            <a:r>
+              <a:rPr kumimoji="0" lang="en-US" altLang="en-US" sz="1800" b="0" i="0" u="none" strike="noStrike" cap="none" normalizeH="0" baseline="0" dirty="0" smtClean="0">
+                <a:ln>
+                  <a:noFill/>
+                </a:ln>
+                <a:solidFill>
+                  <a:srgbClr val="24292E"/>
+                </a:solidFill>
+                <a:effectLst/>
+                <a:latin typeface="Arial" panose="020B0604020202020204" pitchFamily="34" charset="0"/>
+                <a:hlinkClick r:id="rId16"/>
+              </a:rPr>
+              <a:t>https://github.com/rsamec/business-rules-engine</a:t>
+            </a:r>
+            <a:r>
+              <a:rPr kumimoji="0" lang="en-US" altLang="en-US" sz="1800" b="0" i="0" u="none" strike="noStrike" cap="none" normalizeH="0" baseline="0" dirty="0" smtClean="0">
+                <a:ln>
+                  <a:noFill/>
+                </a:ln>
+                <a:solidFill>
+                  <a:srgbClr val="24292E"/>
+                </a:solidFill>
+                <a:effectLst/>
+                <a:latin typeface="Arial" panose="020B0604020202020204" pitchFamily="34" charset="0"/>
+              </a:rPr>
+              <a:t> : older</a:t>
+            </a:r>
+            <a:endParaRPr kumimoji="0" lang="en-US" altLang="en-US" sz="1800" b="0" i="0" u="none" strike="noStrike" cap="none" normalizeH="0" baseline="0" dirty="0" smtClean="0">
+              <a:ln>
+                <a:noFill/>
+              </a:ln>
+              <a:solidFill>
+                <a:schemeClr val="tx1"/>
+              </a:solidFill>
+              <a:effectLst/>
+              <a:latin typeface="Arial" panose="020B0604020202020204" pitchFamily="34" charset="0"/>
+            </a:endParaRPr>
+          </a:p>
+          <a:p>
+            <a:pPr marL="0" marR="0" lvl="0" indent="0" algn="l" defTabSz="914400" rtl="0" eaLnBrk="0" fontAlgn="base" latinLnBrk="0" hangingPunct="0">
+              <a:lnSpc>
+                <a:spcPct val="100000"/>
+              </a:lnSpc>
+              <a:spcBef>
+                <a:spcPct val="0"/>
+              </a:spcBef>
+              <a:spcAft>
+                <a:spcPct val="0"/>
+              </a:spcAft>
+              <a:buClrTx/>
+              <a:buSzTx/>
+              <a:buFontTx/>
+              <a:buAutoNum type="arabicPeriod" startAt="7"/>
+              <a:tabLst/>
+            </a:pPr>
+            <a:r>
+              <a:rPr kumimoji="0" lang="en-US" altLang="en-US" sz="1800" b="0" i="0" u="none" strike="noStrike" cap="none" normalizeH="0" baseline="0" dirty="0" smtClean="0">
+                <a:ln>
+                  <a:noFill/>
+                </a:ln>
+                <a:solidFill>
+                  <a:srgbClr val="24292E"/>
+                </a:solidFill>
+                <a:effectLst/>
+                <a:latin typeface="Arial" panose="020B0604020202020204" pitchFamily="34" charset="0"/>
+                <a:hlinkClick r:id="rId17"/>
+              </a:rPr>
+              <a:t>https://github.com/maxant/rules</a:t>
+            </a:r>
+            <a:r>
+              <a:rPr kumimoji="0" lang="en-US" altLang="en-US" sz="1800" b="0" i="0" u="none" strike="noStrike" cap="none" normalizeH="0" baseline="0" dirty="0" smtClean="0">
+                <a:ln>
+                  <a:noFill/>
+                </a:ln>
+                <a:solidFill>
+                  <a:srgbClr val="24292E"/>
+                </a:solidFill>
+                <a:effectLst/>
+                <a:latin typeface="Arial" panose="020B0604020202020204" pitchFamily="34" charset="0"/>
+              </a:rPr>
+              <a:t>: somehow useful for both java and node.js   </a:t>
+            </a:r>
+            <a:endParaRPr kumimoji="0" lang="en-US" altLang="en-US" sz="900" b="0" i="0" u="none" strike="noStrike" cap="none" normalizeH="0" baseline="0" dirty="0" smtClean="0">
+              <a:ln>
+                <a:noFill/>
+              </a:ln>
+              <a:solidFill>
+                <a:schemeClr val="tx1"/>
+              </a:solidFill>
+              <a:effectLst/>
+              <a:latin typeface="Arial" panose="020B0604020202020204" pitchFamily="34" charset="0"/>
+            </a:endParaRPr>
+          </a:p>
+          <a:p>
+            <a:pPr marL="0" marR="0" lvl="0" indent="0" algn="l" defTabSz="914400" rtl="0" eaLnBrk="0" fontAlgn="base" latinLnBrk="0" hangingPunct="0">
+              <a:lnSpc>
+                <a:spcPct val="100000"/>
+              </a:lnSpc>
+              <a:spcBef>
+                <a:spcPct val="0"/>
+              </a:spcBef>
+              <a:spcAft>
+                <a:spcPct val="0"/>
+              </a:spcAft>
+              <a:buClrTx/>
+              <a:buSzTx/>
+              <a:buFontTx/>
+              <a:buNone/>
+              <a:tabLst/>
+            </a:pPr>
+            <a:endParaRPr kumimoji="0" lang="en-US" altLang="en-US" sz="1800" b="0" i="0" u="none" strike="noStrike" cap="none" normalizeH="0" baseline="0" dirty="0" smtClean="0">
+              <a:ln>
+                <a:noFill/>
+              </a:ln>
+              <a:solidFill>
+                <a:srgbClr val="24292E"/>
+              </a:solidFill>
+              <a:effectLst/>
+              <a:latin typeface="Arial" panose="020B0604020202020204" pitchFamily="34" charset="0"/>
+            </a:endParaRPr>
           </a:p>
         </p:txBody>
       </p:sp>
+      <p:pic>
+        <p:nvPicPr>
+          <p:cNvPr id="2050" name="Picture 2" descr="(question)"/>
+          <p:cNvPicPr>
+            <a:picLocks noChangeAspect="1" noChangeArrowheads="1"/>
+          </p:cNvPicPr>
+          <p:nvPr>
+            <p:custDataLst>
+              <p:tags r:id="rId9"/>
+            </p:custDataLst>
+          </p:nvPr>
+        </p:nvPicPr>
+        <p:blipFill>
+          <a:blip r:embed="rId18">
+            <a:extLst>
+              <a:ext uri="{28A0092B-C50C-407E-A947-70E740481C1C}">
+                <a14:useLocalDpi xmlns:a14="http://schemas.microsoft.com/office/drawing/2010/main" val="0"/>
+              </a:ext>
+            </a:extLst>
+          </a:blip>
+          <a:srcRect/>
+          <a:stretch>
+            <a:fillRect/>
+          </a:stretch>
+        </p:blipFill>
+        <p:spPr bwMode="auto">
+          <a:xfrm>
+            <a:off x="7835900" y="823913"/>
+            <a:ext cx="152400" cy="152400"/>
+          </a:xfrm>
+          <a:prstGeom prst="rect">
+            <a:avLst/>
+          </a:prstGeom>
+          <a:noFill/>
+          <a:extLst>
+            <a:ext uri="{909E8E84-426E-40DD-AFC4-6F175D3DCCD1}">
+              <a14:hiddenFill xmlns:a14="http://schemas.microsoft.com/office/drawing/2010/main">
+                <a:solidFill>
+                  <a:srgbClr val="FFFFFF"/>
+                </a:solidFill>
+              </a14:hiddenFill>
+            </a:ext>
+          </a:extLst>
+        </p:spPr>
+      </p:pic>
     </p:spTree>
     <p:custDataLst>
       <p:tags r:id="rId1"/>
     </p:custDataLst>
     <p:extLst>
       <p:ext uri="{BB962C8B-B14F-4D97-AF65-F5344CB8AC3E}">
-        <p14:creationId xmlns:p14="http://schemas.microsoft.com/office/powerpoint/2010/main" val="2020811729"/>
+        <p14:creationId xmlns:p14="http://schemas.microsoft.com/office/powerpoint/2010/main" val="1427082579"/>
       </p:ext>
     </p:extLst>
   </p:cSld>
@@ -7319,8 +8824,8 @@
               <a:tabLst/>
             </a:pPr>
             <a:r>
-              <a:rPr lang="en-GB" sz="2800" kern="0" noProof="0" dirty="0" smtClean="0"/>
-              <a:t>What’s in a rule?</a:t>
+              <a:rPr lang="en-GB" sz="2800" kern="0" dirty="0" smtClean="0"/>
+              <a:t>Node-rules is tiny!</a:t>
             </a:r>
             <a:endParaRPr kumimoji="0" lang="en-GB" sz="2800" b="0" i="0" u="none" strike="noStrike" kern="0" cap="none" normalizeH="0" baseline="0" noProof="0" dirty="0" smtClean="0">
               <a:ln>
@@ -7619,6 +9124,605 @@
                 <a:cs typeface="+mn-cs"/>
               </a:rPr>
               <a:t>8</a:t>
+            </a:r>
+            <a:endParaRPr kumimoji="0" lang="en-GB" sz="1200" b="0" i="0" u="none" strike="noStrike" kern="0" cap="none" normalizeH="0" baseline="0" noProof="0" dirty="0" smtClean="0">
+              <a:ln>
+                <a:noFill/>
+              </a:ln>
+              <a:solidFill>
+                <a:srgbClr val="999FA6"/>
+              </a:solidFill>
+              <a:effectLst/>
+              <a:uLnTx/>
+              <a:uFillTx/>
+              <a:latin typeface="Bosch Office Sans"/>
+              <a:ea typeface="+mn-ea"/>
+              <a:cs typeface="+mn-cs"/>
+            </a:endParaRPr>
+          </a:p>
+        </p:txBody>
+      </p:sp>
+      <p:sp>
+        <p:nvSpPr>
+          <p:cNvPr id="5" name="Rechteck 4"/>
+          <p:cNvSpPr>
+            <a:spLocks/>
+          </p:cNvSpPr>
+          <p:nvPr>
+            <p:custDataLst>
+              <p:tags r:id="rId6"/>
+            </p:custDataLst>
+          </p:nvPr>
+        </p:nvSpPr>
+        <p:spPr>
+          <a:xfrm>
+            <a:off x="9224010" y="259080"/>
+            <a:ext cx="1691640" cy="777240"/>
+          </a:xfrm>
+          <a:prstGeom prst="rect">
+            <a:avLst/>
+          </a:prstGeom>
+          <a:noFill/>
+          <a:ln w="9525" cap="flat" cmpd="sng" algn="ctr">
+            <a:noFill/>
+            <a:prstDash val="solid"/>
+          </a:ln>
+          <a:effectLst/>
+          <a:extLst>
+            <a:ext uri="{91240B29-F687-4F45-9708-019B960494DF}">
+              <a14:hiddenLine xmlns:a14="http://schemas.microsoft.com/office/drawing/2010/main" w="9525" cap="flat" cmpd="sng" algn="ctr">
+                <a:solidFill>
+                  <a:srgbClr val="3F136C"/>
+                </a:solidFill>
+                <a:prstDash val="solid"/>
+              </a14:hiddenLine>
+            </a:ext>
+            <a:ext uri="{AF507438-7753-43E0-B8FC-AC1667EBCBE1}">
+              <a14:hiddenEffects xmlns:a14="http://schemas.microsoft.com/office/drawing/2010/main">
+                <a:effectLst>
+                  <a:outerShdw blurRad="63500" rotWithShape="0">
+                    <a:scrgbClr r="0" g="0" b="0"/>
+                  </a:outerShdw>
+                </a:effectLst>
+              </a14:hiddenEffects>
+            </a:ext>
+            <a:ext uri="{53640926-AAD7-44D8-BBD7-CCE9431645EC}">
+              <a14:shadowObscured xmlns:a14="http://schemas.microsoft.com/office/drawing/2010/main"/>
+            </a:ext>
+          </a:extLst>
+        </p:spPr>
+        <p:txBody>
+          <a:bodyPr lIns="0" tIns="17780" rIns="0" bIns="0" rtlCol="0" anchor="t">
+            <a:normAutofit/>
+          </a:bodyPr>
+          <a:lstStyle/>
+          <a:p>
+            <a:pPr marL="0" marR="0" indent="0" defTabSz="914400" eaLnBrk="1" fontAlgn="auto" latinLnBrk="0" hangingPunct="1">
+              <a:lnSpc>
+                <a:spcPts val="900"/>
+              </a:lnSpc>
+              <a:spcBef>
+                <a:spcPts val="0"/>
+              </a:spcBef>
+              <a:spcAft>
+                <a:spcPts val="0"/>
+              </a:spcAft>
+              <a:buClrTx/>
+              <a:buSzTx/>
+              <a:buFontTx/>
+              <a:buNone/>
+              <a:tabLst/>
+            </a:pPr>
+            <a:endParaRPr kumimoji="0" lang="en-GB" sz="550" b="0" i="0" u="none" strike="noStrike" kern="0" cap="none" normalizeH="0" baseline="0" noProof="0" dirty="0" smtClean="0">
+              <a:ln>
+                <a:noFill/>
+              </a:ln>
+              <a:effectLst/>
+              <a:uLnTx/>
+              <a:uFillTx/>
+              <a:latin typeface="Bosch Office Sans"/>
+              <a:ea typeface="+mn-ea"/>
+              <a:cs typeface="+mn-cs"/>
+            </a:endParaRPr>
+          </a:p>
+        </p:txBody>
+      </p:sp>
+      <p:sp>
+        <p:nvSpPr>
+          <p:cNvPr id="4" name="Textfeld 3" hidden="1"/>
+          <p:cNvSpPr txBox="1"/>
+          <p:nvPr>
+            <p:custDataLst>
+              <p:tags r:id="rId7"/>
+            </p:custDataLst>
+          </p:nvPr>
+        </p:nvSpPr>
+        <p:spPr>
+          <a:xfrm>
+            <a:off x="0" y="5975350"/>
+            <a:ext cx="0" cy="0"/>
+          </a:xfrm>
+          <a:prstGeom prst="rect">
+            <a:avLst/>
+          </a:prstGeom>
+          <a:noFill/>
+          <a:effectLst/>
+          <a:extLst>
+            <a:ext uri="{AF507438-7753-43E0-B8FC-AC1667EBCBE1}">
+              <a14:hiddenEffects xmlns:a14="http://schemas.microsoft.com/office/drawing/2010/main">
+                <a:effectLst>
+                  <a:outerShdw blurRad="63500" rotWithShape="0">
+                    <a:scrgbClr r="0" g="0" b="0"/>
+                  </a:outerShdw>
+                </a:effectLst>
+              </a14:hiddenEffects>
+            </a:ext>
+            <a:ext uri="{53640926-AAD7-44D8-BBD7-CCE9431645EC}">
+              <a14:shadowObscured xmlns:a14="http://schemas.microsoft.com/office/drawing/2010/main"/>
+            </a:ext>
+          </a:extLst>
+        </p:spPr>
+        <p:txBody>
+          <a:bodyPr vert="horz" wrap="none" lIns="0" tIns="0" rIns="0" bIns="0" rtlCol="0" anchor="t">
+            <a:noAutofit/>
+          </a:bodyPr>
+          <a:lstStyle/>
+          <a:p>
+            <a:pPr marR="0" defTabSz="914400" eaLnBrk="1" fontAlgn="auto" latinLnBrk="0" hangingPunct="1">
+              <a:lnSpc>
+                <a:spcPts val="2300"/>
+              </a:lnSpc>
+              <a:spcBef>
+                <a:spcPts val="0"/>
+              </a:spcBef>
+              <a:spcAft>
+                <a:spcPts val="0"/>
+              </a:spcAft>
+              <a:buClrTx/>
+              <a:buSzTx/>
+              <a:buFontTx/>
+              <a:buNone/>
+              <a:tabLst/>
+            </a:pPr>
+            <a:endParaRPr kumimoji="0" lang="en-GB" sz="1300" b="0" i="0" u="none" strike="noStrike" kern="0" cap="none" normalizeH="0" baseline="0" noProof="0" dirty="0" smtClean="0">
+              <a:ln>
+                <a:noFill/>
+              </a:ln>
+              <a:effectLst/>
+              <a:uLnTx/>
+              <a:uFillTx/>
+            </a:endParaRPr>
+          </a:p>
+        </p:txBody>
+      </p:sp>
+      <p:pic>
+        <p:nvPicPr>
+          <p:cNvPr id="2" name="Grafik 1"/>
+          <p:cNvPicPr>
+            <a:picLocks noChangeAspect="1"/>
+          </p:cNvPicPr>
+          <p:nvPr>
+            <p:custDataLst>
+              <p:tags r:id="rId8"/>
+            </p:custDataLst>
+          </p:nvPr>
+        </p:nvPicPr>
+        <p:blipFill>
+          <a:blip r:embed="rId10"/>
+          <a:stretch>
+            <a:fillRect/>
+          </a:stretch>
+        </p:blipFill>
+        <p:spPr>
+          <a:xfrm>
+            <a:off x="1555728" y="886127"/>
+            <a:ext cx="7227613" cy="5087953"/>
+          </a:xfrm>
+          <a:prstGeom prst="rect">
+            <a:avLst/>
+          </a:prstGeom>
+        </p:spPr>
+      </p:pic>
+    </p:spTree>
+    <p:custDataLst>
+      <p:tags r:id="rId1"/>
+    </p:custDataLst>
+    <p:extLst>
+      <p:ext uri="{BB962C8B-B14F-4D97-AF65-F5344CB8AC3E}">
+        <p14:creationId xmlns:p14="http://schemas.microsoft.com/office/powerpoint/2010/main" val="2020811729"/>
+      </p:ext>
+    </p:extLst>
+  </p:cSld>
+  <p:clrMapOvr>
+    <a:masterClrMapping/>
+  </p:clrMapOvr>
+  <p:timing>
+    <p:tnLst>
+      <p:par>
+        <p:cTn id="1" dur="indefinite" restart="never" nodeType="tmRoot"/>
+      </p:par>
+    </p:tnLst>
+  </p:timing>
+</p:sld>
+</file>
+
+<file path=ppt/slides/slide9.xml><?xml version="1.0" encoding="utf-8"?>
+<p:sld xmlns:a="http://schemas.openxmlformats.org/drawingml/2006/main" xmlns:r="http://schemas.openxmlformats.org/officeDocument/2006/relationships" xmlns:p="http://schemas.openxmlformats.org/presentationml/2006/main">
+  <p:cSld>
+    <p:spTree>
+      <p:nvGrpSpPr>
+        <p:cNvPr id="1" name=""/>
+        <p:cNvGrpSpPr/>
+        <p:nvPr/>
+      </p:nvGrpSpPr>
+      <p:grpSpPr>
+        <a:xfrm>
+          <a:off x="0" y="0"/>
+          <a:ext cx="0" cy="0"/>
+          <a:chOff x="0" y="0"/>
+          <a:chExt cx="0" cy="0"/>
+        </a:xfrm>
+      </p:grpSpPr>
+      <p:sp>
+        <p:nvSpPr>
+          <p:cNvPr id="9" name="Textfeld 8"/>
+          <p:cNvSpPr txBox="1">
+            <a:spLocks/>
+          </p:cNvSpPr>
+          <p:nvPr>
+            <p:custDataLst>
+              <p:tags r:id="rId2"/>
+            </p:custDataLst>
+          </p:nvPr>
+        </p:nvSpPr>
+        <p:spPr>
+          <a:xfrm>
+            <a:off x="259080" y="259080"/>
+            <a:ext cx="10452100" cy="388620"/>
+          </a:xfrm>
+          <a:prstGeom prst="rect">
+            <a:avLst/>
+          </a:prstGeom>
+          <a:noFill/>
+          <a:effectLst/>
+          <a:extLst>
+            <a:ext uri="{AF507438-7753-43E0-B8FC-AC1667EBCBE1}">
+              <a14:hiddenEffects xmlns:a14="http://schemas.microsoft.com/office/drawing/2010/main">
+                <a:effectLst>
+                  <a:outerShdw blurRad="63500" rotWithShape="0">
+                    <a:scrgbClr r="0" g="0" b="0"/>
+                  </a:outerShdw>
+                </a:effectLst>
+              </a14:hiddenEffects>
+            </a:ext>
+            <a:ext uri="{53640926-AAD7-44D8-BBD7-CCE9431645EC}">
+              <a14:shadowObscured xmlns:a14="http://schemas.microsoft.com/office/drawing/2010/main"/>
+            </a:ext>
+          </a:extLst>
+        </p:spPr>
+        <p:txBody>
+          <a:bodyPr vert="horz" wrap="square" lIns="0" tIns="0" rIns="0" bIns="0" rtlCol="0" anchor="t">
+            <a:noAutofit/>
+          </a:bodyPr>
+          <a:lstStyle/>
+          <a:p>
+            <a:pPr marR="0" defTabSz="914400" eaLnBrk="1" fontAlgn="auto" latinLnBrk="0" hangingPunct="1">
+              <a:lnSpc>
+                <a:spcPct val="89000"/>
+              </a:lnSpc>
+              <a:spcBef>
+                <a:spcPts val="0"/>
+              </a:spcBef>
+              <a:spcAft>
+                <a:spcPts val="0"/>
+              </a:spcAft>
+              <a:buClrTx/>
+              <a:buSzTx/>
+              <a:buFontTx/>
+              <a:buNone/>
+              <a:tabLst/>
+            </a:pPr>
+            <a:r>
+              <a:rPr lang="en-GB" sz="2800" kern="0" noProof="0" dirty="0" smtClean="0"/>
+              <a:t>What’s in a rule?</a:t>
+            </a:r>
+            <a:endParaRPr kumimoji="0" lang="en-GB" sz="2800" b="0" i="0" u="none" strike="noStrike" kern="0" cap="none" normalizeH="0" baseline="0" noProof="0" dirty="0" smtClean="0">
+              <a:ln>
+                <a:noFill/>
+              </a:ln>
+              <a:effectLst/>
+              <a:uLnTx/>
+              <a:uFillTx/>
+            </a:endParaRPr>
+          </a:p>
+        </p:txBody>
+      </p:sp>
+      <p:sp>
+        <p:nvSpPr>
+          <p:cNvPr id="8" name="Rechteck 7"/>
+          <p:cNvSpPr>
+            <a:spLocks/>
+          </p:cNvSpPr>
+          <p:nvPr>
+            <p:custDataLst>
+              <p:tags r:id="rId3"/>
+            </p:custDataLst>
+          </p:nvPr>
+        </p:nvSpPr>
+        <p:spPr>
+          <a:xfrm>
+            <a:off x="593090" y="5643880"/>
+            <a:ext cx="9152890" cy="107950"/>
+          </a:xfrm>
+          <a:prstGeom prst="rect">
+            <a:avLst/>
+          </a:prstGeom>
+          <a:noFill/>
+          <a:ln w="9525" cap="flat" cmpd="sng" algn="ctr">
+            <a:noFill/>
+            <a:prstDash val="solid"/>
+          </a:ln>
+          <a:effectLst/>
+          <a:extLst>
+            <a:ext uri="{91240B29-F687-4F45-9708-019B960494DF}">
+              <a14:hiddenLine xmlns:a14="http://schemas.microsoft.com/office/drawing/2010/main" w="9525" cap="flat" cmpd="sng" algn="ctr">
+                <a:solidFill>
+                  <a:srgbClr val="3F136C"/>
+                </a:solidFill>
+                <a:prstDash val="solid"/>
+              </a14:hiddenLine>
+            </a:ext>
+            <a:ext uri="{AF507438-7753-43E0-B8FC-AC1667EBCBE1}">
+              <a14:hiddenEffects xmlns:a14="http://schemas.microsoft.com/office/drawing/2010/main">
+                <a:effectLst>
+                  <a:outerShdw blurRad="63500" rotWithShape="0">
+                    <a:scrgbClr r="0" g="0" b="0"/>
+                  </a:outerShdw>
+                </a:effectLst>
+              </a14:hiddenEffects>
+            </a:ext>
+            <a:ext uri="{53640926-AAD7-44D8-BBD7-CCE9431645EC}">
+              <a14:shadowObscured xmlns:a14="http://schemas.microsoft.com/office/drawing/2010/main"/>
+            </a:ext>
+          </a:extLst>
+        </p:spPr>
+        <p:txBody>
+          <a:bodyPr lIns="0" tIns="0" rIns="0" bIns="0" rtlCol="0" anchor="t"/>
+          <a:lstStyle/>
+          <a:p>
+            <a:pPr marL="0" marR="0" indent="0" defTabSz="914400" eaLnBrk="1" fontAlgn="auto" latinLnBrk="0" hangingPunct="1">
+              <a:lnSpc>
+                <a:spcPct val="107000"/>
+              </a:lnSpc>
+              <a:spcBef>
+                <a:spcPts val="0"/>
+              </a:spcBef>
+              <a:spcAft>
+                <a:spcPts val="100"/>
+              </a:spcAft>
+              <a:buClrTx/>
+              <a:buSzTx/>
+              <a:buFontTx/>
+              <a:buNone/>
+              <a:tabLst/>
+            </a:pPr>
+            <a:r>
+              <a:rPr kumimoji="0" lang="en-GB" sz="600" strike="noStrike" kern="0" cap="none" normalizeH="0" baseline="0" noProof="0" smtClean="0">
+                <a:ln>
+                  <a:noFill/>
+                </a:ln>
+                <a:solidFill>
+                  <a:srgbClr val="000000"/>
+                </a:solidFill>
+                <a:effectLst/>
+                <a:uLnTx/>
+                <a:uFillTx/>
+                <a:ea typeface="+mn-ea"/>
+                <a:cs typeface="+mn-cs"/>
+              </a:rPr>
+              <a:t>CR/AEX3 | 10/07/2017</a:t>
+            </a:r>
+            <a:endParaRPr kumimoji="0" lang="en-GB" sz="600" strike="noStrike" kern="0" cap="none" normalizeH="0" baseline="0" noProof="0" dirty="0" smtClean="0">
+              <a:ln>
+                <a:noFill/>
+              </a:ln>
+              <a:solidFill>
+                <a:srgbClr val="000000"/>
+              </a:solidFill>
+              <a:effectLst/>
+              <a:uLnTx/>
+              <a:uFillTx/>
+              <a:ea typeface="+mn-ea"/>
+              <a:cs typeface="+mn-cs"/>
+            </a:endParaRPr>
+          </a:p>
+        </p:txBody>
+      </p:sp>
+      <p:sp>
+        <p:nvSpPr>
+          <p:cNvPr id="7" name="Rechteck 6"/>
+          <p:cNvSpPr>
+            <a:spLocks/>
+          </p:cNvSpPr>
+          <p:nvPr>
+            <p:custDataLst>
+              <p:tags r:id="rId4"/>
+            </p:custDataLst>
+          </p:nvPr>
+        </p:nvSpPr>
+        <p:spPr>
+          <a:xfrm>
+            <a:off x="593090" y="5758180"/>
+            <a:ext cx="9152890" cy="215900"/>
+          </a:xfrm>
+          <a:prstGeom prst="rect">
+            <a:avLst/>
+          </a:prstGeom>
+          <a:noFill/>
+          <a:ln w="9525" cap="flat" cmpd="sng" algn="ctr">
+            <a:noFill/>
+            <a:prstDash val="solid"/>
+          </a:ln>
+          <a:effectLst/>
+          <a:extLst>
+            <a:ext uri="{91240B29-F687-4F45-9708-019B960494DF}">
+              <a14:hiddenLine xmlns:a14="http://schemas.microsoft.com/office/drawing/2010/main" w="9525" cap="flat" cmpd="sng" algn="ctr">
+                <a:solidFill>
+                  <a:srgbClr val="3F136C"/>
+                </a:solidFill>
+                <a:prstDash val="solid"/>
+              </a14:hiddenLine>
+            </a:ext>
+            <a:ext uri="{AF507438-7753-43E0-B8FC-AC1667EBCBE1}">
+              <a14:hiddenEffects xmlns:a14="http://schemas.microsoft.com/office/drawing/2010/main">
+                <a:effectLst>
+                  <a:outerShdw blurRad="63500" rotWithShape="0">
+                    <a:scrgbClr r="0" g="0" b="0"/>
+                  </a:outerShdw>
+                </a:effectLst>
+              </a14:hiddenEffects>
+            </a:ext>
+            <a:ext uri="{53640926-AAD7-44D8-BBD7-CCE9431645EC}">
+              <a14:shadowObscured xmlns:a14="http://schemas.microsoft.com/office/drawing/2010/main"/>
+            </a:ext>
+          </a:extLst>
+        </p:spPr>
+        <p:txBody>
+          <a:bodyPr lIns="0" tIns="0" rIns="0" bIns="0" rtlCol="0" anchor="t"/>
+          <a:lstStyle/>
+          <a:p>
+            <a:pPr marL="0" marR="0" indent="0" defTabSz="914400" eaLnBrk="1" fontAlgn="auto" latinLnBrk="0" hangingPunct="1">
+              <a:lnSpc>
+                <a:spcPct val="107000"/>
+              </a:lnSpc>
+              <a:spcBef>
+                <a:spcPts val="0"/>
+              </a:spcBef>
+              <a:spcAft>
+                <a:spcPts val="100"/>
+              </a:spcAft>
+              <a:buClrTx/>
+              <a:buSzTx/>
+              <a:buFontTx/>
+              <a:buNone/>
+              <a:tabLst/>
+            </a:pPr>
+            <a:r>
+              <a:rPr kumimoji="0" lang="en-US" sz="600" b="0" i="0" u="none" strike="noStrike" kern="0" cap="none" normalizeH="0" baseline="0" noProof="0" smtClean="0">
+                <a:ln>
+                  <a:noFill/>
+                </a:ln>
+                <a:solidFill>
+                  <a:srgbClr val="B2B3B5"/>
+                </a:solidFill>
+                <a:effectLst/>
+                <a:uLnTx/>
+                <a:uFillTx/>
+                <a:latin typeface="Bosch Office Sans"/>
+                <a:ea typeface="+mn-ea"/>
+                <a:cs typeface="+mn-cs"/>
+              </a:rPr>
+              <a:t>© Robert Bosch GmbH 2017. All rights reserved, also regarding any disposal, exploitation, reproduction, editing, distribution, as well as in the event of applications for industrial property rights.</a:t>
+            </a:r>
+            <a:endParaRPr kumimoji="0" lang="en-GB" sz="600" b="0" i="0" u="none" strike="noStrike" kern="0" cap="none" normalizeH="0" baseline="0" noProof="0" dirty="0" smtClean="0">
+              <a:ln>
+                <a:noFill/>
+              </a:ln>
+              <a:solidFill>
+                <a:srgbClr val="B2B3B5"/>
+              </a:solidFill>
+              <a:effectLst/>
+              <a:uLnTx/>
+              <a:uFillTx/>
+              <a:latin typeface="Bosch Office Sans"/>
+              <a:ea typeface="+mn-ea"/>
+              <a:cs typeface="+mn-cs"/>
+            </a:endParaRPr>
+          </a:p>
+        </p:txBody>
+      </p:sp>
+      <p:sp>
+        <p:nvSpPr>
+          <p:cNvPr id="6" name="Rechteck 5"/>
+          <p:cNvSpPr>
+            <a:spLocks/>
+          </p:cNvSpPr>
+          <p:nvPr>
+            <p:custDataLst>
+              <p:tags r:id="rId5"/>
+            </p:custDataLst>
+          </p:nvPr>
+        </p:nvSpPr>
+        <p:spPr>
+          <a:xfrm>
+            <a:off x="266700" y="5628640"/>
+            <a:ext cx="288290" cy="410210"/>
+          </a:xfrm>
+          <a:prstGeom prst="rect">
+            <a:avLst/>
+          </a:prstGeom>
+          <a:noFill/>
+          <a:ln w="9525" cap="flat" cmpd="sng" algn="ctr">
+            <a:noFill/>
+            <a:prstDash val="solid"/>
+          </a:ln>
+          <a:effectLst/>
+          <a:extLst>
+            <a:ext uri="{91240B29-F687-4F45-9708-019B960494DF}">
+              <a14:hiddenLine xmlns:a14="http://schemas.microsoft.com/office/drawing/2010/main" w="9525" cap="flat" cmpd="sng" algn="ctr">
+                <a:solidFill>
+                  <a:srgbClr val="3F136C"/>
+                </a:solidFill>
+                <a:prstDash val="solid"/>
+              </a14:hiddenLine>
+            </a:ext>
+            <a:ext uri="{AF507438-7753-43E0-B8FC-AC1667EBCBE1}">
+              <a14:hiddenEffects xmlns:a14="http://schemas.microsoft.com/office/drawing/2010/main">
+                <a:effectLst>
+                  <a:outerShdw blurRad="63500" rotWithShape="0">
+                    <a:scrgbClr r="0" g="0" b="0"/>
+                  </a:outerShdw>
+                </a:effectLst>
+              </a14:hiddenEffects>
+            </a:ext>
+            <a:ext uri="{53640926-AAD7-44D8-BBD7-CCE9431645EC}">
+              <a14:shadowObscured xmlns:a14="http://schemas.microsoft.com/office/drawing/2010/main"/>
+            </a:ext>
+          </a:extLst>
+        </p:spPr>
+        <p:txBody>
+          <a:bodyPr wrap="none" lIns="0" tIns="0" rIns="0" bIns="0" rtlCol="0" anchor="t"/>
+          <a:lstStyle/>
+          <a:p>
+            <a:pPr marL="0" marR="0" indent="0" defTabSz="914400" eaLnBrk="1" fontAlgn="auto" latinLnBrk="0" hangingPunct="1">
+              <a:spcBef>
+                <a:spcPts val="0"/>
+              </a:spcBef>
+              <a:spcAft>
+                <a:spcPts val="0"/>
+              </a:spcAft>
+              <a:buClrTx/>
+              <a:buSzTx/>
+              <a:buFontTx/>
+              <a:buNone/>
+              <a:tabLst/>
+            </a:pPr>
+            <a:r>
+              <a:rPr kumimoji="0" lang="en-GB" sz="1200" b="0" i="0" u="none" strike="noStrike" kern="0" cap="none" normalizeH="0" baseline="0" noProof="0" smtClean="0">
+                <a:ln>
+                  <a:noFill/>
+                </a:ln>
+                <a:solidFill>
+                  <a:srgbClr val="999FA6"/>
+                </a:solidFill>
+                <a:effectLst/>
+                <a:uLnTx/>
+                <a:uFillTx/>
+                <a:latin typeface="Bosch Office Sans"/>
+                <a:ea typeface="+mn-ea"/>
+                <a:cs typeface="+mn-cs"/>
+              </a:rPr>
+              <a:t>9</a:t>
             </a:r>
             <a:endParaRPr kumimoji="0" lang="en-GB" sz="1200" b="0" i="0" u="none" strike="noStrike" kern="0" cap="none" normalizeH="0" baseline="0" noProof="0" dirty="0" smtClean="0">
               <a:ln>
@@ -9676,7 +11780,7 @@
   <p:tag name="CONTENT PLACEHOLDER 2_SHAPECLASSPROTECTIONTYPE" val="0"/>
   <p:tag name="TEXTBOX 8_SHAPECLASSPROTECTIONTYPE" val="25"/>
   <p:tag name="TITLE 1_SHAPECLASSPROTECTIONTYPE" val="9"/>
-  <p:tag name="CONTENT PLACEHOLDER 9_SHAPECLASSPROTECTIONTYPE" val="0"/>
+  <p:tag name="CONTENT PLACEHOLDER 1_SHAPECLASSPROTECTIONTYPE" val="0"/>
 </p:tagLst>
 </file>
 
@@ -9815,18 +11919,11 @@
 <file path=ppt/tags/tag51.xml><?xml version="1.0" encoding="utf-8"?>
 <p:tagLst xmlns:a="http://schemas.openxmlformats.org/drawingml/2006/main" xmlns:r="http://schemas.openxmlformats.org/officeDocument/2006/relationships" xmlns:p="http://schemas.openxmlformats.org/presentationml/2006/main">
   <p:tag name="COLORSETCLASSNAME" val="ColorSet2"/>
-  <p:tag name="COLORS" val="-2;-2;-2;-2;-3;-2"/>
+  <p:tag name="COLORS" val="-2;-2;-2;-2;-1;-2"/>
 </p:tagLst>
 </file>
 
 <file path=ppt/tags/tag52.xml><?xml version="1.0" encoding="utf-8"?>
-<p:tagLst xmlns:a="http://schemas.openxmlformats.org/drawingml/2006/main" xmlns:r="http://schemas.openxmlformats.org/officeDocument/2006/relationships" xmlns:p="http://schemas.openxmlformats.org/presentationml/2006/main">
-  <p:tag name="COLORSETCLASSNAME" val="ColorSet2"/>
-  <p:tag name="COLORS" val="-2;-2;-2;-2;-1;-2"/>
-</p:tagLst>
-</file>
-
-<file path=ppt/tags/tag53.xml><?xml version="1.0" encoding="utf-8"?>
 <p:tagLst xmlns:a="http://schemas.openxmlformats.org/drawingml/2006/main" xmlns:r="http://schemas.openxmlformats.org/officeDocument/2006/relationships" xmlns:p="http://schemas.openxmlformats.org/presentationml/2006/main">
   <p:tag name="FIELD.CHAPTER.CONTENT" val="Header of section"/>
   <p:tag name="FIELD.CHAPTER.VALUE" val="Header of section"/>
@@ -9853,10 +11950,11 @@
   <p:tag name="CONTENT PLACEHOLDER 2_SHAPECLASSPROTECTIONTYPE" val="0"/>
   <p:tag name="TEXTBOX 8_SHAPECLASSPROTECTIONTYPE" val="25"/>
   <p:tag name="TITLE 1_SHAPECLASSPROTECTIONTYPE" val="9"/>
+  <p:tag name="CONTENT PLACEHOLDER 9_SHAPECLASSPROTECTIONTYPE" val="0"/>
 </p:tagLst>
 </file>
 
-<file path=ppt/tags/tag54.xml><?xml version="1.0" encoding="utf-8"?>
+<file path=ppt/tags/tag53.xml><?xml version="1.0" encoding="utf-8"?>
 <p:tagLst xmlns:a="http://schemas.openxmlformats.org/drawingml/2006/main" xmlns:r="http://schemas.openxmlformats.org/officeDocument/2006/relationships" xmlns:p="http://schemas.openxmlformats.org/presentationml/2006/main">
   <p:tag name="FONT" val="Reg28"/>
   <p:tag name="FONTSETCLASSNAME" val="FontSet1"/>
@@ -9874,7 +11972,7 @@
 </p:tagLst>
 </file>
 
-<file path=ppt/tags/tag55.xml><?xml version="1.0" encoding="utf-8"?>
+<file path=ppt/tags/tag54.xml><?xml version="1.0" encoding="utf-8"?>
 <p:tagLst xmlns:a="http://schemas.openxmlformats.org/drawingml/2006/main" xmlns:r="http://schemas.openxmlformats.org/officeDocument/2006/relationships" xmlns:p="http://schemas.openxmlformats.org/presentationml/2006/main">
   <p:tag name="FONT" val="Bold6"/>
   <p:tag name="FONT2" val="Reg6"/>
@@ -9899,7 +11997,7 @@
 </p:tagLst>
 </file>
 
-<file path=ppt/tags/tag56.xml><?xml version="1.0" encoding="utf-8"?>
+<file path=ppt/tags/tag55.xml><?xml version="1.0" encoding="utf-8"?>
 <p:tagLst xmlns:a="http://schemas.openxmlformats.org/drawingml/2006/main" xmlns:r="http://schemas.openxmlformats.org/officeDocument/2006/relationships" xmlns:p="http://schemas.openxmlformats.org/presentationml/2006/main">
   <p:tag name="FONT" val="Reg6"/>
   <p:tag name="FONTSETCLASSNAME" val="FontSet1"/>
@@ -9921,7 +12019,7 @@
 </p:tagLst>
 </file>
 
-<file path=ppt/tags/tag57.xml><?xml version="1.0" encoding="utf-8"?>
+<file path=ppt/tags/tag56.xml><?xml version="1.0" encoding="utf-8"?>
 <p:tagLst xmlns:a="http://schemas.openxmlformats.org/drawingml/2006/main" xmlns:r="http://schemas.openxmlformats.org/officeDocument/2006/relationships" xmlns:p="http://schemas.openxmlformats.org/presentationml/2006/main">
   <p:tag name="FONT" val="Reg12"/>
   <p:tag name="FONTSETCLASSNAME" val="FontSet1"/>
@@ -9938,7 +12036,7 @@
 </p:tagLst>
 </file>
 
-<file path=ppt/tags/tag58.xml><?xml version="1.0" encoding="utf-8"?>
+<file path=ppt/tags/tag57.xml><?xml version="1.0" encoding="utf-8"?>
 <p:tagLst xmlns:a="http://schemas.openxmlformats.org/drawingml/2006/main" xmlns:r="http://schemas.openxmlformats.org/officeDocument/2006/relationships" xmlns:p="http://schemas.openxmlformats.org/presentationml/2006/main">
   <p:tag name="FONT" val="Reg5x5"/>
   <p:tag name="FONTSETCLASSNAME" val="FontSet1"/>
@@ -9956,7 +12054,7 @@
 </p:tagLst>
 </file>
 
-<file path=ppt/tags/tag59.xml><?xml version="1.0" encoding="utf-8"?>
+<file path=ppt/tags/tag58.xml><?xml version="1.0" encoding="utf-8"?>
 <p:tagLst xmlns:a="http://schemas.openxmlformats.org/drawingml/2006/main" xmlns:r="http://schemas.openxmlformats.org/officeDocument/2006/relationships" xmlns:p="http://schemas.openxmlformats.org/presentationml/2006/main">
   <p:tag name="FONT" val="NavbarItem"/>
   <p:tag name="FONTSETCLASSNAME" val="FontSet1"/>
@@ -9969,6 +12067,13 @@
   <p:tag name="FONTSETGROUPCLASSNAME" val="FontSetGroup1"/>
   <p:tag name="SHAPECLASSNAME" val="tNavbar"/>
   <p:tag name="SHAPECLASSPROTECTIONTYPE" val="31"/>
+</p:tagLst>
+</file>
+
+<file path=ppt/tags/tag59.xml><?xml version="1.0" encoding="utf-8"?>
+<p:tagLst xmlns:a="http://schemas.openxmlformats.org/drawingml/2006/main" xmlns:r="http://schemas.openxmlformats.org/officeDocument/2006/relationships" xmlns:p="http://schemas.openxmlformats.org/presentationml/2006/main">
+  <p:tag name="COLORSETCLASSNAME" val="ColorSet2"/>
+  <p:tag name="COLORS" val="-2;-2;-2;-2;-3;-2"/>
 </p:tagLst>
 </file>
 
@@ -10001,16 +12106,7 @@
 
 <file path=ppt/tags/tag60.xml><?xml version="1.0" encoding="utf-8"?>
 <p:tagLst xmlns:a="http://schemas.openxmlformats.org/drawingml/2006/main" xmlns:r="http://schemas.openxmlformats.org/officeDocument/2006/relationships" xmlns:p="http://schemas.openxmlformats.org/presentationml/2006/main">
-  <p:tag name="FONTSETCLASSNAME" val="FontSet1"/>
-  <p:tag name="COLORSETCLASSNAME" val="ColorSet1"/>
-  <p:tag name="STYLENAME" val="Bodystyle"/>
-  <p:tag name="MLI" val="1"/>
-  <p:tag name="SHAPESETGROUPCLASSNAME" val="ShapeSetGroup1"/>
-  <p:tag name="SHAPESETCLASSNAME" val="Object"/>
-  <p:tag name="COLORSETGROUPCLASSNAME" val="ColorSetGroup1"/>
-  <p:tag name="FONTSETGROUPCLASSNAME" val="FontSetGroup1"/>
-  <p:tag name="SHAPECLASSNAME" val="ObjectFull"/>
-  <p:tag name="SHAPECLASSPROTECTIONTYPE" val="0"/>
+  <p:tag name="COLORSETCLASSNAME" val="ColorSet2"/>
   <p:tag name="COLORS" val="-2;-2;-2;-2;-1;-2"/>
 </p:tagLst>
 </file>
@@ -10171,8 +12267,32 @@
 
 <file path=ppt/tags/tag69.xml><?xml version="1.0" encoding="utf-8"?>
 <p:tagLst xmlns:a="http://schemas.openxmlformats.org/drawingml/2006/main" xmlns:r="http://schemas.openxmlformats.org/officeDocument/2006/relationships" xmlns:p="http://schemas.openxmlformats.org/presentationml/2006/main">
+  <p:tag name="FIELD.CHAPTER.CONTENT" val="Header of section"/>
+  <p:tag name="FIELD.CHAPTER.VALUE" val="Header of section"/>
+  <p:tag name="FIELD.DPT.CONTENT" val="CR/AEX3"/>
+  <p:tag name="FIELD.DPT.VALUE" val="CR/AEX3 | "/>
+  <p:tag name="FIELDS.INITIALIZED" val="1"/>
+  <p:tag name="ML_1" val="RB_Rng"/>
+  <p:tag name="ML_2" val="Bosch2.mcr"/>
+  <p:tag name="ML_LAYOUT_RESOURCE" val="BOSCH2_16_9.mcr"/>
+  <p:tag name="SHAPESETGROUPCLASSNAME" val="ShapeSetGroup1"/>
+  <p:tag name="SHAPESETCLASSNAME" val="Object"/>
+  <p:tag name="COLORSETGROUPCLASSNAME" val="ColorSetGroup1"/>
   <p:tag name="COLORSETCLASSNAME" val="ColorSet2"/>
-  <p:tag name="COLORS" val="-2;-2;-2;-2;-1;-2"/>
+  <p:tag name="FONTSETGROUPCLASSNAME" val="FontSetGroup1"/>
+  <p:tag name="STYLESETGROUPCLASSNAME" val="StyleSetGroup1"/>
+  <p:tag name="MAPNAME" val="Map1"/>
+  <p:tag name="CFG.LAYOUT" val="BOSCH2"/>
+  <p:tag name="MLI" val="1"/>
+  <p:tag name="TEXTBOX 3_SHAPECLASSPROTECTIONTYPE" val="31"/>
+  <p:tag name="RECTANGLE 4_SHAPECLASSPROTECTIONTYPE" val="3"/>
+  <p:tag name="RECTANGLE 5_SHAPECLASSPROTECTIONTYPE" val="63"/>
+  <p:tag name="RECTANGLE 6_SHAPECLASSPROTECTIONTYPE" val="63"/>
+  <p:tag name="RECTANGLE 7_SHAPECLASSPROTECTIONTYPE" val="63"/>
+  <p:tag name="CONTENT PLACEHOLDER 2_SHAPECLASSPROTECTIONTYPE" val="0"/>
+  <p:tag name="TEXTBOX 8_SHAPECLASSPROTECTIONTYPE" val="25"/>
+  <p:tag name="TITLE 1_SHAPECLASSPROTECTIONTYPE" val="9"/>
+  <p:tag name="CONTENT PLACEHOLDER 9_SHAPECLASSPROTECTIONTYPE" val="0"/>
 </p:tagLst>
 </file>
 
@@ -10195,8 +12315,168 @@
 
 <file path=ppt/tags/tag70.xml><?xml version="1.0" encoding="utf-8"?>
 <p:tagLst xmlns:a="http://schemas.openxmlformats.org/drawingml/2006/main" xmlns:r="http://schemas.openxmlformats.org/officeDocument/2006/relationships" xmlns:p="http://schemas.openxmlformats.org/presentationml/2006/main">
+  <p:tag name="FONT" val="Reg28"/>
+  <p:tag name="FONTSETCLASSNAME" val="FontSet1"/>
+  <p:tag name="COLORSETCLASSNAME" val="ColorSet1"/>
+  <p:tag name="SCRIPT" val="1"/>
+  <p:tag name="FIELDS" val="CHAPTER;"/>
+  <p:tag name="MLI" val="1"/>
+  <p:tag name="SHAPESETGROUPCLASSNAME" val="ShapeSetGroup1"/>
+  <p:tag name="SHAPESETCLASSNAME" val="Object"/>
+  <p:tag name="COLORSETGROUPCLASSNAME" val="ColorSetGroup1"/>
+  <p:tag name="FONTSETGROUPCLASSNAME" val="FontSetGroup1"/>
+  <p:tag name="SHAPECLASSNAME" val="Chapterbox"/>
+  <p:tag name="SHAPECLASSPROTECTIONTYPE" val="25"/>
+  <p:tag name="COLORS" val="-2;-2;-2;-2;-1;-2"/>
+</p:tagLst>
+</file>
+
+<file path=ppt/tags/tag71.xml><?xml version="1.0" encoding="utf-8"?>
+<p:tagLst xmlns:a="http://schemas.openxmlformats.org/drawingml/2006/main" xmlns:r="http://schemas.openxmlformats.org/officeDocument/2006/relationships" xmlns:p="http://schemas.openxmlformats.org/presentationml/2006/main">
+  <p:tag name="FONT" val="Bold6"/>
+  <p:tag name="FONT2" val="Reg6"/>
+  <p:tag name="FONT3" val="Reg6"/>
+  <p:tag name="FONTSETCLASSNAME" val="FontSet1"/>
+  <p:tag name="FONTCOLOR" val="Red"/>
+  <p:tag name="FONTCOLOR2" val="Black"/>
+  <p:tag name="FONTCOLOR3" val="Black"/>
+  <p:tag name="FONTCOLOR4" val="Black"/>
+  <p:tag name="RUNS.FONT" val="4"/>
+  <p:tag name="COLORS" val="-2;-2;-2;-2;Red;-2"/>
+  <p:tag name="COLORSETCLASSNAME" val="ColorSet1"/>
+  <p:tag name="SCRIPT" val="1"/>
+  <p:tag name="FIELDS" val="CONF;DPT;DATE;"/>
+  <p:tag name="MLI" val="1"/>
+  <p:tag name="SHAPESETGROUPCLASSNAME" val="ShapeSetGroup1"/>
+  <p:tag name="SHAPESETCLASSNAME" val="Object"/>
+  <p:tag name="COLORSETGROUPCLASSNAME" val="ColorSetGroup1"/>
+  <p:tag name="FONTSETGROUPCLASSNAME" val="FontSetGroup1"/>
+  <p:tag name="SHAPECLASSNAME" val="FooterLine1OnSlides"/>
+  <p:tag name="SHAPECLASSPROTECTIONTYPE" val="63"/>
+</p:tagLst>
+</file>
+
+<file path=ppt/tags/tag72.xml><?xml version="1.0" encoding="utf-8"?>
+<p:tagLst xmlns:a="http://schemas.openxmlformats.org/drawingml/2006/main" xmlns:r="http://schemas.openxmlformats.org/officeDocument/2006/relationships" xmlns:p="http://schemas.openxmlformats.org/presentationml/2006/main">
+  <p:tag name="FONT" val="Reg6"/>
+  <p:tag name="FONTSETCLASSNAME" val="FontSet1"/>
+  <p:tag name="FONTCOLOR" val="Black"/>
+  <p:tag name="FONTCOLOR2" val="LightGray"/>
+  <p:tag name="FONTCOLOR3" val="LightGray"/>
+  <p:tag name="RUNS.FONT" val="3"/>
+  <p:tag name="COLORS" val="-2;-2;-2;-2;Black;-2"/>
+  <p:tag name="COLORSETCLASSNAME" val="ColorSet1"/>
+  <p:tag name="SCRIPT" val="1"/>
+  <p:tag name="FIELDS" val="REM_ABL;COPY;"/>
+  <p:tag name="MLI" val="1"/>
+  <p:tag name="SHAPESETGROUPCLASSNAME" val="ShapeSetGroup1"/>
+  <p:tag name="SHAPESETCLASSNAME" val="Object"/>
+  <p:tag name="COLORSETGROUPCLASSNAME" val="ColorSetGroup1"/>
+  <p:tag name="FONTSETGROUPCLASSNAME" val="FontSetGroup1"/>
+  <p:tag name="SHAPECLASSNAME" val="FooterLine2OnSlides"/>
+  <p:tag name="SHAPECLASSPROTECTIONTYPE" val="63"/>
+</p:tagLst>
+</file>
+
+<file path=ppt/tags/tag73.xml><?xml version="1.0" encoding="utf-8"?>
+<p:tagLst xmlns:a="http://schemas.openxmlformats.org/drawingml/2006/main" xmlns:r="http://schemas.openxmlformats.org/officeDocument/2006/relationships" xmlns:p="http://schemas.openxmlformats.org/presentationml/2006/main">
+  <p:tag name="FONT" val="Reg12"/>
+  <p:tag name="FONTSETCLASSNAME" val="FontSet1"/>
+  <p:tag name="COLORS" val="-2;-2;-2;-2;DarkGray2;-2"/>
+  <p:tag name="COLORSETCLASSNAME" val="ColorSet1"/>
+  <p:tag name="SCRIPT" val="1"/>
+  <p:tag name="MLI" val="1"/>
+  <p:tag name="SHAPESETGROUPCLASSNAME" val="ShapeSetGroup1"/>
+  <p:tag name="SHAPESETCLASSNAME" val="Object"/>
+  <p:tag name="COLORSETGROUPCLASSNAME" val="ColorSetGroup1"/>
+  <p:tag name="FONTSETGROUPCLASSNAME" val="FontSetGroup1"/>
+  <p:tag name="SHAPECLASSNAME" val="PageNumberOnSlides"/>
+  <p:tag name="SHAPECLASSPROTECTIONTYPE" val="63"/>
+</p:tagLst>
+</file>
+
+<file path=ppt/tags/tag74.xml><?xml version="1.0" encoding="utf-8"?>
+<p:tagLst xmlns:a="http://schemas.openxmlformats.org/drawingml/2006/main" xmlns:r="http://schemas.openxmlformats.org/officeDocument/2006/relationships" xmlns:p="http://schemas.openxmlformats.org/presentationml/2006/main">
+  <p:tag name="FONT" val="Reg5x5"/>
+  <p:tag name="FONTSETCLASSNAME" val="FontSet1"/>
+  <p:tag name="COLORS" val="-2;-2;-2;-2;-2;-2"/>
+  <p:tag name="COLORSETCLASSNAME" val="ColorSet1"/>
+  <p:tag name="SCRIPT" val="1"/>
+  <p:tag name="FIELDS" val="REM_ANL;"/>
+  <p:tag name="MLI" val="1"/>
+  <p:tag name="SHAPESETGROUPCLASSNAME" val="ShapeSetGroup1"/>
+  <p:tag name="SHAPESETCLASSNAME" val="Object"/>
+  <p:tag name="COLORSETGROUPCLASSNAME" val="ColorSetGroup1"/>
+  <p:tag name="FONTSETGROUPCLASSNAME" val="FontSetGroup1"/>
+  <p:tag name="SHAPECLASSNAME" val="Attachment"/>
+  <p:tag name="SHAPECLASSPROTECTIONTYPE" val="3"/>
+</p:tagLst>
+</file>
+
+<file path=ppt/tags/tag75.xml><?xml version="1.0" encoding="utf-8"?>
+<p:tagLst xmlns:a="http://schemas.openxmlformats.org/drawingml/2006/main" xmlns:r="http://schemas.openxmlformats.org/officeDocument/2006/relationships" xmlns:p="http://schemas.openxmlformats.org/presentationml/2006/main">
+  <p:tag name="FONT" val="NavbarItem"/>
+  <p:tag name="FONTSETCLASSNAME" val="FontSet1"/>
+  <p:tag name="COLORS" val="-2;-2;-2;-2;-2;-2"/>
+  <p:tag name="COLORSETCLASSNAME" val="ColorSet1"/>
+  <p:tag name="MLI" val="1"/>
+  <p:tag name="SHAPESETGROUPCLASSNAME" val="ShapeSetGroup1"/>
+  <p:tag name="SHAPESETCLASSNAME" val="Object"/>
+  <p:tag name="COLORSETGROUPCLASSNAME" val="ColorSetGroup1"/>
+  <p:tag name="FONTSETGROUPCLASSNAME" val="FontSetGroup1"/>
+  <p:tag name="SHAPECLASSNAME" val="tNavbar"/>
+  <p:tag name="SHAPECLASSPROTECTIONTYPE" val="31"/>
+</p:tagLst>
+</file>
+
+<file path=ppt/tags/tag76.xml><?xml version="1.0" encoding="utf-8"?>
+<p:tagLst xmlns:a="http://schemas.openxmlformats.org/drawingml/2006/main" xmlns:r="http://schemas.openxmlformats.org/officeDocument/2006/relationships" xmlns:p="http://schemas.openxmlformats.org/presentationml/2006/main">
+  <p:tag name="COLORSETCLASSNAME" val="ColorSet2"/>
+  <p:tag name="COLORS" val="-2;-2;-2;-2;-1;-2"/>
+</p:tagLst>
+</file>
+
+<file path=ppt/tags/tag77.xml><?xml version="1.0" encoding="utf-8"?>
+<p:tagLst xmlns:a="http://schemas.openxmlformats.org/drawingml/2006/main" xmlns:r="http://schemas.openxmlformats.org/officeDocument/2006/relationships" xmlns:p="http://schemas.openxmlformats.org/presentationml/2006/main">
+  <p:tag name="COLORSETCLASSNAME" val="ColorSet2"/>
+  <p:tag name="COLORS" val="-2;-2;-2;-2;-1;-2"/>
+</p:tagLst>
+</file>
+
+<file path=ppt/tags/tag78.xml><?xml version="1.0" encoding="utf-8"?>
+<p:tagLst xmlns:a="http://schemas.openxmlformats.org/drawingml/2006/main" xmlns:r="http://schemas.openxmlformats.org/officeDocument/2006/relationships" xmlns:p="http://schemas.openxmlformats.org/presentationml/2006/main">
   <p:tag name="COLORSETCLASSNAME" val="ColorSet2"/>
   <p:tag name="COLORS" val="-2;-2;-2;-2;-3;-2"/>
+</p:tagLst>
+</file>
+
+<file path=ppt/tags/tag79.xml><?xml version="1.0" encoding="utf-8"?>
+<p:tagLst xmlns:a="http://schemas.openxmlformats.org/drawingml/2006/main" xmlns:r="http://schemas.openxmlformats.org/officeDocument/2006/relationships" xmlns:p="http://schemas.openxmlformats.org/presentationml/2006/main">
+  <p:tag name="FIELD.CHAPTER.CONTENT" val="Header of section"/>
+  <p:tag name="FIELD.CHAPTER.VALUE" val="Header of section"/>
+  <p:tag name="FIELD.DPT.CONTENT" val="CR/AEX3"/>
+  <p:tag name="FIELD.DPT.VALUE" val="CR/AEX3 | "/>
+  <p:tag name="FIELDS.INITIALIZED" val="1"/>
+  <p:tag name="ML_1" val="RB_Rng"/>
+  <p:tag name="ML_2" val="Bosch2.mcr"/>
+  <p:tag name="ML_LAYOUT_RESOURCE" val="BOSCH2_16_9.mcr"/>
+  <p:tag name="SHAPESETGROUPCLASSNAME" val="ShapeSetGroup1"/>
+  <p:tag name="SHAPESETCLASSNAME" val="Object"/>
+  <p:tag name="COLORSETGROUPCLASSNAME" val="ColorSetGroup1"/>
+  <p:tag name="COLORSETCLASSNAME" val="ColorSet2"/>
+  <p:tag name="FONTSETGROUPCLASSNAME" val="FontSetGroup1"/>
+  <p:tag name="STYLESETGROUPCLASSNAME" val="StyleSetGroup1"/>
+  <p:tag name="MAPNAME" val="Map1"/>
+  <p:tag name="CFG.LAYOUT" val="BOSCH2"/>
+  <p:tag name="MLI" val="1"/>
+  <p:tag name="TEXTBOX 3_SHAPECLASSPROTECTIONTYPE" val="31"/>
+  <p:tag name="RECTANGLE 4_SHAPECLASSPROTECTIONTYPE" val="3"/>
+  <p:tag name="RECTANGLE 5_SHAPECLASSPROTECTIONTYPE" val="63"/>
+  <p:tag name="RECTANGLE 6_SHAPECLASSPROTECTIONTYPE" val="63"/>
+  <p:tag name="RECTANGLE 7_SHAPECLASSPROTECTIONTYPE" val="63"/>
+  <p:tag name="CONTENT PLACEHOLDER 2_SHAPECLASSPROTECTIONTYPE" val="0"/>
+  <p:tag name="TEXTBOX 8_SHAPECLASSPROTECTIONTYPE" val="25"/>
+  <p:tag name="TITLE 1_SHAPECLASSPROTECTIONTYPE" val="9"/>
 </p:tagLst>
 </file>
 
@@ -10216,6 +12496,211 @@
 </p:tagLst>
 </file>
 
+<file path=ppt/tags/tag80.xml><?xml version="1.0" encoding="utf-8"?>
+<p:tagLst xmlns:a="http://schemas.openxmlformats.org/drawingml/2006/main" xmlns:r="http://schemas.openxmlformats.org/officeDocument/2006/relationships" xmlns:p="http://schemas.openxmlformats.org/presentationml/2006/main">
+  <p:tag name="FONT" val="Reg28"/>
+  <p:tag name="FONTSETCLASSNAME" val="FontSet1"/>
+  <p:tag name="COLORSETCLASSNAME" val="ColorSet1"/>
+  <p:tag name="SCRIPT" val="1"/>
+  <p:tag name="FIELDS" val="CHAPTER;"/>
+  <p:tag name="MLI" val="1"/>
+  <p:tag name="SHAPESETGROUPCLASSNAME" val="ShapeSetGroup1"/>
+  <p:tag name="SHAPESETCLASSNAME" val="Object"/>
+  <p:tag name="COLORSETGROUPCLASSNAME" val="ColorSetGroup1"/>
+  <p:tag name="FONTSETGROUPCLASSNAME" val="FontSetGroup1"/>
+  <p:tag name="SHAPECLASSNAME" val="Chapterbox"/>
+  <p:tag name="SHAPECLASSPROTECTIONTYPE" val="25"/>
+  <p:tag name="COLORS" val="-2;-2;-2;-2;-1;-2"/>
+</p:tagLst>
+</file>
+
+<file path=ppt/tags/tag81.xml><?xml version="1.0" encoding="utf-8"?>
+<p:tagLst xmlns:a="http://schemas.openxmlformats.org/drawingml/2006/main" xmlns:r="http://schemas.openxmlformats.org/officeDocument/2006/relationships" xmlns:p="http://schemas.openxmlformats.org/presentationml/2006/main">
+  <p:tag name="FONT" val="Bold6"/>
+  <p:tag name="FONT2" val="Reg6"/>
+  <p:tag name="FONT3" val="Reg6"/>
+  <p:tag name="FONTSETCLASSNAME" val="FontSet1"/>
+  <p:tag name="FONTCOLOR" val="Red"/>
+  <p:tag name="FONTCOLOR2" val="Black"/>
+  <p:tag name="FONTCOLOR3" val="Black"/>
+  <p:tag name="FONTCOLOR4" val="Black"/>
+  <p:tag name="RUNS.FONT" val="4"/>
+  <p:tag name="COLORS" val="-2;-2;-2;-2;Red;-2"/>
+  <p:tag name="COLORSETCLASSNAME" val="ColorSet1"/>
+  <p:tag name="SCRIPT" val="1"/>
+  <p:tag name="FIELDS" val="CONF;DPT;DATE;"/>
+  <p:tag name="MLI" val="1"/>
+  <p:tag name="SHAPESETGROUPCLASSNAME" val="ShapeSetGroup1"/>
+  <p:tag name="SHAPESETCLASSNAME" val="Object"/>
+  <p:tag name="COLORSETGROUPCLASSNAME" val="ColorSetGroup1"/>
+  <p:tag name="FONTSETGROUPCLASSNAME" val="FontSetGroup1"/>
+  <p:tag name="SHAPECLASSNAME" val="FooterLine1OnSlides"/>
+  <p:tag name="SHAPECLASSPROTECTIONTYPE" val="63"/>
+</p:tagLst>
+</file>
+
+<file path=ppt/tags/tag82.xml><?xml version="1.0" encoding="utf-8"?>
+<p:tagLst xmlns:a="http://schemas.openxmlformats.org/drawingml/2006/main" xmlns:r="http://schemas.openxmlformats.org/officeDocument/2006/relationships" xmlns:p="http://schemas.openxmlformats.org/presentationml/2006/main">
+  <p:tag name="FONT" val="Reg6"/>
+  <p:tag name="FONTSETCLASSNAME" val="FontSet1"/>
+  <p:tag name="FONTCOLOR" val="Black"/>
+  <p:tag name="FONTCOLOR2" val="LightGray"/>
+  <p:tag name="FONTCOLOR3" val="LightGray"/>
+  <p:tag name="RUNS.FONT" val="3"/>
+  <p:tag name="COLORS" val="-2;-2;-2;-2;Black;-2"/>
+  <p:tag name="COLORSETCLASSNAME" val="ColorSet1"/>
+  <p:tag name="SCRIPT" val="1"/>
+  <p:tag name="FIELDS" val="REM_ABL;COPY;"/>
+  <p:tag name="MLI" val="1"/>
+  <p:tag name="SHAPESETGROUPCLASSNAME" val="ShapeSetGroup1"/>
+  <p:tag name="SHAPESETCLASSNAME" val="Object"/>
+  <p:tag name="COLORSETGROUPCLASSNAME" val="ColorSetGroup1"/>
+  <p:tag name="FONTSETGROUPCLASSNAME" val="FontSetGroup1"/>
+  <p:tag name="SHAPECLASSNAME" val="FooterLine2OnSlides"/>
+  <p:tag name="SHAPECLASSPROTECTIONTYPE" val="63"/>
+</p:tagLst>
+</file>
+
+<file path=ppt/tags/tag83.xml><?xml version="1.0" encoding="utf-8"?>
+<p:tagLst xmlns:a="http://schemas.openxmlformats.org/drawingml/2006/main" xmlns:r="http://schemas.openxmlformats.org/officeDocument/2006/relationships" xmlns:p="http://schemas.openxmlformats.org/presentationml/2006/main">
+  <p:tag name="FONT" val="Reg12"/>
+  <p:tag name="FONTSETCLASSNAME" val="FontSet1"/>
+  <p:tag name="COLORS" val="-2;-2;-2;-2;DarkGray2;-2"/>
+  <p:tag name="COLORSETCLASSNAME" val="ColorSet1"/>
+  <p:tag name="SCRIPT" val="1"/>
+  <p:tag name="MLI" val="1"/>
+  <p:tag name="SHAPESETGROUPCLASSNAME" val="ShapeSetGroup1"/>
+  <p:tag name="SHAPESETCLASSNAME" val="Object"/>
+  <p:tag name="COLORSETGROUPCLASSNAME" val="ColorSetGroup1"/>
+  <p:tag name="FONTSETGROUPCLASSNAME" val="FontSetGroup1"/>
+  <p:tag name="SHAPECLASSNAME" val="PageNumberOnSlides"/>
+  <p:tag name="SHAPECLASSPROTECTIONTYPE" val="63"/>
+</p:tagLst>
+</file>
+
+<file path=ppt/tags/tag84.xml><?xml version="1.0" encoding="utf-8"?>
+<p:tagLst xmlns:a="http://schemas.openxmlformats.org/drawingml/2006/main" xmlns:r="http://schemas.openxmlformats.org/officeDocument/2006/relationships" xmlns:p="http://schemas.openxmlformats.org/presentationml/2006/main">
+  <p:tag name="FONT" val="Reg5x5"/>
+  <p:tag name="FONTSETCLASSNAME" val="FontSet1"/>
+  <p:tag name="COLORS" val="-2;-2;-2;-2;-2;-2"/>
+  <p:tag name="COLORSETCLASSNAME" val="ColorSet1"/>
+  <p:tag name="SCRIPT" val="1"/>
+  <p:tag name="FIELDS" val="REM_ANL;"/>
+  <p:tag name="MLI" val="1"/>
+  <p:tag name="SHAPESETGROUPCLASSNAME" val="ShapeSetGroup1"/>
+  <p:tag name="SHAPESETCLASSNAME" val="Object"/>
+  <p:tag name="COLORSETGROUPCLASSNAME" val="ColorSetGroup1"/>
+  <p:tag name="FONTSETGROUPCLASSNAME" val="FontSetGroup1"/>
+  <p:tag name="SHAPECLASSNAME" val="Attachment"/>
+  <p:tag name="SHAPECLASSPROTECTIONTYPE" val="3"/>
+</p:tagLst>
+</file>
+
+<file path=ppt/tags/tag85.xml><?xml version="1.0" encoding="utf-8"?>
+<p:tagLst xmlns:a="http://schemas.openxmlformats.org/drawingml/2006/main" xmlns:r="http://schemas.openxmlformats.org/officeDocument/2006/relationships" xmlns:p="http://schemas.openxmlformats.org/presentationml/2006/main">
+  <p:tag name="FONT" val="NavbarItem"/>
+  <p:tag name="FONTSETCLASSNAME" val="FontSet1"/>
+  <p:tag name="COLORS" val="-2;-2;-2;-2;-2;-2"/>
+  <p:tag name="COLORSETCLASSNAME" val="ColorSet1"/>
+  <p:tag name="MLI" val="1"/>
+  <p:tag name="SHAPESETGROUPCLASSNAME" val="ShapeSetGroup1"/>
+  <p:tag name="SHAPESETCLASSNAME" val="Object"/>
+  <p:tag name="COLORSETGROUPCLASSNAME" val="ColorSetGroup1"/>
+  <p:tag name="FONTSETGROUPCLASSNAME" val="FontSetGroup1"/>
+  <p:tag name="SHAPECLASSNAME" val="tNavbar"/>
+  <p:tag name="SHAPECLASSPROTECTIONTYPE" val="31"/>
+</p:tagLst>
+</file>
+
+<file path=ppt/tags/tag86.xml><?xml version="1.0" encoding="utf-8"?>
+<p:tagLst xmlns:a="http://schemas.openxmlformats.org/drawingml/2006/main" xmlns:r="http://schemas.openxmlformats.org/officeDocument/2006/relationships" xmlns:p="http://schemas.openxmlformats.org/presentationml/2006/main">
+  <p:tag name="FONTSETCLASSNAME" val="FontSet1"/>
+  <p:tag name="COLORSETCLASSNAME" val="ColorSet1"/>
+  <p:tag name="STYLENAME" val="Bodystyle"/>
+  <p:tag name="MLI" val="1"/>
+  <p:tag name="SHAPESETGROUPCLASSNAME" val="ShapeSetGroup1"/>
+  <p:tag name="SHAPESETCLASSNAME" val="Object"/>
+  <p:tag name="COLORSETGROUPCLASSNAME" val="ColorSetGroup1"/>
+  <p:tag name="FONTSETGROUPCLASSNAME" val="FontSetGroup1"/>
+  <p:tag name="SHAPECLASSNAME" val="ObjectFull"/>
+  <p:tag name="SHAPECLASSPROTECTIONTYPE" val="0"/>
+  <p:tag name="COLORS" val="-2;-2;-2;-2;-1;-2"/>
+</p:tagLst>
+</file>
+
+<file path=ppt/tags/tag87.xml><?xml version="1.0" encoding="utf-8"?>
+<p:tagLst xmlns:a="http://schemas.openxmlformats.org/drawingml/2006/main" xmlns:r="http://schemas.openxmlformats.org/officeDocument/2006/relationships" xmlns:p="http://schemas.openxmlformats.org/presentationml/2006/main">
+  <p:tag name="FIELD.CHAPTER.CONTENT" val="Header of section"/>
+  <p:tag name="FIELD.CHAPTER.VALUE" val="Header of section"/>
+  <p:tag name="FIELD.DPT.CONTENT" val="CR/AEX3"/>
+  <p:tag name="FIELD.DPT.VALUE" val="CR/AEX3 | "/>
+  <p:tag name="FIELDS.INITIALIZED" val="1"/>
+  <p:tag name="ML_1" val="RB_Rng"/>
+  <p:tag name="ML_2" val="Bosch2.mcr"/>
+  <p:tag name="ML_LAYOUT_RESOURCE" val="BOSCH2_16_9.mcr"/>
+  <p:tag name="SHAPESETGROUPCLASSNAME" val="ShapeSetGroup1"/>
+  <p:tag name="SHAPESETCLASSNAME" val="Object"/>
+  <p:tag name="COLORSETGROUPCLASSNAME" val="ColorSetGroup1"/>
+  <p:tag name="COLORSETCLASSNAME" val="ColorSet2"/>
+  <p:tag name="FONTSETGROUPCLASSNAME" val="FontSetGroup1"/>
+  <p:tag name="STYLESETGROUPCLASSNAME" val="StyleSetGroup1"/>
+  <p:tag name="MAPNAME" val="Map1"/>
+  <p:tag name="CFG.LAYOUT" val="BOSCH2"/>
+  <p:tag name="MLI" val="1"/>
+  <p:tag name="TEXTBOX 3_SHAPECLASSPROTECTIONTYPE" val="31"/>
+  <p:tag name="RECTANGLE 4_SHAPECLASSPROTECTIONTYPE" val="3"/>
+  <p:tag name="RECTANGLE 5_SHAPECLASSPROTECTIONTYPE" val="63"/>
+  <p:tag name="RECTANGLE 6_SHAPECLASSPROTECTIONTYPE" val="63"/>
+  <p:tag name="RECTANGLE 7_SHAPECLASSPROTECTIONTYPE" val="63"/>
+  <p:tag name="CONTENT PLACEHOLDER 2_SHAPECLASSPROTECTIONTYPE" val="0"/>
+  <p:tag name="TEXTBOX 8_SHAPECLASSPROTECTIONTYPE" val="25"/>
+  <p:tag name="TITLE 1_SHAPECLASSPROTECTIONTYPE" val="9"/>
+</p:tagLst>
+</file>
+
+<file path=ppt/tags/tag88.xml><?xml version="1.0" encoding="utf-8"?>
+<p:tagLst xmlns:a="http://schemas.openxmlformats.org/drawingml/2006/main" xmlns:r="http://schemas.openxmlformats.org/officeDocument/2006/relationships" xmlns:p="http://schemas.openxmlformats.org/presentationml/2006/main">
+  <p:tag name="FONT" val="Reg28"/>
+  <p:tag name="FONTSETCLASSNAME" val="FontSet1"/>
+  <p:tag name="COLORSETCLASSNAME" val="ColorSet1"/>
+  <p:tag name="SCRIPT" val="1"/>
+  <p:tag name="FIELDS" val="CHAPTER;"/>
+  <p:tag name="MLI" val="1"/>
+  <p:tag name="SHAPESETGROUPCLASSNAME" val="ShapeSetGroup1"/>
+  <p:tag name="SHAPESETCLASSNAME" val="Object"/>
+  <p:tag name="COLORSETGROUPCLASSNAME" val="ColorSetGroup1"/>
+  <p:tag name="FONTSETGROUPCLASSNAME" val="FontSetGroup1"/>
+  <p:tag name="SHAPECLASSNAME" val="Chapterbox"/>
+  <p:tag name="SHAPECLASSPROTECTIONTYPE" val="25"/>
+  <p:tag name="COLORS" val="-2;-2;-2;-2;-1;-2"/>
+</p:tagLst>
+</file>
+
+<file path=ppt/tags/tag89.xml><?xml version="1.0" encoding="utf-8"?>
+<p:tagLst xmlns:a="http://schemas.openxmlformats.org/drawingml/2006/main" xmlns:r="http://schemas.openxmlformats.org/officeDocument/2006/relationships" xmlns:p="http://schemas.openxmlformats.org/presentationml/2006/main">
+  <p:tag name="FONT" val="Bold6"/>
+  <p:tag name="FONT2" val="Reg6"/>
+  <p:tag name="FONT3" val="Reg6"/>
+  <p:tag name="FONTSETCLASSNAME" val="FontSet1"/>
+  <p:tag name="FONTCOLOR" val="Red"/>
+  <p:tag name="FONTCOLOR2" val="Black"/>
+  <p:tag name="FONTCOLOR3" val="Black"/>
+  <p:tag name="FONTCOLOR4" val="Black"/>
+  <p:tag name="RUNS.FONT" val="4"/>
+  <p:tag name="COLORS" val="-2;-2;-2;-2;Red;-2"/>
+  <p:tag name="COLORSETCLASSNAME" val="ColorSet1"/>
+  <p:tag name="SCRIPT" val="1"/>
+  <p:tag name="FIELDS" val="CONF;DPT;DATE;"/>
+  <p:tag name="MLI" val="1"/>
+  <p:tag name="SHAPESETGROUPCLASSNAME" val="ShapeSetGroup1"/>
+  <p:tag name="SHAPESETCLASSNAME" val="Object"/>
+  <p:tag name="COLORSETGROUPCLASSNAME" val="ColorSetGroup1"/>
+  <p:tag name="FONTSETGROUPCLASSNAME" val="FontSetGroup1"/>
+  <p:tag name="SHAPECLASSNAME" val="FooterLine1OnSlides"/>
+  <p:tag name="SHAPECLASSPROTECTIONTYPE" val="63"/>
+</p:tagLst>
+</file>
+
 <file path=ppt/tags/tag9.xml><?xml version="1.0" encoding="utf-8"?>
 <p:tagLst xmlns:a="http://schemas.openxmlformats.org/drawingml/2006/main" xmlns:r="http://schemas.openxmlformats.org/officeDocument/2006/relationships" xmlns:p="http://schemas.openxmlformats.org/presentationml/2006/main">
   <p:tag name="COLORS" val="-2;-2;-2;-2;-2;-2"/>
@@ -10228,6 +12713,95 @@
   <p:tag name="MLI" val="1"/>
   <p:tag name="SHAPECLASSNAME" val="LogoOnSlides"/>
   <p:tag name="SHAPECLASSPROTECTIONTYPE" val="15"/>
+</p:tagLst>
+</file>
+
+<file path=ppt/tags/tag90.xml><?xml version="1.0" encoding="utf-8"?>
+<p:tagLst xmlns:a="http://schemas.openxmlformats.org/drawingml/2006/main" xmlns:r="http://schemas.openxmlformats.org/officeDocument/2006/relationships" xmlns:p="http://schemas.openxmlformats.org/presentationml/2006/main">
+  <p:tag name="FONT" val="Reg6"/>
+  <p:tag name="FONTSETCLASSNAME" val="FontSet1"/>
+  <p:tag name="FONTCOLOR" val="Black"/>
+  <p:tag name="FONTCOLOR2" val="LightGray"/>
+  <p:tag name="FONTCOLOR3" val="LightGray"/>
+  <p:tag name="RUNS.FONT" val="3"/>
+  <p:tag name="COLORS" val="-2;-2;-2;-2;Black;-2"/>
+  <p:tag name="COLORSETCLASSNAME" val="ColorSet1"/>
+  <p:tag name="SCRIPT" val="1"/>
+  <p:tag name="FIELDS" val="REM_ABL;COPY;"/>
+  <p:tag name="MLI" val="1"/>
+  <p:tag name="SHAPESETGROUPCLASSNAME" val="ShapeSetGroup1"/>
+  <p:tag name="SHAPESETCLASSNAME" val="Object"/>
+  <p:tag name="COLORSETGROUPCLASSNAME" val="ColorSetGroup1"/>
+  <p:tag name="FONTSETGROUPCLASSNAME" val="FontSetGroup1"/>
+  <p:tag name="SHAPECLASSNAME" val="FooterLine2OnSlides"/>
+  <p:tag name="SHAPECLASSPROTECTIONTYPE" val="63"/>
+</p:tagLst>
+</file>
+
+<file path=ppt/tags/tag91.xml><?xml version="1.0" encoding="utf-8"?>
+<p:tagLst xmlns:a="http://schemas.openxmlformats.org/drawingml/2006/main" xmlns:r="http://schemas.openxmlformats.org/officeDocument/2006/relationships" xmlns:p="http://schemas.openxmlformats.org/presentationml/2006/main">
+  <p:tag name="FONT" val="Reg12"/>
+  <p:tag name="FONTSETCLASSNAME" val="FontSet1"/>
+  <p:tag name="COLORS" val="-2;-2;-2;-2;DarkGray2;-2"/>
+  <p:tag name="COLORSETCLASSNAME" val="ColorSet1"/>
+  <p:tag name="SCRIPT" val="1"/>
+  <p:tag name="MLI" val="1"/>
+  <p:tag name="SHAPESETGROUPCLASSNAME" val="ShapeSetGroup1"/>
+  <p:tag name="SHAPESETCLASSNAME" val="Object"/>
+  <p:tag name="COLORSETGROUPCLASSNAME" val="ColorSetGroup1"/>
+  <p:tag name="FONTSETGROUPCLASSNAME" val="FontSetGroup1"/>
+  <p:tag name="SHAPECLASSNAME" val="PageNumberOnSlides"/>
+  <p:tag name="SHAPECLASSPROTECTIONTYPE" val="63"/>
+</p:tagLst>
+</file>
+
+<file path=ppt/tags/tag92.xml><?xml version="1.0" encoding="utf-8"?>
+<p:tagLst xmlns:a="http://schemas.openxmlformats.org/drawingml/2006/main" xmlns:r="http://schemas.openxmlformats.org/officeDocument/2006/relationships" xmlns:p="http://schemas.openxmlformats.org/presentationml/2006/main">
+  <p:tag name="FONT" val="Reg5x5"/>
+  <p:tag name="FONTSETCLASSNAME" val="FontSet1"/>
+  <p:tag name="COLORS" val="-2;-2;-2;-2;-2;-2"/>
+  <p:tag name="COLORSETCLASSNAME" val="ColorSet1"/>
+  <p:tag name="SCRIPT" val="1"/>
+  <p:tag name="FIELDS" val="REM_ANL;"/>
+  <p:tag name="MLI" val="1"/>
+  <p:tag name="SHAPESETGROUPCLASSNAME" val="ShapeSetGroup1"/>
+  <p:tag name="SHAPESETCLASSNAME" val="Object"/>
+  <p:tag name="COLORSETGROUPCLASSNAME" val="ColorSetGroup1"/>
+  <p:tag name="FONTSETGROUPCLASSNAME" val="FontSetGroup1"/>
+  <p:tag name="SHAPECLASSNAME" val="Attachment"/>
+  <p:tag name="SHAPECLASSPROTECTIONTYPE" val="3"/>
+</p:tagLst>
+</file>
+
+<file path=ppt/tags/tag93.xml><?xml version="1.0" encoding="utf-8"?>
+<p:tagLst xmlns:a="http://schemas.openxmlformats.org/drawingml/2006/main" xmlns:r="http://schemas.openxmlformats.org/officeDocument/2006/relationships" xmlns:p="http://schemas.openxmlformats.org/presentationml/2006/main">
+  <p:tag name="FONT" val="NavbarItem"/>
+  <p:tag name="FONTSETCLASSNAME" val="FontSet1"/>
+  <p:tag name="COLORS" val="-2;-2;-2;-2;-2;-2"/>
+  <p:tag name="COLORSETCLASSNAME" val="ColorSet1"/>
+  <p:tag name="MLI" val="1"/>
+  <p:tag name="SHAPESETGROUPCLASSNAME" val="ShapeSetGroup1"/>
+  <p:tag name="SHAPESETCLASSNAME" val="Object"/>
+  <p:tag name="COLORSETGROUPCLASSNAME" val="ColorSetGroup1"/>
+  <p:tag name="FONTSETGROUPCLASSNAME" val="FontSetGroup1"/>
+  <p:tag name="SHAPECLASSNAME" val="tNavbar"/>
+  <p:tag name="SHAPECLASSPROTECTIONTYPE" val="31"/>
+</p:tagLst>
+</file>
+
+<file path=ppt/tags/tag94.xml><?xml version="1.0" encoding="utf-8"?>
+<p:tagLst xmlns:a="http://schemas.openxmlformats.org/drawingml/2006/main" xmlns:r="http://schemas.openxmlformats.org/officeDocument/2006/relationships" xmlns:p="http://schemas.openxmlformats.org/presentationml/2006/main">
+  <p:tag name="FONTSETCLASSNAME" val="FontSet1"/>
+  <p:tag name="COLORSETCLASSNAME" val="ColorSet1"/>
+  <p:tag name="STYLENAME" val="Bodystyle"/>
+  <p:tag name="MLI" val="1"/>
+  <p:tag name="SHAPESETGROUPCLASSNAME" val="ShapeSetGroup1"/>
+  <p:tag name="SHAPESETCLASSNAME" val="Object"/>
+  <p:tag name="COLORSETGROUPCLASSNAME" val="ColorSetGroup1"/>
+  <p:tag name="FONTSETGROUPCLASSNAME" val="FontSetGroup1"/>
+  <p:tag name="SHAPECLASSNAME" val="ObjectFull"/>
+  <p:tag name="SHAPECLASSPROTECTIONTYPE" val="0"/>
+  <p:tag name="COLORS" val="-2;-2;-2;-2;-1;-2"/>
 </p:tagLst>
 </file>
 
